--- a/Slides/Lesson 7.1 Solving Your Problem by Generalization.pptx
+++ b/Slides/Lesson 7.1 Solving Your Problem by Generalization.pptx
@@ -239,7 +239,7 @@
           <a:p>
             <a:fld id="{CA5085ED-56B4-45A6-801A-98AC77E76501}" type="datetimeFigureOut">
               <a:rPr lang="en-US" smtClean="0"/>
-              <a:t>9/26/2015</a:t>
+              <a:t>9/28/2015</a:t>
             </a:fld>
             <a:endParaRPr lang="en-US"/>
           </a:p>
@@ -857,7 +857,7 @@
           <a:p>
             <a:fld id="{2F1F79F5-7BEC-496A-AFC7-876E38F64D71}" type="datetime1">
               <a:rPr lang="en-US" smtClean="0"/>
-              <a:t>9/26/2015</a:t>
+              <a:t>9/28/2015</a:t>
             </a:fld>
             <a:endParaRPr lang="en-US"/>
           </a:p>
@@ -959,7 +959,7 @@
           <a:p>
             <a:fld id="{0A05703A-7669-4FEA-9056-25299B4D29D4}" type="datetime1">
               <a:rPr lang="en-US" smtClean="0"/>
-              <a:t>9/26/2015</a:t>
+              <a:t>9/28/2015</a:t>
             </a:fld>
             <a:endParaRPr lang="en-US"/>
           </a:p>
@@ -1236,7 +1236,7 @@
           <a:p>
             <a:fld id="{6E5077B5-BB57-49DB-88CA-226A139E5C01}" type="datetime1">
               <a:rPr lang="en-US" smtClean="0"/>
-              <a:t>9/26/2015</a:t>
+              <a:t>9/28/2015</a:t>
             </a:fld>
             <a:endParaRPr lang="en-US"/>
           </a:p>
@@ -1489,7 +1489,7 @@
           <a:p>
             <a:fld id="{C48D9447-CBD6-49A1-89FD-8512A8CF8999}" type="datetime1">
               <a:rPr lang="en-US" smtClean="0"/>
-              <a:t>9/26/2015</a:t>
+              <a:t>9/28/2015</a:t>
             </a:fld>
             <a:endParaRPr lang="en-US"/>
           </a:p>
@@ -1659,7 +1659,7 @@
           <a:p>
             <a:fld id="{A3639A2A-823D-48B7-9ACE-7FAF42870BA9}" type="datetime1">
               <a:rPr lang="en-US" smtClean="0"/>
-              <a:t>9/26/2015</a:t>
+              <a:t>9/28/2015</a:t>
             </a:fld>
             <a:endParaRPr lang="en-US"/>
           </a:p>
@@ -1839,7 +1839,7 @@
           <a:p>
             <a:fld id="{ED1B6996-82E9-463C-972C-7B56056E426C}" type="datetime1">
               <a:rPr lang="en-US" smtClean="0"/>
-              <a:t>9/26/2015</a:t>
+              <a:t>9/28/2015</a:t>
             </a:fld>
             <a:endParaRPr lang="en-US"/>
           </a:p>
@@ -2022,7 +2022,7 @@
           <a:p>
             <a:fld id="{E22ED4DA-448D-4BB1-B935-CC112220207B}" type="datetime1">
               <a:rPr lang="en-US" smtClean="0"/>
-              <a:t>9/26/2015</a:t>
+              <a:t>9/28/2015</a:t>
             </a:fld>
             <a:endParaRPr lang="en-US"/>
           </a:p>
@@ -2204,7 +2204,7 @@
           <a:p>
             <a:fld id="{E22ED4DA-448D-4BB1-B935-CC112220207B}" type="datetime1">
               <a:rPr lang="en-US" smtClean="0"/>
-              <a:t>9/26/2015</a:t>
+              <a:t>9/28/2015</a:t>
             </a:fld>
             <a:endParaRPr lang="en-US"/>
           </a:p>
@@ -2473,7 +2473,7 @@
           <a:p>
             <a:fld id="{FF5D65A6-AB94-4435-B0B7-3743215FA46C}" type="datetime1">
               <a:rPr lang="en-US" smtClean="0"/>
-              <a:t>9/26/2015</a:t>
+              <a:t>9/28/2015</a:t>
             </a:fld>
             <a:endParaRPr lang="en-US"/>
           </a:p>
@@ -2658,7 +2658,7 @@
           <a:p>
             <a:fld id="{FF5D65A6-AB94-4435-B0B7-3743215FA46C}" type="datetime1">
               <a:rPr lang="en-US" smtClean="0"/>
-              <a:t>9/26/2015</a:t>
+              <a:t>9/28/2015</a:t>
             </a:fld>
             <a:endParaRPr lang="en-US"/>
           </a:p>
@@ -2960,7 +2960,7 @@
           <a:p>
             <a:fld id="{7C193DC4-6EF0-48C9-B29C-616106A645E1}" type="datetime1">
               <a:rPr lang="en-US" smtClean="0"/>
-              <a:t>9/26/2015</a:t>
+              <a:t>9/28/2015</a:t>
             </a:fld>
             <a:endParaRPr lang="en-US"/>
           </a:p>
@@ -3248,7 +3248,7 @@
           <a:p>
             <a:fld id="{5D1846AD-9252-4647-9435-4C2AC365653A}" type="datetime1">
               <a:rPr lang="en-US" smtClean="0"/>
-              <a:t>9/26/2015</a:t>
+              <a:t>9/28/2015</a:t>
             </a:fld>
             <a:endParaRPr lang="en-US"/>
           </a:p>
@@ -3670,7 +3670,7 @@
           <a:p>
             <a:fld id="{CE56DC10-3561-4063-A6AF-C1CC7A41040A}" type="datetime1">
               <a:rPr lang="en-US" smtClean="0"/>
-              <a:t>9/26/2015</a:t>
+              <a:t>9/28/2015</a:t>
             </a:fld>
             <a:endParaRPr lang="en-US"/>
           </a:p>
@@ -3788,7 +3788,7 @@
           <a:p>
             <a:fld id="{2F7B77F5-1464-4F6B-92A8-64FC8A508293}" type="datetime1">
               <a:rPr lang="en-US" smtClean="0"/>
-              <a:t>9/26/2015</a:t>
+              <a:t>9/28/2015</a:t>
             </a:fld>
             <a:endParaRPr lang="en-US"/>
           </a:p>
@@ -4020,7 +4020,7 @@
           <a:p>
             <a:fld id="{02B3F677-983B-48DB-ADFD-63FE6CBC7FB2}" type="datetime1">
               <a:rPr lang="en-US" smtClean="0"/>
-              <a:t>9/26/2015</a:t>
+              <a:t>9/28/2015</a:t>
             </a:fld>
             <a:endParaRPr lang="en-US"/>
           </a:p>
@@ -5441,14 +5441,7 @@
                 <a:latin typeface="Consolas" pitchFamily="49" charset="0"/>
                 <a:cs typeface="Consolas" pitchFamily="49" charset="0"/>
               </a:rPr>
-              <a:t>-</a:t>
-            </a:r>
-            <a:r>
-              <a:rPr lang="en-US" sz="2000" b="1" dirty="0" smtClean="0">
-                <a:latin typeface="Consolas" pitchFamily="49" charset="0"/>
-                <a:cs typeface="Consolas" pitchFamily="49" charset="0"/>
-              </a:rPr>
-              <a:t>&gt; </a:t>
+              <a:t>-&gt; </a:t>
             </a:r>
             <a:r>
               <a:rPr lang="en-US" sz="2000" b="1" dirty="0" err="1" smtClean="0">
@@ -5666,11 +5659,7 @@
           <a:p>
             <a:r>
               <a:rPr lang="en-US" dirty="0" smtClean="0"/>
-              <a:t>Now </a:t>
-            </a:r>
-            <a:r>
-              <a:rPr lang="en-US" dirty="0" smtClean="0"/>
-              <a:t>the problem is easy</a:t>
+              <a:t>Now the problem is easy</a:t>
             </a:r>
             <a:endParaRPr lang="en-US" dirty="0"/>
           </a:p>
@@ -6063,10 +6052,6 @@
               </a:rPr>
               <a:t>;; STRATEGY: </a:t>
             </a:r>
-            <a:endParaRPr lang="en-US" b="1" dirty="0" smtClean="0">
-              <a:latin typeface="Consolas" pitchFamily="49" charset="0"/>
-              <a:cs typeface="Consolas" pitchFamily="49" charset="0"/>
-            </a:endParaRPr>
           </a:p>
           <a:p>
             <a:pPr marL="0" indent="0">
@@ -6080,28 +6065,7 @@
                 <a:latin typeface="Consolas" pitchFamily="49" charset="0"/>
                 <a:cs typeface="Consolas" pitchFamily="49" charset="0"/>
               </a:rPr>
-              <a:t>;; </a:t>
-            </a:r>
-            <a:r>
-              <a:rPr lang="en-US" b="1" dirty="0" smtClean="0">
-                <a:latin typeface="Consolas" pitchFamily="49" charset="0"/>
-                <a:cs typeface="Consolas" pitchFamily="49" charset="0"/>
-              </a:rPr>
-              <a:t>Call </a:t>
-            </a:r>
-            <a:r>
-              <a:rPr lang="en-US" b="1" dirty="0" smtClean="0">
-                <a:latin typeface="Consolas" pitchFamily="49" charset="0"/>
-                <a:cs typeface="Consolas" pitchFamily="49" charset="0"/>
-              </a:rPr>
-              <a:t>a </a:t>
-            </a:r>
-            <a:r>
-              <a:rPr lang="en-US" b="1" dirty="0" smtClean="0">
-                <a:latin typeface="Consolas" pitchFamily="49" charset="0"/>
-                <a:cs typeface="Consolas" pitchFamily="49" charset="0"/>
-              </a:rPr>
-              <a:t>more general function</a:t>
+              <a:t>;; Call a more general function</a:t>
             </a:r>
           </a:p>
           <a:p>
@@ -6291,11 +6255,7 @@
             </a:r>
             <a:r>
               <a:rPr lang="en-US" dirty="0" smtClean="0"/>
-              <a:t> again, in a different </a:t>
-            </a:r>
-            <a:r>
-              <a:rPr lang="en-US" dirty="0" smtClean="0"/>
-              <a:t>way that may give us some more insight.</a:t>
+              <a:t> again, in a different way that may give us some more insight.</a:t>
             </a:r>
             <a:endParaRPr lang="en-US" dirty="0"/>
           </a:p>
@@ -7678,15 +7638,7 @@
           <a:p>
             <a:r>
               <a:rPr lang="en-US" dirty="0" smtClean="0"/>
-              <a:t>The </a:t>
-            </a:r>
-            <a:r>
-              <a:rPr lang="en-US" dirty="0" smtClean="0"/>
-              <a:t>function has </a:t>
-            </a:r>
-            <a:r>
-              <a:rPr lang="en-US" dirty="0" smtClean="0"/>
-              <a:t>lost track of the original list; it only knows its position in the original.</a:t>
+              <a:t>The function has lost track of the original list; it only knows its position in the original.</a:t>
             </a:r>
           </a:p>
           <a:p>
@@ -7825,16 +7777,11 @@
               <a:rPr lang="en-US" dirty="0" smtClean="0"/>
               <a:t>by simply using a template.</a:t>
             </a:r>
-            <a:endParaRPr lang="en-US" dirty="0" smtClean="0"/>
           </a:p>
           <a:p>
             <a:r>
               <a:rPr lang="en-US" dirty="0" smtClean="0"/>
-              <a:t>We </a:t>
-            </a:r>
-            <a:r>
-              <a:rPr lang="en-US" dirty="0" smtClean="0"/>
-              <a:t>show how to solve such many such problems by introducing new variables called </a:t>
+              <a:t>We show how to solve such many such problems by introducing new variables called </a:t>
             </a:r>
             <a:r>
               <a:rPr lang="en-US" i="1" dirty="0" smtClean="0">
@@ -7848,7 +7795,6 @@
               <a:rPr lang="en-US" dirty="0" smtClean="0"/>
               <a:t>.</a:t>
             </a:r>
-            <a:endParaRPr lang="en-US" dirty="0" smtClean="0"/>
           </a:p>
           <a:p>
             <a:r>
@@ -7873,13 +7819,8 @@
             </a:r>
             <a:r>
               <a:rPr lang="en-US" dirty="0" smtClean="0"/>
-              <a:t>as a way of recording the assumptions that a function makes about its </a:t>
-            </a:r>
-            <a:r>
-              <a:rPr lang="en-US" dirty="0" smtClean="0"/>
-              <a:t>context.</a:t>
-            </a:r>
-            <a:endParaRPr lang="en-US" dirty="0" smtClean="0"/>
+              <a:t>as a way of recording the assumptions that a function makes about its context.</a:t>
+            </a:r>
           </a:p>
           <a:p>
             <a:endParaRPr lang="en-US" dirty="0"/>
@@ -8240,47 +8181,36 @@
                 <a:latin typeface="Consolas" pitchFamily="49" charset="0"/>
                 <a:cs typeface="Consolas" pitchFamily="49" charset="0"/>
               </a:rPr>
-              <a:t>;; strategy: </a:t>
+              <a:t>;; strategy: Use template for </a:t>
+            </a:r>
+            <a:r>
+              <a:rPr lang="en-US" sz="2000" b="1" dirty="0" err="1" smtClean="0">
+                <a:latin typeface="Consolas" pitchFamily="49" charset="0"/>
+                <a:cs typeface="Consolas" pitchFamily="49" charset="0"/>
+              </a:rPr>
+              <a:t>ListOfX</a:t>
             </a:r>
             <a:r>
               <a:rPr lang="en-US" sz="2000" b="1" dirty="0" smtClean="0">
                 <a:latin typeface="Consolas" pitchFamily="49" charset="0"/>
                 <a:cs typeface="Consolas" pitchFamily="49" charset="0"/>
               </a:rPr>
-              <a:t>Use template for </a:t>
+              <a:t> on </a:t>
             </a:r>
             <a:r>
               <a:rPr lang="en-US" sz="2000" b="1" dirty="0" err="1" smtClean="0">
                 <a:latin typeface="Consolas" pitchFamily="49" charset="0"/>
                 <a:cs typeface="Consolas" pitchFamily="49" charset="0"/>
               </a:rPr>
-              <a:t>ListOfX</a:t>
+              <a:t>slst</a:t>
             </a:r>
             <a:r>
               <a:rPr lang="en-US" sz="2000" b="1" dirty="0" smtClean="0">
                 <a:latin typeface="Consolas" pitchFamily="49" charset="0"/>
                 <a:cs typeface="Consolas" pitchFamily="49" charset="0"/>
               </a:rPr>
-              <a:t> on </a:t>
-            </a:r>
-            <a:r>
-              <a:rPr lang="en-US" sz="2000" b="1" dirty="0" err="1" smtClean="0">
-                <a:latin typeface="Consolas" pitchFamily="49" charset="0"/>
-                <a:cs typeface="Consolas" pitchFamily="49" charset="0"/>
-              </a:rPr>
-              <a:t>slst</a:t>
-            </a:r>
-            <a:r>
-              <a:rPr lang="en-US" sz="2000" b="1" dirty="0" smtClean="0">
-                <a:latin typeface="Consolas" pitchFamily="49" charset="0"/>
-                <a:cs typeface="Consolas" pitchFamily="49" charset="0"/>
-              </a:rPr>
               <a:t> </a:t>
             </a:r>
-            <a:endParaRPr lang="en-US" sz="2000" b="1" dirty="0" smtClean="0">
-              <a:latin typeface="Consolas" pitchFamily="49" charset="0"/>
-              <a:cs typeface="Consolas" pitchFamily="49" charset="0"/>
-            </a:endParaRPr>
           </a:p>
           <a:p>
             <a:pPr>
@@ -9291,11 +9221,6 @@
               </a:rPr>
               <a:t> of the original, </a:t>
             </a:r>
-            <a:endParaRPr lang="en-US" dirty="0" smtClean="0">
-              <a:solidFill>
-                <a:schemeClr val="tx1"/>
-              </a:solidFill>
-            </a:endParaRPr>
           </a:p>
           <a:p>
             <a:r>
@@ -9314,7 +9239,15 @@
                   <a:schemeClr val="tx1"/>
                 </a:solidFill>
               </a:rPr>
-              <a:t>  (</a:t>
+              <a:t>  (rest </a:t>
+            </a:r>
+            <a:r>
+              <a:rPr lang="en-US" b="1" dirty="0" err="1" smtClean="0">
+                <a:solidFill>
+                  <a:schemeClr val="tx1"/>
+                </a:solidFill>
+              </a:rPr>
+              <a:t>lst</a:t>
             </a:r>
             <a:r>
               <a:rPr lang="en-US" b="1" dirty="0" smtClean="0">
@@ -9322,15 +9255,15 @@
                   <a:schemeClr val="tx1"/>
                 </a:solidFill>
               </a:rPr>
-              <a:t>rest </a:t>
-            </a:r>
-            <a:r>
-              <a:rPr lang="en-US" b="1" dirty="0" err="1" smtClean="0">
+              <a:t>) </a:t>
+            </a:r>
+            <a:r>
+              <a:rPr lang="en-US" dirty="0" smtClean="0">
                 <a:solidFill>
                   <a:schemeClr val="tx1"/>
                 </a:solidFill>
               </a:rPr>
-              <a:t>lst</a:t>
+              <a:t>is its </a:t>
             </a:r>
             <a:r>
               <a:rPr lang="en-US" b="1" dirty="0" smtClean="0">
@@ -9338,7 +9271,7 @@
                   <a:schemeClr val="tx1"/>
                 </a:solidFill>
               </a:rPr>
-              <a:t>) </a:t>
+              <a:t>(n+1)</a:t>
             </a:r>
             <a:r>
               <a:rPr lang="en-US" dirty="0" smtClean="0">
@@ -9346,15 +9279,15 @@
                   <a:schemeClr val="tx1"/>
                 </a:solidFill>
               </a:rPr>
-              <a:t>is its </a:t>
-            </a:r>
-            <a:r>
-              <a:rPr lang="en-US" b="1" dirty="0" smtClean="0">
+              <a:t>-</a:t>
+            </a:r>
+            <a:r>
+              <a:rPr lang="en-US" dirty="0" err="1" smtClean="0">
                 <a:solidFill>
                   <a:schemeClr val="tx1"/>
                 </a:solidFill>
               </a:rPr>
-              <a:t>(n+1)</a:t>
+              <a:t>st</a:t>
             </a:r>
             <a:r>
               <a:rPr lang="en-US" dirty="0" smtClean="0">
@@ -9362,7 +9295,7 @@
                   <a:schemeClr val="tx1"/>
                 </a:solidFill>
               </a:rPr>
-              <a:t>-</a:t>
+              <a:t> </a:t>
             </a:r>
             <a:r>
               <a:rPr lang="en-US" dirty="0" err="1" smtClean="0">
@@ -9370,7 +9303,7 @@
                   <a:schemeClr val="tx1"/>
                 </a:solidFill>
               </a:rPr>
-              <a:t>st</a:t>
+              <a:t>sublist</a:t>
             </a:r>
             <a:r>
               <a:rPr lang="en-US" dirty="0" smtClean="0">
@@ -9378,31 +9311,7 @@
                   <a:schemeClr val="tx1"/>
                 </a:solidFill>
               </a:rPr>
-              <a:t> </a:t>
-            </a:r>
-            <a:r>
-              <a:rPr lang="en-US" dirty="0" err="1" smtClean="0">
-                <a:solidFill>
-                  <a:schemeClr val="tx1"/>
-                </a:solidFill>
-              </a:rPr>
-              <a:t>sublist</a:t>
-            </a:r>
-            <a:r>
-              <a:rPr lang="en-US" dirty="0" smtClean="0">
-                <a:solidFill>
-                  <a:schemeClr val="tx1"/>
-                </a:solidFill>
-              </a:rPr>
-              <a:t>.  </a:t>
-            </a:r>
-            <a:r>
-              <a:rPr lang="en-US" dirty="0" smtClean="0">
-                <a:solidFill>
-                  <a:schemeClr val="tx1"/>
-                </a:solidFill>
-              </a:rPr>
-              <a:t> </a:t>
+              <a:t>.   </a:t>
             </a:r>
             <a:endParaRPr lang="en-US" dirty="0">
               <a:solidFill>
@@ -9463,15 +9372,7 @@
                   <a:schemeClr val="tx1"/>
                 </a:solidFill>
               </a:rPr>
-              <a:t>So, if </a:t>
-            </a:r>
-            <a:r>
-              <a:rPr lang="en-US" dirty="0" smtClean="0">
-                <a:solidFill>
-                  <a:schemeClr val="tx1"/>
-                </a:solidFill>
-              </a:rPr>
-              <a:t>the current call satisfies the invariant, then the recursive call also satisfies the invariant.</a:t>
+              <a:t>So, if the current call satisfies the invariant, then the recursive call also satisfies the invariant.</a:t>
             </a:r>
             <a:endParaRPr lang="en-US" dirty="0">
               <a:solidFill>
@@ -9829,11 +9730,7 @@
           <a:p>
             <a:r>
               <a:rPr lang="en-US" sz="2800" dirty="0" smtClean="0"/>
-              <a:t>-- </a:t>
-            </a:r>
-            <a:r>
-              <a:rPr lang="en-US" sz="2800" dirty="0" smtClean="0"/>
-              <a:t>A Ring is a (make-ring Real Real)</a:t>
+              <a:t>-- A Ring is a (make-ring Real Real)</a:t>
             </a:r>
           </a:p>
           <a:p>
@@ -14429,74 +14326,88 @@
               <a:buNone/>
             </a:pPr>
             <a:r>
+              <a:rPr lang="en-US" sz="2400" b="1" dirty="0">
+                <a:latin typeface="Consolas" pitchFamily="49" charset="0"/>
+                <a:cs typeface="Consolas" pitchFamily="49" charset="0"/>
+              </a:rPr>
+              <a:t>A </a:t>
+            </a:r>
+            <a:r>
+              <a:rPr lang="en-US" sz="2400" b="1" dirty="0" err="1">
+                <a:latin typeface="Consolas" pitchFamily="49" charset="0"/>
+                <a:cs typeface="Consolas" pitchFamily="49" charset="0"/>
+              </a:rPr>
+              <a:t>NumberedX</a:t>
+            </a:r>
+            <a:r>
+              <a:rPr lang="en-US" sz="2400" b="1" dirty="0">
+                <a:latin typeface="Consolas" pitchFamily="49" charset="0"/>
+                <a:cs typeface="Consolas" pitchFamily="49" charset="0"/>
+              </a:rPr>
+              <a:t> </a:t>
+            </a:r>
+            <a:r>
               <a:rPr lang="en-US" sz="2400" b="1" dirty="0" smtClean="0">
                 <a:latin typeface="Consolas" pitchFamily="49" charset="0"/>
                 <a:cs typeface="Consolas" pitchFamily="49" charset="0"/>
               </a:rPr>
+              <a:t>      is </a:t>
+            </a:r>
+            <a:r>
+              <a:rPr lang="en-US" sz="2400" b="1" dirty="0">
+                <a:latin typeface="Consolas" pitchFamily="49" charset="0"/>
+                <a:cs typeface="Consolas" pitchFamily="49" charset="0"/>
+              </a:rPr>
+              <a:t>a (list </a:t>
+            </a:r>
+            <a:r>
+              <a:rPr lang="en-US" sz="2400" b="1" dirty="0" err="1">
+                <a:latin typeface="Consolas" pitchFamily="49" charset="0"/>
+                <a:cs typeface="Consolas" pitchFamily="49" charset="0"/>
+              </a:rPr>
+              <a:t>Int</a:t>
+            </a:r>
+            <a:r>
+              <a:rPr lang="en-US" sz="2400" b="1" dirty="0">
+                <a:latin typeface="Consolas" pitchFamily="49" charset="0"/>
+                <a:cs typeface="Consolas" pitchFamily="49" charset="0"/>
+              </a:rPr>
+              <a:t> X)</a:t>
+            </a:r>
+          </a:p>
+          <a:p>
+            <a:pPr>
+              <a:buNone/>
+            </a:pPr>
+            <a:r>
+              <a:rPr lang="en-US" sz="2400" b="1" dirty="0">
+                <a:latin typeface="Consolas" pitchFamily="49" charset="0"/>
+                <a:cs typeface="Consolas" pitchFamily="49" charset="0"/>
+              </a:rPr>
               <a:t>A </a:t>
             </a:r>
             <a:r>
+              <a:rPr lang="en-US" sz="2400" b="1" dirty="0" err="1">
+                <a:latin typeface="Consolas" pitchFamily="49" charset="0"/>
+                <a:cs typeface="Consolas" pitchFamily="49" charset="0"/>
+              </a:rPr>
+              <a:t>NumberedListOfX</a:t>
+            </a:r>
+            <a:r>
+              <a:rPr lang="en-US" sz="2400" b="1" dirty="0">
+                <a:latin typeface="Consolas" pitchFamily="49" charset="0"/>
+                <a:cs typeface="Consolas" pitchFamily="49" charset="0"/>
+              </a:rPr>
+              <a:t> is a </a:t>
+            </a:r>
+            <a:r>
               <a:rPr lang="en-US" sz="2400" b="1" dirty="0" err="1" smtClean="0">
                 <a:latin typeface="Consolas" pitchFamily="49" charset="0"/>
                 <a:cs typeface="Consolas" pitchFamily="49" charset="0"/>
               </a:rPr>
-              <a:t>NumberedX</a:t>
-            </a:r>
-            <a:r>
-              <a:rPr lang="en-US" sz="2400" b="1" dirty="0" smtClean="0">
-                <a:latin typeface="Consolas" pitchFamily="49" charset="0"/>
-                <a:cs typeface="Consolas" pitchFamily="49" charset="0"/>
-              </a:rPr>
-              <a:t> is a (list </a:t>
-            </a:r>
-            <a:r>
-              <a:rPr lang="en-US" sz="2400" b="1" dirty="0" err="1" smtClean="0">
-                <a:latin typeface="Consolas" pitchFamily="49" charset="0"/>
-                <a:cs typeface="Consolas" pitchFamily="49" charset="0"/>
-              </a:rPr>
-              <a:t>Int</a:t>
-            </a:r>
-            <a:r>
-              <a:rPr lang="en-US" sz="2400" b="1" dirty="0" smtClean="0">
-                <a:latin typeface="Consolas" pitchFamily="49" charset="0"/>
-                <a:cs typeface="Consolas" pitchFamily="49" charset="0"/>
-              </a:rPr>
-              <a:t> X)</a:t>
-            </a:r>
-          </a:p>
-          <a:p>
-            <a:pPr>
-              <a:buNone/>
-            </a:pPr>
-            <a:r>
-              <a:rPr lang="en-US" sz="2400" b="1" dirty="0" smtClean="0">
-                <a:latin typeface="Consolas" pitchFamily="49" charset="0"/>
-                <a:cs typeface="Consolas" pitchFamily="49" charset="0"/>
-              </a:rPr>
-              <a:t>A </a:t>
-            </a:r>
-            <a:r>
-              <a:rPr lang="en-US" sz="2400" b="1" dirty="0" err="1" smtClean="0">
-                <a:latin typeface="Consolas" pitchFamily="49" charset="0"/>
-                <a:cs typeface="Consolas" pitchFamily="49" charset="0"/>
-              </a:rPr>
-              <a:t>NumberedListOfX</a:t>
-            </a:r>
-            <a:r>
-              <a:rPr lang="en-US" sz="2400" b="1" dirty="0" smtClean="0">
-                <a:latin typeface="Consolas" pitchFamily="49" charset="0"/>
-                <a:cs typeface="Consolas" pitchFamily="49" charset="0"/>
-              </a:rPr>
-              <a:t> is a </a:t>
-            </a:r>
-            <a:r>
-              <a:rPr lang="en-US" sz="2400" b="1" dirty="0" err="1" smtClean="0">
-                <a:latin typeface="Consolas" pitchFamily="49" charset="0"/>
-                <a:cs typeface="Consolas" pitchFamily="49" charset="0"/>
-              </a:rPr>
               <a:t>ListOfNumberedX</a:t>
             </a:r>
-            <a:endParaRPr lang="en-US" sz="2400" b="1" dirty="0" smtClean="0">
+            <a:endParaRPr lang="en-US" sz="2400" b="1" dirty="0">
               <a:latin typeface="Consolas" pitchFamily="49" charset="0"/>
               <a:cs typeface="Consolas" pitchFamily="49" charset="0"/>
             </a:endParaRPr>

--- a/Slides/Lesson 7.1 Solving Your Problem by Generalization.pptx
+++ b/Slides/Lesson 7.1 Solving Your Problem by Generalization.pptx
@@ -239,7 +239,7 @@
           <a:p>
             <a:fld id="{CA5085ED-56B4-45A6-801A-98AC77E76501}" type="datetimeFigureOut">
               <a:rPr lang="en-US" smtClean="0"/>
-              <a:t>9/28/2015</a:t>
+              <a:t>10/25/2015</a:t>
             </a:fld>
             <a:endParaRPr lang="en-US"/>
           </a:p>
@@ -857,7 +857,7 @@
           <a:p>
             <a:fld id="{2F1F79F5-7BEC-496A-AFC7-876E38F64D71}" type="datetime1">
               <a:rPr lang="en-US" smtClean="0"/>
-              <a:t>9/28/2015</a:t>
+              <a:t>10/25/2015</a:t>
             </a:fld>
             <a:endParaRPr lang="en-US"/>
           </a:p>
@@ -959,7 +959,7 @@
           <a:p>
             <a:fld id="{0A05703A-7669-4FEA-9056-25299B4D29D4}" type="datetime1">
               <a:rPr lang="en-US" smtClean="0"/>
-              <a:t>9/28/2015</a:t>
+              <a:t>10/25/2015</a:t>
             </a:fld>
             <a:endParaRPr lang="en-US"/>
           </a:p>
@@ -1236,7 +1236,7 @@
           <a:p>
             <a:fld id="{6E5077B5-BB57-49DB-88CA-226A139E5C01}" type="datetime1">
               <a:rPr lang="en-US" smtClean="0"/>
-              <a:t>9/28/2015</a:t>
+              <a:t>10/25/2015</a:t>
             </a:fld>
             <a:endParaRPr lang="en-US"/>
           </a:p>
@@ -1489,7 +1489,7 @@
           <a:p>
             <a:fld id="{C48D9447-CBD6-49A1-89FD-8512A8CF8999}" type="datetime1">
               <a:rPr lang="en-US" smtClean="0"/>
-              <a:t>9/28/2015</a:t>
+              <a:t>10/25/2015</a:t>
             </a:fld>
             <a:endParaRPr lang="en-US"/>
           </a:p>
@@ -1659,7 +1659,7 @@
           <a:p>
             <a:fld id="{A3639A2A-823D-48B7-9ACE-7FAF42870BA9}" type="datetime1">
               <a:rPr lang="en-US" smtClean="0"/>
-              <a:t>9/28/2015</a:t>
+              <a:t>10/25/2015</a:t>
             </a:fld>
             <a:endParaRPr lang="en-US"/>
           </a:p>
@@ -1839,7 +1839,7 @@
           <a:p>
             <a:fld id="{ED1B6996-82E9-463C-972C-7B56056E426C}" type="datetime1">
               <a:rPr lang="en-US" smtClean="0"/>
-              <a:t>9/28/2015</a:t>
+              <a:t>10/25/2015</a:t>
             </a:fld>
             <a:endParaRPr lang="en-US"/>
           </a:p>
@@ -2022,7 +2022,7 @@
           <a:p>
             <a:fld id="{E22ED4DA-448D-4BB1-B935-CC112220207B}" type="datetime1">
               <a:rPr lang="en-US" smtClean="0"/>
-              <a:t>9/28/2015</a:t>
+              <a:t>10/25/2015</a:t>
             </a:fld>
             <a:endParaRPr lang="en-US"/>
           </a:p>
@@ -2204,7 +2204,7 @@
           <a:p>
             <a:fld id="{E22ED4DA-448D-4BB1-B935-CC112220207B}" type="datetime1">
               <a:rPr lang="en-US" smtClean="0"/>
-              <a:t>9/28/2015</a:t>
+              <a:t>10/25/2015</a:t>
             </a:fld>
             <a:endParaRPr lang="en-US"/>
           </a:p>
@@ -2473,7 +2473,7 @@
           <a:p>
             <a:fld id="{FF5D65A6-AB94-4435-B0B7-3743215FA46C}" type="datetime1">
               <a:rPr lang="en-US" smtClean="0"/>
-              <a:t>9/28/2015</a:t>
+              <a:t>10/25/2015</a:t>
             </a:fld>
             <a:endParaRPr lang="en-US"/>
           </a:p>
@@ -2658,7 +2658,7 @@
           <a:p>
             <a:fld id="{FF5D65A6-AB94-4435-B0B7-3743215FA46C}" type="datetime1">
               <a:rPr lang="en-US" smtClean="0"/>
-              <a:t>9/28/2015</a:t>
+              <a:t>10/25/2015</a:t>
             </a:fld>
             <a:endParaRPr lang="en-US"/>
           </a:p>
@@ -2960,7 +2960,7 @@
           <a:p>
             <a:fld id="{7C193DC4-6EF0-48C9-B29C-616106A645E1}" type="datetime1">
               <a:rPr lang="en-US" smtClean="0"/>
-              <a:t>9/28/2015</a:t>
+              <a:t>10/25/2015</a:t>
             </a:fld>
             <a:endParaRPr lang="en-US"/>
           </a:p>
@@ -3248,7 +3248,7 @@
           <a:p>
             <a:fld id="{5D1846AD-9252-4647-9435-4C2AC365653A}" type="datetime1">
               <a:rPr lang="en-US" smtClean="0"/>
-              <a:t>9/28/2015</a:t>
+              <a:t>10/25/2015</a:t>
             </a:fld>
             <a:endParaRPr lang="en-US"/>
           </a:p>
@@ -3670,7 +3670,7 @@
           <a:p>
             <a:fld id="{CE56DC10-3561-4063-A6AF-C1CC7A41040A}" type="datetime1">
               <a:rPr lang="en-US" smtClean="0"/>
-              <a:t>9/28/2015</a:t>
+              <a:t>10/25/2015</a:t>
             </a:fld>
             <a:endParaRPr lang="en-US"/>
           </a:p>
@@ -3788,7 +3788,7 @@
           <a:p>
             <a:fld id="{2F7B77F5-1464-4F6B-92A8-64FC8A508293}" type="datetime1">
               <a:rPr lang="en-US" smtClean="0"/>
-              <a:t>9/28/2015</a:t>
+              <a:t>10/25/2015</a:t>
             </a:fld>
             <a:endParaRPr lang="en-US"/>
           </a:p>
@@ -4020,7 +4020,7 @@
           <a:p>
             <a:fld id="{02B3F677-983B-48DB-ADFD-63FE6CBC7FB2}" type="datetime1">
               <a:rPr lang="en-US" smtClean="0"/>
-              <a:t>9/28/2015</a:t>
+              <a:t>10/25/2015</a:t>
             </a:fld>
             <a:endParaRPr lang="en-US"/>
           </a:p>
@@ -7781,7 +7781,15 @@
           <a:p>
             <a:r>
               <a:rPr lang="en-US" dirty="0" smtClean="0"/>
-              <a:t>We show how to solve such many such problems by introducing new variables called </a:t>
+              <a:t>We show how to solve </a:t>
+            </a:r>
+            <a:r>
+              <a:rPr lang="en-US" dirty="0" smtClean="0"/>
+              <a:t>many </a:t>
+            </a:r>
+            <a:r>
+              <a:rPr lang="en-US" dirty="0" smtClean="0"/>
+              <a:t>such problems by introducing new variables called </a:t>
             </a:r>
             <a:r>
               <a:rPr lang="en-US" i="1" dirty="0" smtClean="0">
@@ -10280,7 +10288,11 @@
             <a:graphicFrameLocks/>
           </p:cNvGraphicFramePr>
           <p:nvPr>
-            <p:extLst/>
+            <p:extLst>
+              <p:ext uri="{D42A27DB-BD31-4B8C-83A1-F6EECF244321}">
+                <p14:modId xmlns:p14="http://schemas.microsoft.com/office/powerpoint/2010/main" val="3462369161"/>
+              </p:ext>
+            </p:extLst>
           </p:nvPr>
         </p:nvGraphicFramePr>
         <p:xfrm>
@@ -10345,7 +10357,23 @@
                             <a:schemeClr val="tx1"/>
                           </a:solidFill>
                         </a:rPr>
-                        <a:t>Formulate a generalized version of the problem that</a:t>
+                        <a:t>Formulate a generalized version of the </a:t>
+                      </a:r>
+                      <a:r>
+                        <a:rPr lang="en-US" smtClean="0">
+                          <a:solidFill>
+                            <a:schemeClr val="tx1"/>
+                          </a:solidFill>
+                        </a:rPr>
+                        <a:t>problem </a:t>
+                      </a:r>
+                      <a:r>
+                        <a:rPr lang="en-US" baseline="0" smtClean="0">
+                          <a:solidFill>
+                            <a:schemeClr val="tx1"/>
+                          </a:solidFill>
+                        </a:rPr>
+                        <a:t>that </a:t>
                       </a:r>
                       <a:r>
                         <a:rPr lang="en-US" baseline="0" dirty="0" smtClean="0">
@@ -10353,7 +10381,7 @@
                             <a:schemeClr val="tx1"/>
                           </a:solidFill>
                         </a:rPr>
-                        <a:t> that works on a substructure of your original. Add a context argument that represents the information "above" the substructure.  Document the purpose of the context argument as an invariant in your purpose statement.</a:t>
+                        <a:t>works on a substructure of your original. Add a context argument that represents the information "above" the substructure.  Document the purpose of the context argument as an invariant in your purpose statement.</a:t>
                       </a:r>
                       <a:endParaRPr lang="en-US" dirty="0">
                         <a:solidFill>
@@ -14594,7 +14622,7 @@
                 <a:latin typeface="Consolas" pitchFamily="49" charset="0"/>
                 <a:cs typeface="Consolas" pitchFamily="49" charset="0"/>
               </a:rPr>
-              <a:t>NumberedListofX</a:t>
+              <a:t>NumberedListofString</a:t>
             </a:r>
             <a:endParaRPr lang="en-US" sz="2400" b="1" dirty="0" smtClean="0">
               <a:latin typeface="Consolas" pitchFamily="49" charset="0"/>

--- a/Slides/Lesson 7.1 Solving Your Problem by Generalization.pptx
+++ b/Slides/Lesson 7.1 Solving Your Problem by Generalization.pptx
@@ -239,7 +239,7 @@
           <a:p>
             <a:fld id="{CA5085ED-56B4-45A6-801A-98AC77E76501}" type="datetimeFigureOut">
               <a:rPr lang="en-US" smtClean="0"/>
-              <a:t>10/25/2015</a:t>
+              <a:t>9/30/2016</a:t>
             </a:fld>
             <a:endParaRPr lang="en-US"/>
           </a:p>
@@ -303,38 +303,37 @@
           <a:p>
             <a:pPr lvl="0"/>
             <a:r>
-              <a:rPr lang="en-US" smtClean="0"/>
+              <a:rPr lang="en-US"/>
               <a:t>Click to edit Master text styles</a:t>
             </a:r>
           </a:p>
           <a:p>
             <a:pPr lvl="1"/>
             <a:r>
-              <a:rPr lang="en-US" smtClean="0"/>
+              <a:rPr lang="en-US"/>
               <a:t>Second level</a:t>
             </a:r>
           </a:p>
           <a:p>
             <a:pPr lvl="2"/>
             <a:r>
-              <a:rPr lang="en-US" smtClean="0"/>
+              <a:rPr lang="en-US"/>
               <a:t>Third level</a:t>
             </a:r>
           </a:p>
           <a:p>
             <a:pPr lvl="3"/>
             <a:r>
-              <a:rPr lang="en-US" smtClean="0"/>
+              <a:rPr lang="en-US"/>
               <a:t>Fourth level</a:t>
             </a:r>
           </a:p>
           <a:p>
             <a:pPr lvl="4"/>
             <a:r>
-              <a:rPr lang="en-US" smtClean="0"/>
+              <a:rPr lang="en-US"/>
               <a:t>Fifth level</a:t>
             </a:r>
-            <a:endParaRPr lang="en-US"/>
           </a:p>
         </p:txBody>
       </p:sp>
@@ -714,10 +713,9 @@
           <a:lstStyle/>
           <a:p>
             <a:r>
-              <a:rPr lang="en-US" smtClean="0"/>
+              <a:rPr lang="en-US"/>
               <a:t>Click to edit Master title style</a:t>
             </a:r>
-            <a:endParaRPr lang="en-US"/>
           </a:p>
         </p:txBody>
       </p:sp>
@@ -833,10 +831,9 @@
           </a:lstStyle>
           <a:p>
             <a:r>
-              <a:rPr lang="en-US" smtClean="0"/>
+              <a:rPr lang="en-US"/>
               <a:t>Click to edit Master subtitle style</a:t>
             </a:r>
-            <a:endParaRPr lang="en-US"/>
           </a:p>
         </p:txBody>
       </p:sp>
@@ -857,7 +854,7 @@
           <a:p>
             <a:fld id="{2F1F79F5-7BEC-496A-AFC7-876E38F64D71}" type="datetime1">
               <a:rPr lang="en-US" smtClean="0"/>
-              <a:t>10/25/2015</a:t>
+              <a:t>9/30/2016</a:t>
             </a:fld>
             <a:endParaRPr lang="en-US"/>
           </a:p>
@@ -915,13 +912,6 @@
   <p:clrMapOvr>
     <a:masterClrMapping/>
   </p:clrMapOvr>
-  <p:timing>
-    <p:tnLst>
-      <p:par>
-        <p:cTn id="1" dur="indefinite" restart="never" nodeType="tmRoot"/>
-      </p:par>
-    </p:tnLst>
-  </p:timing>
 </p:sldLayout>
 </file>
 
@@ -959,7 +949,7 @@
           <a:p>
             <a:fld id="{0A05703A-7669-4FEA-9056-25299B4D29D4}" type="datetime1">
               <a:rPr lang="en-US" smtClean="0"/>
-              <a:t>10/25/2015</a:t>
+              <a:t>9/30/2016</a:t>
             </a:fld>
             <a:endParaRPr lang="en-US"/>
           </a:p>
@@ -1062,10 +1052,9 @@
           </a:lstStyle>
           <a:p>
             <a:r>
-              <a:rPr lang="en-US" smtClean="0"/>
+              <a:rPr lang="en-US"/>
               <a:t>Click to edit Master title style</a:t>
             </a:r>
-            <a:endParaRPr lang="en-US"/>
           </a:p>
         </p:txBody>
       </p:sp>
@@ -1119,38 +1108,37 @@
           <a:p>
             <a:pPr lvl="0"/>
             <a:r>
-              <a:rPr lang="en-US" smtClean="0"/>
+              <a:rPr lang="en-US"/>
               <a:t>Click to edit Master text styles</a:t>
             </a:r>
           </a:p>
           <a:p>
             <a:pPr lvl="1"/>
             <a:r>
-              <a:rPr lang="en-US" smtClean="0"/>
+              <a:rPr lang="en-US"/>
               <a:t>Second level</a:t>
             </a:r>
           </a:p>
           <a:p>
             <a:pPr lvl="2"/>
             <a:r>
-              <a:rPr lang="en-US" smtClean="0"/>
+              <a:rPr lang="en-US"/>
               <a:t>Third level</a:t>
             </a:r>
           </a:p>
           <a:p>
             <a:pPr lvl="3"/>
             <a:r>
-              <a:rPr lang="en-US" smtClean="0"/>
+              <a:rPr lang="en-US"/>
               <a:t>Fourth level</a:t>
             </a:r>
           </a:p>
           <a:p>
             <a:pPr lvl="4"/>
             <a:r>
-              <a:rPr lang="en-US" smtClean="0"/>
+              <a:rPr lang="en-US"/>
               <a:t>Fifth level</a:t>
             </a:r>
-            <a:endParaRPr lang="en-US"/>
           </a:p>
         </p:txBody>
       </p:sp>
@@ -1213,7 +1201,7 @@
           <a:p>
             <a:pPr lvl="0"/>
             <a:r>
-              <a:rPr lang="en-US" smtClean="0"/>
+              <a:rPr lang="en-US"/>
               <a:t>Click to edit Master text styles</a:t>
             </a:r>
           </a:p>
@@ -1236,7 +1224,7 @@
           <a:p>
             <a:fld id="{6E5077B5-BB57-49DB-88CA-226A139E5C01}" type="datetime1">
               <a:rPr lang="en-US" smtClean="0"/>
-              <a:t>10/25/2015</a:t>
+              <a:t>9/30/2016</a:t>
             </a:fld>
             <a:endParaRPr lang="en-US"/>
           </a:p>
@@ -1339,10 +1327,9 @@
           </a:lstStyle>
           <a:p>
             <a:r>
-              <a:rPr lang="en-US" smtClean="0"/>
+              <a:rPr lang="en-US"/>
               <a:t>Click to edit Master title style</a:t>
             </a:r>
-            <a:endParaRPr lang="en-US"/>
           </a:p>
         </p:txBody>
       </p:sp>
@@ -1466,7 +1453,7 @@
           <a:p>
             <a:pPr lvl="0"/>
             <a:r>
-              <a:rPr lang="en-US" smtClean="0"/>
+              <a:rPr lang="en-US"/>
               <a:t>Click to edit Master text styles</a:t>
             </a:r>
           </a:p>
@@ -1489,7 +1476,7 @@
           <a:p>
             <a:fld id="{C48D9447-CBD6-49A1-89FD-8512A8CF8999}" type="datetime1">
               <a:rPr lang="en-US" smtClean="0"/>
-              <a:t>10/25/2015</a:t>
+              <a:t>9/30/2016</a:t>
             </a:fld>
             <a:endParaRPr lang="en-US"/>
           </a:p>
@@ -1583,10 +1570,9 @@
           <a:lstStyle/>
           <a:p>
             <a:r>
-              <a:rPr lang="en-US" smtClean="0"/>
+              <a:rPr lang="en-US"/>
               <a:t>Click to edit Master title style</a:t>
             </a:r>
-            <a:endParaRPr lang="en-US"/>
           </a:p>
         </p:txBody>
       </p:sp>
@@ -1607,38 +1593,37 @@
           <a:p>
             <a:pPr lvl="0"/>
             <a:r>
-              <a:rPr lang="en-US" smtClean="0"/>
+              <a:rPr lang="en-US"/>
               <a:t>Click to edit Master text styles</a:t>
             </a:r>
           </a:p>
           <a:p>
             <a:pPr lvl="1"/>
             <a:r>
-              <a:rPr lang="en-US" smtClean="0"/>
+              <a:rPr lang="en-US"/>
               <a:t>Second level</a:t>
             </a:r>
           </a:p>
           <a:p>
             <a:pPr lvl="2"/>
             <a:r>
-              <a:rPr lang="en-US" smtClean="0"/>
+              <a:rPr lang="en-US"/>
               <a:t>Third level</a:t>
             </a:r>
           </a:p>
           <a:p>
             <a:pPr lvl="3"/>
             <a:r>
-              <a:rPr lang="en-US" smtClean="0"/>
+              <a:rPr lang="en-US"/>
               <a:t>Fourth level</a:t>
             </a:r>
           </a:p>
           <a:p>
             <a:pPr lvl="4"/>
             <a:r>
-              <a:rPr lang="en-US" smtClean="0"/>
+              <a:rPr lang="en-US"/>
               <a:t>Fifth level</a:t>
             </a:r>
-            <a:endParaRPr lang="en-US"/>
           </a:p>
         </p:txBody>
       </p:sp>
@@ -1659,7 +1644,7 @@
           <a:p>
             <a:fld id="{A3639A2A-823D-48B7-9ACE-7FAF42870BA9}" type="datetime1">
               <a:rPr lang="en-US" smtClean="0"/>
-              <a:t>10/25/2015</a:t>
+              <a:t>9/30/2016</a:t>
             </a:fld>
             <a:endParaRPr lang="en-US"/>
           </a:p>
@@ -1758,10 +1743,9 @@
           <a:lstStyle/>
           <a:p>
             <a:r>
-              <a:rPr lang="en-US" smtClean="0"/>
+              <a:rPr lang="en-US"/>
               <a:t>Click to edit Master title style</a:t>
             </a:r>
-            <a:endParaRPr lang="en-US"/>
           </a:p>
         </p:txBody>
       </p:sp>
@@ -1787,38 +1771,37 @@
           <a:p>
             <a:pPr lvl="0"/>
             <a:r>
-              <a:rPr lang="en-US" smtClean="0"/>
+              <a:rPr lang="en-US"/>
               <a:t>Click to edit Master text styles</a:t>
             </a:r>
           </a:p>
           <a:p>
             <a:pPr lvl="1"/>
             <a:r>
-              <a:rPr lang="en-US" smtClean="0"/>
+              <a:rPr lang="en-US"/>
               <a:t>Second level</a:t>
             </a:r>
           </a:p>
           <a:p>
             <a:pPr lvl="2"/>
             <a:r>
-              <a:rPr lang="en-US" smtClean="0"/>
+              <a:rPr lang="en-US"/>
               <a:t>Third level</a:t>
             </a:r>
           </a:p>
           <a:p>
             <a:pPr lvl="3"/>
             <a:r>
-              <a:rPr lang="en-US" smtClean="0"/>
+              <a:rPr lang="en-US"/>
               <a:t>Fourth level</a:t>
             </a:r>
           </a:p>
           <a:p>
             <a:pPr lvl="4"/>
             <a:r>
-              <a:rPr lang="en-US" smtClean="0"/>
+              <a:rPr lang="en-US"/>
               <a:t>Fifth level</a:t>
             </a:r>
-            <a:endParaRPr lang="en-US"/>
           </a:p>
         </p:txBody>
       </p:sp>
@@ -1839,7 +1822,7 @@
           <a:p>
             <a:fld id="{ED1B6996-82E9-463C-972C-7B56056E426C}" type="datetime1">
               <a:rPr lang="en-US" smtClean="0"/>
-              <a:t>10/25/2015</a:t>
+              <a:t>9/30/2016</a:t>
             </a:fld>
             <a:endParaRPr lang="en-US"/>
           </a:p>
@@ -1897,13 +1880,6 @@
   <p:clrMapOvr>
     <a:masterClrMapping/>
   </p:clrMapOvr>
-  <p:timing>
-    <p:tnLst>
-      <p:par>
-        <p:cTn id="1" dur="indefinite" restart="never" nodeType="tmRoot"/>
-      </p:par>
-    </p:tnLst>
-  </p:timing>
 </p:sldLayout>
 </file>
 
@@ -1946,10 +1922,9 @@
           <a:lstStyle/>
           <a:p>
             <a:r>
-              <a:rPr lang="en-US" dirty="0" smtClean="0"/>
+              <a:rPr lang="en-US" dirty="0"/>
               <a:t>Click to edit Master title style</a:t>
             </a:r>
-            <a:endParaRPr lang="en-US" dirty="0"/>
           </a:p>
         </p:txBody>
       </p:sp>
@@ -1970,38 +1945,37 @@
           <a:p>
             <a:pPr lvl="0"/>
             <a:r>
-              <a:rPr lang="en-US" smtClean="0"/>
+              <a:rPr lang="en-US"/>
               <a:t>Click to edit Master text styles</a:t>
             </a:r>
           </a:p>
           <a:p>
             <a:pPr lvl="1"/>
             <a:r>
-              <a:rPr lang="en-US" smtClean="0"/>
+              <a:rPr lang="en-US"/>
               <a:t>Second level</a:t>
             </a:r>
           </a:p>
           <a:p>
             <a:pPr lvl="2"/>
             <a:r>
-              <a:rPr lang="en-US" smtClean="0"/>
+              <a:rPr lang="en-US"/>
               <a:t>Third level</a:t>
             </a:r>
           </a:p>
           <a:p>
             <a:pPr lvl="3"/>
             <a:r>
-              <a:rPr lang="en-US" smtClean="0"/>
+              <a:rPr lang="en-US"/>
               <a:t>Fourth level</a:t>
             </a:r>
           </a:p>
           <a:p>
             <a:pPr lvl="4"/>
             <a:r>
-              <a:rPr lang="en-US" smtClean="0"/>
+              <a:rPr lang="en-US"/>
               <a:t>Fifth level</a:t>
             </a:r>
-            <a:endParaRPr lang="en-US"/>
           </a:p>
         </p:txBody>
       </p:sp>
@@ -2022,7 +1996,7 @@
           <a:p>
             <a:fld id="{E22ED4DA-448D-4BB1-B935-CC112220207B}" type="datetime1">
               <a:rPr lang="en-US" smtClean="0"/>
-              <a:t>10/25/2015</a:t>
+              <a:t>9/30/2016</a:t>
             </a:fld>
             <a:endParaRPr lang="en-US"/>
           </a:p>
@@ -2080,13 +2054,6 @@
   <p:clrMapOvr>
     <a:masterClrMapping/>
   </p:clrMapOvr>
-  <p:timing>
-    <p:tnLst>
-      <p:par>
-        <p:cTn id="1" dur="indefinite" restart="never" nodeType="tmRoot"/>
-      </p:par>
-    </p:tnLst>
-  </p:timing>
 </p:sldLayout>
 </file>
 
@@ -2123,10 +2090,9 @@
           <a:lstStyle/>
           <a:p>
             <a:r>
-              <a:rPr lang="en-US" smtClean="0"/>
+              <a:rPr lang="en-US"/>
               <a:t>Click to edit Master title style</a:t>
             </a:r>
-            <a:endParaRPr lang="en-US"/>
           </a:p>
         </p:txBody>
       </p:sp>
@@ -2152,38 +2118,37 @@
           <a:p>
             <a:pPr lvl="0"/>
             <a:r>
-              <a:rPr lang="en-US" dirty="0" smtClean="0"/>
+              <a:rPr lang="en-US" dirty="0"/>
               <a:t>Click to edit Master text styles</a:t>
             </a:r>
           </a:p>
           <a:p>
             <a:pPr lvl="1"/>
             <a:r>
-              <a:rPr lang="en-US" dirty="0" smtClean="0"/>
+              <a:rPr lang="en-US" dirty="0"/>
               <a:t>Second level</a:t>
             </a:r>
           </a:p>
           <a:p>
             <a:pPr lvl="2"/>
             <a:r>
-              <a:rPr lang="en-US" dirty="0" smtClean="0"/>
+              <a:rPr lang="en-US" dirty="0"/>
               <a:t>Third level</a:t>
             </a:r>
           </a:p>
           <a:p>
             <a:pPr lvl="3"/>
             <a:r>
-              <a:rPr lang="en-US" dirty="0" smtClean="0"/>
+              <a:rPr lang="en-US" dirty="0"/>
               <a:t>Fourth level</a:t>
             </a:r>
           </a:p>
           <a:p>
             <a:pPr lvl="4"/>
             <a:r>
-              <a:rPr lang="en-US" dirty="0" smtClean="0"/>
+              <a:rPr lang="en-US" dirty="0"/>
               <a:t>Fifth level</a:t>
             </a:r>
-            <a:endParaRPr lang="en-US" dirty="0"/>
           </a:p>
         </p:txBody>
       </p:sp>
@@ -2204,7 +2169,7 @@
           <a:p>
             <a:fld id="{E22ED4DA-448D-4BB1-B935-CC112220207B}" type="datetime1">
               <a:rPr lang="en-US" smtClean="0"/>
-              <a:t>10/25/2015</a:t>
+              <a:t>9/30/2016</a:t>
             </a:fld>
             <a:endParaRPr lang="en-US"/>
           </a:p>
@@ -2294,7 +2259,7 @@
           <a:lstStyle/>
           <a:p>
             <a:pPr algn="ctr"/>
-            <a:endParaRPr lang="en-US" dirty="0" smtClean="0">
+            <a:endParaRPr lang="en-US" dirty="0">
               <a:solidFill>
                 <a:schemeClr val="tx1"/>
               </a:solidFill>
@@ -2325,11 +2290,11 @@
           <a:lstStyle/>
           <a:p>
             <a:r>
-              <a:rPr lang="en-US" dirty="0" smtClean="0"/>
+              <a:rPr lang="en-US" dirty="0"/>
               <a:t>Resize video to this</a:t>
             </a:r>
             <a:r>
-              <a:rPr lang="en-US" baseline="0" dirty="0" smtClean="0"/>
+              <a:rPr lang="en-US" baseline="0" dirty="0"/>
               <a:t> box.</a:t>
             </a:r>
             <a:endParaRPr lang="en-US" dirty="0"/>
@@ -2346,13 +2311,6 @@
   <p:clrMapOvr>
     <a:masterClrMapping/>
   </p:clrMapOvr>
-  <p:timing>
-    <p:tnLst>
-      <p:par>
-        <p:cTn id="1" dur="indefinite" restart="never" nodeType="tmRoot"/>
-      </p:par>
-    </p:tnLst>
-  </p:timing>
 </p:sldLayout>
 </file>
 
@@ -2389,10 +2347,9 @@
           <a:lstStyle/>
           <a:p>
             <a:r>
-              <a:rPr lang="en-US" smtClean="0"/>
+              <a:rPr lang="en-US"/>
               <a:t>Click to edit Master title style</a:t>
             </a:r>
-            <a:endParaRPr lang="en-US"/>
           </a:p>
         </p:txBody>
       </p:sp>
@@ -2421,38 +2378,37 @@
           <a:p>
             <a:pPr lvl="0"/>
             <a:r>
-              <a:rPr lang="en-US" dirty="0" smtClean="0"/>
+              <a:rPr lang="en-US" dirty="0"/>
               <a:t>Click to edit Master text styles</a:t>
             </a:r>
           </a:p>
           <a:p>
             <a:pPr lvl="1"/>
             <a:r>
-              <a:rPr lang="en-US" dirty="0" smtClean="0"/>
+              <a:rPr lang="en-US" dirty="0"/>
               <a:t>Second level</a:t>
             </a:r>
           </a:p>
           <a:p>
             <a:pPr lvl="2"/>
             <a:r>
-              <a:rPr lang="en-US" dirty="0" smtClean="0"/>
+              <a:rPr lang="en-US" dirty="0"/>
               <a:t>Third level</a:t>
             </a:r>
           </a:p>
           <a:p>
             <a:pPr lvl="3"/>
             <a:r>
-              <a:rPr lang="en-US" dirty="0" smtClean="0"/>
+              <a:rPr lang="en-US" dirty="0"/>
               <a:t>Fourth level</a:t>
             </a:r>
           </a:p>
           <a:p>
             <a:pPr lvl="4"/>
             <a:r>
-              <a:rPr lang="en-US" dirty="0" smtClean="0"/>
+              <a:rPr lang="en-US" dirty="0"/>
               <a:t>Fifth level</a:t>
             </a:r>
-            <a:endParaRPr lang="en-US" dirty="0"/>
           </a:p>
         </p:txBody>
       </p:sp>
@@ -2473,7 +2429,7 @@
           <a:p>
             <a:fld id="{FF5D65A6-AB94-4435-B0B7-3743215FA46C}" type="datetime1">
               <a:rPr lang="en-US" smtClean="0"/>
-              <a:t>10/25/2015</a:t>
+              <a:t>9/30/2016</a:t>
             </a:fld>
             <a:endParaRPr lang="en-US"/>
           </a:p>
@@ -2531,13 +2487,6 @@
   <p:clrMapOvr>
     <a:masterClrMapping/>
   </p:clrMapOvr>
-  <p:timing>
-    <p:tnLst>
-      <p:par>
-        <p:cTn id="1" dur="indefinite" restart="never" nodeType="tmRoot"/>
-      </p:par>
-    </p:tnLst>
-  </p:timing>
 </p:sldLayout>
 </file>
 
@@ -2574,10 +2523,9 @@
           <a:lstStyle/>
           <a:p>
             <a:r>
-              <a:rPr lang="en-US" smtClean="0"/>
+              <a:rPr lang="en-US"/>
               <a:t>Click to edit Master title style</a:t>
             </a:r>
-            <a:endParaRPr lang="en-US"/>
           </a:p>
         </p:txBody>
       </p:sp>
@@ -2606,38 +2554,37 @@
           <a:p>
             <a:pPr lvl="0"/>
             <a:r>
-              <a:rPr lang="en-US" dirty="0" smtClean="0"/>
+              <a:rPr lang="en-US" dirty="0"/>
               <a:t>Click to edit Master text styles</a:t>
             </a:r>
           </a:p>
           <a:p>
             <a:pPr lvl="1"/>
             <a:r>
-              <a:rPr lang="en-US" dirty="0" smtClean="0"/>
+              <a:rPr lang="en-US" dirty="0"/>
               <a:t>Second level</a:t>
             </a:r>
           </a:p>
           <a:p>
             <a:pPr lvl="2"/>
             <a:r>
-              <a:rPr lang="en-US" dirty="0" smtClean="0"/>
+              <a:rPr lang="en-US" dirty="0"/>
               <a:t>Third level</a:t>
             </a:r>
           </a:p>
           <a:p>
             <a:pPr lvl="3"/>
             <a:r>
-              <a:rPr lang="en-US" dirty="0" smtClean="0"/>
+              <a:rPr lang="en-US" dirty="0"/>
               <a:t>Fourth level</a:t>
             </a:r>
           </a:p>
           <a:p>
             <a:pPr lvl="4"/>
             <a:r>
-              <a:rPr lang="en-US" dirty="0" smtClean="0"/>
+              <a:rPr lang="en-US" dirty="0"/>
               <a:t>Fifth level</a:t>
             </a:r>
-            <a:endParaRPr lang="en-US" dirty="0"/>
           </a:p>
         </p:txBody>
       </p:sp>
@@ -2658,7 +2605,7 @@
           <a:p>
             <a:fld id="{FF5D65A6-AB94-4435-B0B7-3743215FA46C}" type="datetime1">
               <a:rPr lang="en-US" smtClean="0"/>
-              <a:t>10/25/2015</a:t>
+              <a:t>9/30/2016</a:t>
             </a:fld>
             <a:endParaRPr lang="en-US"/>
           </a:p>
@@ -2765,13 +2712,6 @@
   <p:clrMapOvr>
     <a:masterClrMapping/>
   </p:clrMapOvr>
-  <p:timing>
-    <p:tnLst>
-      <p:par>
-        <p:cTn id="1" dur="indefinite" restart="never" nodeType="tmRoot"/>
-      </p:par>
-    </p:tnLst>
-  </p:timing>
 </p:sldLayout>
 </file>
 
@@ -2817,10 +2757,9 @@
           </a:lstStyle>
           <a:p>
             <a:r>
-              <a:rPr lang="en-US" smtClean="0"/>
+              <a:rPr lang="en-US"/>
               <a:t>Click to edit Master title style</a:t>
             </a:r>
-            <a:endParaRPr lang="en-US"/>
           </a:p>
         </p:txBody>
       </p:sp>
@@ -2937,7 +2876,7 @@
           <a:p>
             <a:pPr lvl="0"/>
             <a:r>
-              <a:rPr lang="en-US" smtClean="0"/>
+              <a:rPr lang="en-US"/>
               <a:t>Click to edit Master text styles</a:t>
             </a:r>
           </a:p>
@@ -2960,7 +2899,7 @@
           <a:p>
             <a:fld id="{7C193DC4-6EF0-48C9-B29C-616106A645E1}" type="datetime1">
               <a:rPr lang="en-US" smtClean="0"/>
-              <a:t>10/25/2015</a:t>
+              <a:t>9/30/2016</a:t>
             </a:fld>
             <a:endParaRPr lang="en-US"/>
           </a:p>
@@ -3054,10 +2993,9 @@
           <a:lstStyle/>
           <a:p>
             <a:r>
-              <a:rPr lang="en-US" smtClean="0"/>
+              <a:rPr lang="en-US"/>
               <a:t>Click to edit Master title style</a:t>
             </a:r>
-            <a:endParaRPr lang="en-US"/>
           </a:p>
         </p:txBody>
       </p:sp>
@@ -3111,38 +3049,37 @@
           <a:p>
             <a:pPr lvl="0"/>
             <a:r>
-              <a:rPr lang="en-US" smtClean="0"/>
+              <a:rPr lang="en-US"/>
               <a:t>Click to edit Master text styles</a:t>
             </a:r>
           </a:p>
           <a:p>
             <a:pPr lvl="1"/>
             <a:r>
-              <a:rPr lang="en-US" smtClean="0"/>
+              <a:rPr lang="en-US"/>
               <a:t>Second level</a:t>
             </a:r>
           </a:p>
           <a:p>
             <a:pPr lvl="2"/>
             <a:r>
-              <a:rPr lang="en-US" smtClean="0"/>
+              <a:rPr lang="en-US"/>
               <a:t>Third level</a:t>
             </a:r>
           </a:p>
           <a:p>
             <a:pPr lvl="3"/>
             <a:r>
-              <a:rPr lang="en-US" smtClean="0"/>
+              <a:rPr lang="en-US"/>
               <a:t>Fourth level</a:t>
             </a:r>
           </a:p>
           <a:p>
             <a:pPr lvl="4"/>
             <a:r>
-              <a:rPr lang="en-US" smtClean="0"/>
+              <a:rPr lang="en-US"/>
               <a:t>Fifth level</a:t>
             </a:r>
-            <a:endParaRPr lang="en-US"/>
           </a:p>
         </p:txBody>
       </p:sp>
@@ -3196,38 +3133,37 @@
           <a:p>
             <a:pPr lvl="0"/>
             <a:r>
-              <a:rPr lang="en-US" smtClean="0"/>
+              <a:rPr lang="en-US"/>
               <a:t>Click to edit Master text styles</a:t>
             </a:r>
           </a:p>
           <a:p>
             <a:pPr lvl="1"/>
             <a:r>
-              <a:rPr lang="en-US" smtClean="0"/>
+              <a:rPr lang="en-US"/>
               <a:t>Second level</a:t>
             </a:r>
           </a:p>
           <a:p>
             <a:pPr lvl="2"/>
             <a:r>
-              <a:rPr lang="en-US" smtClean="0"/>
+              <a:rPr lang="en-US"/>
               <a:t>Third level</a:t>
             </a:r>
           </a:p>
           <a:p>
             <a:pPr lvl="3"/>
             <a:r>
-              <a:rPr lang="en-US" smtClean="0"/>
+              <a:rPr lang="en-US"/>
               <a:t>Fourth level</a:t>
             </a:r>
           </a:p>
           <a:p>
             <a:pPr lvl="4"/>
             <a:r>
-              <a:rPr lang="en-US" smtClean="0"/>
+              <a:rPr lang="en-US"/>
               <a:t>Fifth level</a:t>
             </a:r>
-            <a:endParaRPr lang="en-US"/>
           </a:p>
         </p:txBody>
       </p:sp>
@@ -3248,7 +3184,7 @@
           <a:p>
             <a:fld id="{5D1846AD-9252-4647-9435-4C2AC365653A}" type="datetime1">
               <a:rPr lang="en-US" smtClean="0"/>
-              <a:t>10/25/2015</a:t>
+              <a:t>9/30/2016</a:t>
             </a:fld>
             <a:endParaRPr lang="en-US"/>
           </a:p>
@@ -3346,10 +3282,9 @@
           </a:lstStyle>
           <a:p>
             <a:r>
-              <a:rPr lang="en-US" smtClean="0"/>
+              <a:rPr lang="en-US"/>
               <a:t>Click to edit Master title style</a:t>
             </a:r>
-            <a:endParaRPr lang="en-US"/>
           </a:p>
         </p:txBody>
       </p:sp>
@@ -3412,7 +3347,7 @@
           <a:p>
             <a:pPr lvl="0"/>
             <a:r>
-              <a:rPr lang="en-US" smtClean="0"/>
+              <a:rPr lang="en-US"/>
               <a:t>Click to edit Master text styles</a:t>
             </a:r>
           </a:p>
@@ -3468,38 +3403,37 @@
           <a:p>
             <a:pPr lvl="0"/>
             <a:r>
-              <a:rPr lang="en-US" smtClean="0"/>
+              <a:rPr lang="en-US"/>
               <a:t>Click to edit Master text styles</a:t>
             </a:r>
           </a:p>
           <a:p>
             <a:pPr lvl="1"/>
             <a:r>
-              <a:rPr lang="en-US" smtClean="0"/>
+              <a:rPr lang="en-US"/>
               <a:t>Second level</a:t>
             </a:r>
           </a:p>
           <a:p>
             <a:pPr lvl="2"/>
             <a:r>
-              <a:rPr lang="en-US" smtClean="0"/>
+              <a:rPr lang="en-US"/>
               <a:t>Third level</a:t>
             </a:r>
           </a:p>
           <a:p>
             <a:pPr lvl="3"/>
             <a:r>
-              <a:rPr lang="en-US" smtClean="0"/>
+              <a:rPr lang="en-US"/>
               <a:t>Fourth level</a:t>
             </a:r>
           </a:p>
           <a:p>
             <a:pPr lvl="4"/>
             <a:r>
-              <a:rPr lang="en-US" smtClean="0"/>
+              <a:rPr lang="en-US"/>
               <a:t>Fifth level</a:t>
             </a:r>
-            <a:endParaRPr lang="en-US"/>
           </a:p>
         </p:txBody>
       </p:sp>
@@ -3562,7 +3496,7 @@
           <a:p>
             <a:pPr lvl="0"/>
             <a:r>
-              <a:rPr lang="en-US" smtClean="0"/>
+              <a:rPr lang="en-US"/>
               <a:t>Click to edit Master text styles</a:t>
             </a:r>
           </a:p>
@@ -3618,38 +3552,37 @@
           <a:p>
             <a:pPr lvl="0"/>
             <a:r>
-              <a:rPr lang="en-US" smtClean="0"/>
+              <a:rPr lang="en-US"/>
               <a:t>Click to edit Master text styles</a:t>
             </a:r>
           </a:p>
           <a:p>
             <a:pPr lvl="1"/>
             <a:r>
-              <a:rPr lang="en-US" smtClean="0"/>
+              <a:rPr lang="en-US"/>
               <a:t>Second level</a:t>
             </a:r>
           </a:p>
           <a:p>
             <a:pPr lvl="2"/>
             <a:r>
-              <a:rPr lang="en-US" smtClean="0"/>
+              <a:rPr lang="en-US"/>
               <a:t>Third level</a:t>
             </a:r>
           </a:p>
           <a:p>
             <a:pPr lvl="3"/>
             <a:r>
-              <a:rPr lang="en-US" smtClean="0"/>
+              <a:rPr lang="en-US"/>
               <a:t>Fourth level</a:t>
             </a:r>
           </a:p>
           <a:p>
             <a:pPr lvl="4"/>
             <a:r>
-              <a:rPr lang="en-US" smtClean="0"/>
+              <a:rPr lang="en-US"/>
               <a:t>Fifth level</a:t>
             </a:r>
-            <a:endParaRPr lang="en-US"/>
           </a:p>
         </p:txBody>
       </p:sp>
@@ -3670,7 +3603,7 @@
           <a:p>
             <a:fld id="{CE56DC10-3561-4063-A6AF-C1CC7A41040A}" type="datetime1">
               <a:rPr lang="en-US" smtClean="0"/>
-              <a:t>10/25/2015</a:t>
+              <a:t>9/30/2016</a:t>
             </a:fld>
             <a:endParaRPr lang="en-US"/>
           </a:p>
@@ -3764,10 +3697,9 @@
           <a:lstStyle/>
           <a:p>
             <a:r>
-              <a:rPr lang="en-US" smtClean="0"/>
+              <a:rPr lang="en-US"/>
               <a:t>Click to edit Master title style</a:t>
             </a:r>
-            <a:endParaRPr lang="en-US"/>
           </a:p>
         </p:txBody>
       </p:sp>
@@ -3788,7 +3720,7 @@
           <a:p>
             <a:fld id="{2F7B77F5-1464-4F6B-92A8-64FC8A508293}" type="datetime1">
               <a:rPr lang="en-US" smtClean="0"/>
-              <a:t>10/25/2015</a:t>
+              <a:t>9/30/2016</a:t>
             </a:fld>
             <a:endParaRPr lang="en-US"/>
           </a:p>
@@ -3846,13 +3778,6 @@
   <p:clrMapOvr>
     <a:masterClrMapping/>
   </p:clrMapOvr>
-  <p:timing>
-    <p:tnLst>
-      <p:par>
-        <p:cTn id="1" dur="indefinite" restart="never" nodeType="tmRoot"/>
-      </p:par>
-    </p:tnLst>
-  </p:timing>
 </p:sldLayout>
 </file>
 
@@ -3916,10 +3841,9 @@
           <a:lstStyle/>
           <a:p>
             <a:r>
-              <a:rPr lang="en-US" smtClean="0"/>
+              <a:rPr lang="en-US"/>
               <a:t>Click to edit Master title style</a:t>
             </a:r>
-            <a:endParaRPr lang="en-US"/>
           </a:p>
         </p:txBody>
       </p:sp>
@@ -3950,38 +3874,37 @@
           <a:p>
             <a:pPr lvl="0"/>
             <a:r>
-              <a:rPr lang="en-US" smtClean="0"/>
+              <a:rPr lang="en-US"/>
               <a:t>Click to edit Master text styles</a:t>
             </a:r>
           </a:p>
           <a:p>
             <a:pPr lvl="1"/>
             <a:r>
-              <a:rPr lang="en-US" smtClean="0"/>
+              <a:rPr lang="en-US"/>
               <a:t>Second level</a:t>
             </a:r>
           </a:p>
           <a:p>
             <a:pPr lvl="2"/>
             <a:r>
-              <a:rPr lang="en-US" smtClean="0"/>
+              <a:rPr lang="en-US"/>
               <a:t>Third level</a:t>
             </a:r>
           </a:p>
           <a:p>
             <a:pPr lvl="3"/>
             <a:r>
-              <a:rPr lang="en-US" smtClean="0"/>
+              <a:rPr lang="en-US"/>
               <a:t>Fourth level</a:t>
             </a:r>
           </a:p>
           <a:p>
             <a:pPr lvl="4"/>
             <a:r>
-              <a:rPr lang="en-US" smtClean="0"/>
+              <a:rPr lang="en-US"/>
               <a:t>Fifth level</a:t>
             </a:r>
-            <a:endParaRPr lang="en-US"/>
           </a:p>
         </p:txBody>
       </p:sp>
@@ -4020,7 +3943,7 @@
           <a:p>
             <a:fld id="{02B3F677-983B-48DB-ADFD-63FE6CBC7FB2}" type="datetime1">
               <a:rPr lang="en-US" smtClean="0"/>
-              <a:t>10/25/2015</a:t>
+              <a:t>9/30/2016</a:t>
             </a:fld>
             <a:endParaRPr lang="en-US"/>
           </a:p>
@@ -4128,13 +4051,6 @@
     <p:sldLayoutId id="2147483674" r:id="rId13"/>
     <p:sldLayoutId id="2147483675" r:id="rId14"/>
   </p:sldLayoutIdLst>
-  <p:timing>
-    <p:tnLst>
-      <p:par>
-        <p:cTn id="1" dur="indefinite" restart="never" nodeType="tmRoot"/>
-      </p:par>
-    </p:tnLst>
-  </p:timing>
   <p:hf hdr="0" ftr="0" dt="0"/>
   <p:txStyles>
     <p:titleStyle>
@@ -4422,10 +4338,9 @@
           <a:lstStyle/>
           <a:p>
             <a:r>
-              <a:rPr lang="en-US" dirty="0" smtClean="0"/>
+              <a:rPr lang="en-US" dirty="0"/>
               <a:t>Solving Your Problem by Generalization</a:t>
             </a:r>
-            <a:endParaRPr lang="en-US" dirty="0"/>
           </a:p>
         </p:txBody>
       </p:sp>
@@ -4445,21 +4360,21 @@
           <a:lstStyle/>
           <a:p>
             <a:r>
-              <a:rPr lang="en-US" dirty="0" smtClean="0"/>
+              <a:rPr lang="en-US" dirty="0"/>
               <a:t>CS 5010 Program Design Paradigms “</a:t>
             </a:r>
             <a:r>
-              <a:rPr lang="en-US" dirty="0" err="1" smtClean="0"/>
+              <a:rPr lang="en-US" dirty="0" err="1"/>
               <a:t>Bootcamp</a:t>
             </a:r>
             <a:r>
-              <a:rPr lang="en-US" dirty="0" smtClean="0"/>
+              <a:rPr lang="en-US" dirty="0"/>
               <a:t>”</a:t>
             </a:r>
           </a:p>
           <a:p>
             <a:r>
-              <a:rPr lang="en-US" dirty="0" smtClean="0"/>
+              <a:rPr lang="en-US" dirty="0"/>
               <a:t>Lesson 7.1</a:t>
             </a:r>
           </a:p>
@@ -4559,27 +4474,13 @@
             <a:p>
               <a:r>
                 <a:rPr lang="en-US" sz="1000" dirty="0"/>
-                <a:t>© Mitchell Wand, </a:t>
-              </a:r>
-              <a:r>
-                <a:rPr lang="en-US" sz="1000" dirty="0" smtClean="0"/>
-                <a:t>2012-2015</a:t>
+                <a:t>© Mitchell Wand, 2012-2015</a:t>
               </a:r>
             </a:p>
             <a:p>
               <a:r>
-                <a:rPr lang="en-US" sz="1000" dirty="0" smtClean="0"/>
+                <a:rPr lang="en-US" sz="1000" dirty="0"/>
                 <a:t>This work is licensed under a </a:t>
-              </a:r>
-              <a:r>
-                <a:rPr lang="en-US" altLang="en-US" sz="1000" dirty="0" smtClean="0">
-                  <a:solidFill>
-                    <a:srgbClr val="4374B7"/>
-                  </a:solidFill>
-                  <a:latin typeface="Helvetica Neue"/>
-                  <a:hlinkClick r:id="rId4"/>
-                </a:rPr>
-                <a:t>Creative </a:t>
               </a:r>
               <a:r>
                 <a:rPr lang="en-US" altLang="en-US" sz="1000" dirty="0">
@@ -4589,7 +4490,7 @@
                   <a:latin typeface="Helvetica Neue"/>
                   <a:hlinkClick r:id="rId4"/>
                 </a:rPr>
-                <a:t>Commons Attribution-</a:t>
+                <a:t>Creative Commons Attribution-</a:t>
               </a:r>
               <a:r>
                 <a:rPr lang="en-US" altLang="en-US" sz="1000" dirty="0" err="1">
@@ -4612,10 +4513,9 @@
                 <a:t> 4.0 International License</a:t>
               </a:r>
               <a:r>
-                <a:rPr lang="en-US" sz="1000" dirty="0" smtClean="0"/>
+                <a:rPr lang="en-US" sz="1000" dirty="0"/>
                 <a:t>.</a:t>
               </a:r>
-              <a:endParaRPr lang="en-US" sz="1000" dirty="0"/>
             </a:p>
           </p:txBody>
         </p:sp>
@@ -4630,13 +4530,6 @@
   <p:clrMapOvr>
     <a:masterClrMapping/>
   </p:clrMapOvr>
-  <p:timing>
-    <p:tnLst>
-      <p:par>
-        <p:cTn id="1" dur="indefinite" restart="never" nodeType="tmRoot"/>
-      </p:par>
-    </p:tnLst>
-  </p:timing>
 </p:sld>
 </file>
 
@@ -4673,10 +4566,9 @@
           <a:lstStyle/>
           <a:p>
             <a:r>
-              <a:rPr lang="en-US" dirty="0" smtClean="0"/>
+              <a:rPr lang="en-US" dirty="0"/>
               <a:t>number-list-starting-from-2</a:t>
             </a:r>
-            <a:endParaRPr lang="en-US" dirty="0"/>
           </a:p>
         </p:txBody>
       </p:sp>
@@ -4701,21 +4593,21 @@
               <a:buNone/>
             </a:pPr>
             <a:r>
-              <a:rPr lang="en-US" sz="2400" b="1" dirty="0" smtClean="0">
+              <a:rPr lang="en-US" sz="2400" b="1" dirty="0">
                 <a:latin typeface="Consolas" pitchFamily="49" charset="0"/>
                 <a:cs typeface="Consolas" pitchFamily="49" charset="0"/>
               </a:rPr>
               <a:t>(define (number-list-starting-from-2 </a:t>
             </a:r>
             <a:r>
-              <a:rPr lang="en-US" sz="2400" b="1" dirty="0" err="1" smtClean="0">
+              <a:rPr lang="en-US" sz="2400" b="1" dirty="0" err="1">
                 <a:latin typeface="Consolas" pitchFamily="49" charset="0"/>
                 <a:cs typeface="Consolas" pitchFamily="49" charset="0"/>
               </a:rPr>
               <a:t>lst</a:t>
             </a:r>
             <a:r>
-              <a:rPr lang="en-US" sz="2400" b="1" dirty="0" smtClean="0">
+              <a:rPr lang="en-US" sz="2400" b="1" dirty="0">
                 <a:latin typeface="Consolas" pitchFamily="49" charset="0"/>
                 <a:cs typeface="Consolas" pitchFamily="49" charset="0"/>
               </a:rPr>
@@ -4727,20 +4619,20 @@
               <a:buNone/>
             </a:pPr>
             <a:r>
-              <a:rPr lang="en-US" sz="2400" b="1" dirty="0" smtClean="0">
+              <a:rPr lang="en-US" sz="2400" b="1" dirty="0">
                 <a:latin typeface="Consolas" pitchFamily="49" charset="0"/>
                 <a:cs typeface="Consolas" pitchFamily="49" charset="0"/>
               </a:rPr>
               <a:t>  (</a:t>
             </a:r>
             <a:r>
-              <a:rPr lang="en-US" sz="2400" b="1" dirty="0" err="1" smtClean="0">
+              <a:rPr lang="en-US" sz="2400" b="1" dirty="0" err="1">
                 <a:latin typeface="Consolas" pitchFamily="49" charset="0"/>
                 <a:cs typeface="Consolas" pitchFamily="49" charset="0"/>
               </a:rPr>
               <a:t>cond</a:t>
             </a:r>
-            <a:endParaRPr lang="en-US" sz="2400" b="1" dirty="0" smtClean="0">
+            <a:endParaRPr lang="en-US" sz="2400" b="1" dirty="0">
               <a:latin typeface="Consolas" pitchFamily="49" charset="0"/>
               <a:cs typeface="Consolas" pitchFamily="49" charset="0"/>
             </a:endParaRPr>
@@ -4750,21 +4642,21 @@
               <a:buNone/>
             </a:pPr>
             <a:r>
-              <a:rPr lang="en-US" sz="2400" b="1" dirty="0" smtClean="0">
+              <a:rPr lang="en-US" sz="2400" b="1" dirty="0">
                 <a:latin typeface="Consolas" pitchFamily="49" charset="0"/>
                 <a:cs typeface="Consolas" pitchFamily="49" charset="0"/>
               </a:rPr>
               <a:t>    [(empty? </a:t>
             </a:r>
             <a:r>
-              <a:rPr lang="en-US" sz="2400" b="1" dirty="0" err="1" smtClean="0">
+              <a:rPr lang="en-US" sz="2400" b="1" dirty="0" err="1">
                 <a:latin typeface="Consolas" pitchFamily="49" charset="0"/>
                 <a:cs typeface="Consolas" pitchFamily="49" charset="0"/>
               </a:rPr>
               <a:t>lst</a:t>
             </a:r>
             <a:r>
-              <a:rPr lang="en-US" sz="2400" b="1" dirty="0" smtClean="0">
+              <a:rPr lang="en-US" sz="2400" b="1" dirty="0">
                 <a:latin typeface="Consolas" pitchFamily="49" charset="0"/>
                 <a:cs typeface="Consolas" pitchFamily="49" charset="0"/>
               </a:rPr>
@@ -4776,7 +4668,7 @@
               <a:buNone/>
             </a:pPr>
             <a:r>
-              <a:rPr lang="en-US" sz="2400" b="1" dirty="0" smtClean="0">
+              <a:rPr lang="en-US" sz="2400" b="1" dirty="0">
                 <a:latin typeface="Consolas" pitchFamily="49" charset="0"/>
                 <a:cs typeface="Consolas" pitchFamily="49" charset="0"/>
               </a:rPr>
@@ -4788,21 +4680,21 @@
               <a:buNone/>
             </a:pPr>
             <a:r>
-              <a:rPr lang="en-US" sz="2400" b="1" dirty="0" smtClean="0">
+              <a:rPr lang="en-US" sz="2400" b="1" dirty="0">
                 <a:latin typeface="Consolas" pitchFamily="49" charset="0"/>
                 <a:cs typeface="Consolas" pitchFamily="49" charset="0"/>
               </a:rPr>
               <a:t>            (list 2 (first </a:t>
             </a:r>
             <a:r>
-              <a:rPr lang="en-US" sz="2400" b="1" dirty="0" err="1" smtClean="0">
+              <a:rPr lang="en-US" sz="2400" b="1" dirty="0" err="1">
                 <a:latin typeface="Consolas" pitchFamily="49" charset="0"/>
                 <a:cs typeface="Consolas" pitchFamily="49" charset="0"/>
               </a:rPr>
               <a:t>lst</a:t>
             </a:r>
             <a:r>
-              <a:rPr lang="en-US" sz="2400" b="1" dirty="0" smtClean="0">
+              <a:rPr lang="en-US" sz="2400" b="1" dirty="0">
                 <a:latin typeface="Consolas" pitchFamily="49" charset="0"/>
                 <a:cs typeface="Consolas" pitchFamily="49" charset="0"/>
               </a:rPr>
@@ -4814,7 +4706,7 @@
               <a:buNone/>
             </a:pPr>
             <a:r>
-              <a:rPr lang="en-US" sz="2400" b="1" dirty="0" smtClean="0">
+              <a:rPr lang="en-US" sz="2400" b="1" dirty="0">
                 <a:latin typeface="Consolas" pitchFamily="49" charset="0"/>
                 <a:cs typeface="Consolas" pitchFamily="49" charset="0"/>
               </a:rPr>
@@ -4830,24 +4722,17 @@
                 <a:latin typeface="Consolas" pitchFamily="49" charset="0"/>
                 <a:cs typeface="Consolas" pitchFamily="49" charset="0"/>
               </a:rPr>
-              <a:t> </a:t>
-            </a:r>
-            <a:r>
-              <a:rPr lang="en-US" sz="2400" b="1" dirty="0" smtClean="0">
-                <a:latin typeface="Consolas" pitchFamily="49" charset="0"/>
-                <a:cs typeface="Consolas" pitchFamily="49" charset="0"/>
-              </a:rPr>
-              <a:t>             (rest </a:t>
-            </a:r>
-            <a:r>
-              <a:rPr lang="en-US" sz="2400" b="1" dirty="0" err="1" smtClean="0">
+              <a:t>              (rest </a:t>
+            </a:r>
+            <a:r>
+              <a:rPr lang="en-US" sz="2400" b="1" dirty="0" err="1">
                 <a:latin typeface="Consolas" pitchFamily="49" charset="0"/>
                 <a:cs typeface="Consolas" pitchFamily="49" charset="0"/>
               </a:rPr>
               <a:t>lst</a:t>
             </a:r>
             <a:r>
-              <a:rPr lang="en-US" sz="2400" b="1" dirty="0" smtClean="0">
+              <a:rPr lang="en-US" sz="2400" b="1" dirty="0">
                 <a:latin typeface="Consolas" pitchFamily="49" charset="0"/>
                 <a:cs typeface="Consolas" pitchFamily="49" charset="0"/>
               </a:rPr>
@@ -4858,7 +4743,7 @@
             <a:pPr>
               <a:buNone/>
             </a:pPr>
-            <a:endParaRPr lang="en-US" sz="2400" b="1" dirty="0" smtClean="0">
+            <a:endParaRPr lang="en-US" sz="2400" b="1" dirty="0">
               <a:latin typeface="Courier New" pitchFamily="49" charset="0"/>
               <a:cs typeface="Courier New" pitchFamily="49" charset="0"/>
             </a:endParaRPr>
@@ -4944,7 +4829,7 @@
           <a:p>
             <a:pPr algn="ctr"/>
             <a:r>
-              <a:rPr lang="en-US" dirty="0" smtClean="0">
+              <a:rPr lang="en-US" dirty="0">
                 <a:solidFill>
                   <a:schemeClr val="tx1"/>
                 </a:solidFill>
@@ -4952,7 +4837,7 @@
               <a:t>Oh, dear.  Now we have to write </a:t>
             </a:r>
             <a:r>
-              <a:rPr lang="en-US" b="1" dirty="0" smtClean="0">
+              <a:rPr lang="en-US" b="1" dirty="0">
                 <a:solidFill>
                   <a:schemeClr val="tx1"/>
                 </a:solidFill>
@@ -4972,13 +4857,6 @@
   <p:clrMapOvr>
     <a:masterClrMapping/>
   </p:clrMapOvr>
-  <p:timing>
-    <p:tnLst>
-      <p:par>
-        <p:cTn id="1" dur="indefinite" restart="never" nodeType="tmRoot"/>
-      </p:par>
-    </p:tnLst>
-  </p:timing>
 </p:sld>
 </file>
 
@@ -5015,10 +4893,9 @@
           <a:lstStyle/>
           <a:p>
             <a:r>
-              <a:rPr lang="en-US" dirty="0" smtClean="0"/>
+              <a:rPr lang="en-US" dirty="0"/>
               <a:t>number-list-starting-from-3</a:t>
             </a:r>
-            <a:endParaRPr lang="en-US" dirty="0"/>
           </a:p>
         </p:txBody>
       </p:sp>
@@ -5043,21 +4920,21 @@
               <a:buNone/>
             </a:pPr>
             <a:r>
-              <a:rPr lang="en-US" sz="2400" b="1" dirty="0" smtClean="0">
+              <a:rPr lang="en-US" sz="2400" b="1" dirty="0">
                 <a:latin typeface="Consolas" pitchFamily="49" charset="0"/>
                 <a:cs typeface="Consolas" pitchFamily="49" charset="0"/>
               </a:rPr>
               <a:t>(define (number-list-starting-from-3 </a:t>
             </a:r>
             <a:r>
-              <a:rPr lang="en-US" sz="2400" b="1" dirty="0" err="1" smtClean="0">
+              <a:rPr lang="en-US" sz="2400" b="1" dirty="0" err="1">
                 <a:latin typeface="Consolas" pitchFamily="49" charset="0"/>
                 <a:cs typeface="Consolas" pitchFamily="49" charset="0"/>
               </a:rPr>
               <a:t>lst</a:t>
             </a:r>
             <a:r>
-              <a:rPr lang="en-US" sz="2400" b="1" dirty="0" smtClean="0">
+              <a:rPr lang="en-US" sz="2400" b="1" dirty="0">
                 <a:latin typeface="Consolas" pitchFamily="49" charset="0"/>
                 <a:cs typeface="Consolas" pitchFamily="49" charset="0"/>
               </a:rPr>
@@ -5069,20 +4946,20 @@
               <a:buNone/>
             </a:pPr>
             <a:r>
-              <a:rPr lang="en-US" sz="2400" b="1" dirty="0" smtClean="0">
+              <a:rPr lang="en-US" sz="2400" b="1" dirty="0">
                 <a:latin typeface="Consolas" pitchFamily="49" charset="0"/>
                 <a:cs typeface="Consolas" pitchFamily="49" charset="0"/>
               </a:rPr>
               <a:t>  (</a:t>
             </a:r>
             <a:r>
-              <a:rPr lang="en-US" sz="2400" b="1" dirty="0" err="1" smtClean="0">
+              <a:rPr lang="en-US" sz="2400" b="1" dirty="0" err="1">
                 <a:latin typeface="Consolas" pitchFamily="49" charset="0"/>
                 <a:cs typeface="Consolas" pitchFamily="49" charset="0"/>
               </a:rPr>
               <a:t>cond</a:t>
             </a:r>
-            <a:endParaRPr lang="en-US" sz="2400" b="1" dirty="0" smtClean="0">
+            <a:endParaRPr lang="en-US" sz="2400" b="1" dirty="0">
               <a:latin typeface="Consolas" pitchFamily="49" charset="0"/>
               <a:cs typeface="Consolas" pitchFamily="49" charset="0"/>
             </a:endParaRPr>
@@ -5092,21 +4969,21 @@
               <a:buNone/>
             </a:pPr>
             <a:r>
-              <a:rPr lang="en-US" sz="2400" b="1" dirty="0" smtClean="0">
+              <a:rPr lang="en-US" sz="2400" b="1" dirty="0">
                 <a:latin typeface="Consolas" pitchFamily="49" charset="0"/>
                 <a:cs typeface="Consolas" pitchFamily="49" charset="0"/>
               </a:rPr>
               <a:t>    [(empty? </a:t>
             </a:r>
             <a:r>
-              <a:rPr lang="en-US" sz="2400" b="1" dirty="0" err="1" smtClean="0">
+              <a:rPr lang="en-US" sz="2400" b="1" dirty="0" err="1">
                 <a:latin typeface="Consolas" pitchFamily="49" charset="0"/>
                 <a:cs typeface="Consolas" pitchFamily="49" charset="0"/>
               </a:rPr>
               <a:t>lst</a:t>
             </a:r>
             <a:r>
-              <a:rPr lang="en-US" sz="2400" b="1" dirty="0" smtClean="0">
+              <a:rPr lang="en-US" sz="2400" b="1" dirty="0">
                 <a:latin typeface="Consolas" pitchFamily="49" charset="0"/>
                 <a:cs typeface="Consolas" pitchFamily="49" charset="0"/>
               </a:rPr>
@@ -5118,7 +4995,7 @@
               <a:buNone/>
             </a:pPr>
             <a:r>
-              <a:rPr lang="en-US" sz="2400" b="1" dirty="0" smtClean="0">
+              <a:rPr lang="en-US" sz="2400" b="1" dirty="0">
                 <a:latin typeface="Consolas" pitchFamily="49" charset="0"/>
                 <a:cs typeface="Consolas" pitchFamily="49" charset="0"/>
               </a:rPr>
@@ -5130,21 +5007,21 @@
               <a:buNone/>
             </a:pPr>
             <a:r>
-              <a:rPr lang="en-US" sz="2400" b="1" dirty="0" smtClean="0">
+              <a:rPr lang="en-US" sz="2400" b="1" dirty="0">
                 <a:latin typeface="Consolas" pitchFamily="49" charset="0"/>
                 <a:cs typeface="Consolas" pitchFamily="49" charset="0"/>
               </a:rPr>
               <a:t>            (list 2 (first </a:t>
             </a:r>
             <a:r>
-              <a:rPr lang="en-US" sz="2400" b="1" dirty="0" err="1" smtClean="0">
+              <a:rPr lang="en-US" sz="2400" b="1" dirty="0" err="1">
                 <a:latin typeface="Consolas" pitchFamily="49" charset="0"/>
                 <a:cs typeface="Consolas" pitchFamily="49" charset="0"/>
               </a:rPr>
               <a:t>lst</a:t>
             </a:r>
             <a:r>
-              <a:rPr lang="en-US" sz="2400" b="1" dirty="0" smtClean="0">
+              <a:rPr lang="en-US" sz="2400" b="1" dirty="0">
                 <a:latin typeface="Consolas" pitchFamily="49" charset="0"/>
                 <a:cs typeface="Consolas" pitchFamily="49" charset="0"/>
               </a:rPr>
@@ -5156,7 +5033,7 @@
               <a:buNone/>
             </a:pPr>
             <a:r>
-              <a:rPr lang="en-US" sz="2400" b="1" dirty="0" smtClean="0">
+              <a:rPr lang="en-US" sz="2400" b="1" dirty="0">
                 <a:latin typeface="Consolas" pitchFamily="49" charset="0"/>
                 <a:cs typeface="Consolas" pitchFamily="49" charset="0"/>
               </a:rPr>
@@ -5172,24 +5049,17 @@
                 <a:latin typeface="Consolas" pitchFamily="49" charset="0"/>
                 <a:cs typeface="Consolas" pitchFamily="49" charset="0"/>
               </a:rPr>
-              <a:t> </a:t>
-            </a:r>
-            <a:r>
-              <a:rPr lang="en-US" sz="2400" b="1" dirty="0" smtClean="0">
-                <a:latin typeface="Consolas" pitchFamily="49" charset="0"/>
-                <a:cs typeface="Consolas" pitchFamily="49" charset="0"/>
-              </a:rPr>
-              <a:t>             (rest </a:t>
-            </a:r>
-            <a:r>
-              <a:rPr lang="en-US" sz="2400" b="1" dirty="0" err="1" smtClean="0">
+              <a:t>              (rest </a:t>
+            </a:r>
+            <a:r>
+              <a:rPr lang="en-US" sz="2400" b="1" dirty="0" err="1">
                 <a:latin typeface="Consolas" pitchFamily="49" charset="0"/>
                 <a:cs typeface="Consolas" pitchFamily="49" charset="0"/>
               </a:rPr>
               <a:t>lst</a:t>
             </a:r>
             <a:r>
-              <a:rPr lang="en-US" sz="2400" b="1" dirty="0" smtClean="0">
+              <a:rPr lang="en-US" sz="2400" b="1" dirty="0">
                 <a:latin typeface="Consolas" pitchFamily="49" charset="0"/>
                 <a:cs typeface="Consolas" pitchFamily="49" charset="0"/>
               </a:rPr>
@@ -5200,7 +5070,7 @@
             <a:pPr>
               <a:buNone/>
             </a:pPr>
-            <a:endParaRPr lang="en-US" sz="2400" b="1" dirty="0" smtClean="0">
+            <a:endParaRPr lang="en-US" sz="2400" b="1" dirty="0">
               <a:latin typeface="Courier New" pitchFamily="49" charset="0"/>
               <a:cs typeface="Courier New" pitchFamily="49" charset="0"/>
             </a:endParaRPr>
@@ -5286,14 +5156,14 @@
           <a:p>
             <a:pPr algn="ctr"/>
             <a:r>
-              <a:rPr lang="en-US" dirty="0" smtClean="0">
+              <a:rPr lang="en-US" dirty="0">
                 <a:solidFill>
                   <a:schemeClr val="tx1"/>
                 </a:solidFill>
               </a:rPr>
               <a:t>You should be able to guess where this is going...</a:t>
             </a:r>
-            <a:endParaRPr lang="en-US" b="1" dirty="0" smtClean="0">
+            <a:endParaRPr lang="en-US" b="1" dirty="0">
               <a:solidFill>
                 <a:schemeClr val="tx1"/>
               </a:solidFill>
@@ -5311,13 +5181,6 @@
   <p:clrMapOvr>
     <a:masterClrMapping/>
   </p:clrMapOvr>
-  <p:timing>
-    <p:tnLst>
-      <p:par>
-        <p:cTn id="1" dur="indefinite" restart="never" nodeType="tmRoot"/>
-      </p:par>
-    </p:tnLst>
-  </p:timing>
 </p:sld>
 </file>
 
@@ -5354,10 +5217,9 @@
           <a:lstStyle/>
           <a:p>
             <a:r>
-              <a:rPr lang="en-US" dirty="0" smtClean="0"/>
+              <a:rPr lang="en-US" dirty="0"/>
               <a:t>Let’s generalize!</a:t>
             </a:r>
-            <a:endParaRPr lang="en-US" dirty="0"/>
           </a:p>
         </p:txBody>
       </p:sp>
@@ -5382,7 +5244,7 @@
               <a:buNone/>
             </a:pPr>
             <a:r>
-              <a:rPr lang="en-US" dirty="0" smtClean="0">
+              <a:rPr lang="en-US" dirty="0">
                 <a:cs typeface="Consolas" pitchFamily="49" charset="0"/>
               </a:rPr>
               <a:t>Add an extra parameter for the starting point of the numbering.</a:t>
@@ -5402,49 +5264,42 @@
               <a:buNone/>
             </a:pPr>
             <a:r>
-              <a:rPr lang="en-US" sz="2000" b="1" dirty="0" smtClean="0">
-                <a:latin typeface="Consolas" pitchFamily="49" charset="0"/>
-                <a:cs typeface="Consolas" pitchFamily="49" charset="0"/>
-              </a:rPr>
-              <a:t>;; </a:t>
-            </a:r>
-            <a:r>
               <a:rPr lang="en-US" sz="2000" b="1" dirty="0">
                 <a:latin typeface="Consolas" pitchFamily="49" charset="0"/>
                 <a:cs typeface="Consolas" pitchFamily="49" charset="0"/>
               </a:rPr>
-              <a:t>number-list-from : </a:t>
-            </a:r>
-            <a:r>
-              <a:rPr lang="en-US" sz="2000" b="1" dirty="0" err="1" smtClean="0">
+              <a:t>;; number-list-from : </a:t>
+            </a:r>
+            <a:r>
+              <a:rPr lang="en-US" sz="2000" b="1" dirty="0" err="1">
                 <a:latin typeface="Consolas" pitchFamily="49" charset="0"/>
                 <a:cs typeface="Consolas" pitchFamily="49" charset="0"/>
               </a:rPr>
               <a:t>ListOfX</a:t>
             </a:r>
             <a:r>
-              <a:rPr lang="en-US" sz="2000" b="1" dirty="0" smtClean="0">
+              <a:rPr lang="en-US" sz="2000" b="1" dirty="0">
                 <a:latin typeface="Consolas" pitchFamily="49" charset="0"/>
                 <a:cs typeface="Consolas" pitchFamily="49" charset="0"/>
               </a:rPr>
               <a:t> </a:t>
             </a:r>
             <a:r>
-              <a:rPr lang="en-US" sz="2000" b="1" dirty="0" err="1" smtClean="0">
+              <a:rPr lang="en-US" sz="2000" b="1" dirty="0" err="1">
                 <a:latin typeface="Consolas" pitchFamily="49" charset="0"/>
                 <a:cs typeface="Consolas" pitchFamily="49" charset="0"/>
               </a:rPr>
               <a:t>NonNegInt</a:t>
             </a:r>
             <a:r>
-              <a:rPr lang="en-US" sz="2000" b="1" dirty="0" smtClean="0">
+              <a:rPr lang="en-US" sz="2000" b="1" dirty="0">
                 <a:latin typeface="Consolas" pitchFamily="49" charset="0"/>
                 <a:cs typeface="Consolas" pitchFamily="49" charset="0"/>
               </a:rPr>
               <a:t>-&gt; </a:t>
             </a:r>
             <a:r>
-              <a:rPr lang="en-US" sz="2000" b="1" dirty="0" err="1" smtClean="0">
+              <a:rPr lang="en-US" sz="2000" b="1" dirty="0" err="1">
                 <a:latin typeface="Consolas" pitchFamily="49" charset="0"/>
                 <a:cs typeface="Consolas" pitchFamily="49" charset="0"/>
               </a:rPr>
@@ -5464,58 +5319,45 @@
                 <a:latin typeface="Consolas" pitchFamily="49" charset="0"/>
                 <a:cs typeface="Consolas" pitchFamily="49" charset="0"/>
               </a:rPr>
-              <a:t>;; </a:t>
-            </a:r>
-            <a:r>
-              <a:rPr lang="en-US" sz="2000" b="1" dirty="0" smtClean="0">
-                <a:latin typeface="Consolas" pitchFamily="49" charset="0"/>
-                <a:cs typeface="Consolas" pitchFamily="49" charset="0"/>
-              </a:rPr>
-              <a:t>RETURNS: </a:t>
+              <a:t>;; RETURNS: a list with same elements as </a:t>
+            </a:r>
+            <a:r>
+              <a:rPr lang="en-US" sz="2000" b="1" dirty="0" err="1">
+                <a:latin typeface="Consolas" pitchFamily="49" charset="0"/>
+                <a:cs typeface="Consolas" pitchFamily="49" charset="0"/>
+              </a:rPr>
+              <a:t>lst</a:t>
             </a:r>
             <a:r>
               <a:rPr lang="en-US" sz="2000" b="1" dirty="0">
                 <a:latin typeface="Consolas" pitchFamily="49" charset="0"/>
                 <a:cs typeface="Consolas" pitchFamily="49" charset="0"/>
               </a:rPr>
-              <a:t>a list with same elements as </a:t>
-            </a:r>
-            <a:r>
-              <a:rPr lang="en-US" sz="2000" b="1" dirty="0" err="1">
-                <a:latin typeface="Consolas" pitchFamily="49" charset="0"/>
-                <a:cs typeface="Consolas" pitchFamily="49" charset="0"/>
-              </a:rPr>
-              <a:t>lst</a:t>
-            </a:r>
+              <a:t>, but </a:t>
+            </a:r>
+          </a:p>
+          <a:p>
+            <a:pPr marL="0" indent="0">
+              <a:buNone/>
+            </a:pPr>
             <a:r>
               <a:rPr lang="en-US" sz="2000" b="1" dirty="0">
                 <a:latin typeface="Consolas" pitchFamily="49" charset="0"/>
                 <a:cs typeface="Consolas" pitchFamily="49" charset="0"/>
               </a:rPr>
-              <a:t>, but </a:t>
-            </a:r>
-            <a:endParaRPr lang="en-US" sz="2000" b="1" dirty="0" smtClean="0">
-              <a:latin typeface="Consolas" pitchFamily="49" charset="0"/>
-              <a:cs typeface="Consolas" pitchFamily="49" charset="0"/>
-            </a:endParaRPr>
+              <a:t>;;  numbered starting at n.</a:t>
+            </a:r>
           </a:p>
           <a:p>
             <a:pPr marL="0" indent="0">
               <a:buNone/>
             </a:pPr>
             <a:r>
-              <a:rPr lang="en-US" sz="2000" b="1" dirty="0" smtClean="0">
-                <a:latin typeface="Consolas" pitchFamily="49" charset="0"/>
-                <a:cs typeface="Consolas" pitchFamily="49" charset="0"/>
-              </a:rPr>
-              <a:t>;;  numbered </a:t>
-            </a:r>
-            <a:r>
               <a:rPr lang="en-US" sz="2000" b="1" dirty="0">
                 <a:latin typeface="Consolas" pitchFamily="49" charset="0"/>
                 <a:cs typeface="Consolas" pitchFamily="49" charset="0"/>
               </a:rPr>
-              <a:t>starting at n.</a:t>
+              <a:t>;; EXAMPLE: (number-list-from (list 88 77) 2) </a:t>
             </a:r>
           </a:p>
           <a:p>
@@ -5527,56 +5369,8 @@
                 <a:latin typeface="Consolas" pitchFamily="49" charset="0"/>
                 <a:cs typeface="Consolas" pitchFamily="49" charset="0"/>
               </a:rPr>
-              <a:t>;; EXAMPLE: (number-list-from </a:t>
-            </a:r>
-            <a:r>
-              <a:rPr lang="en-US" sz="2000" b="1" dirty="0" smtClean="0">
-                <a:latin typeface="Consolas" pitchFamily="49" charset="0"/>
-                <a:cs typeface="Consolas" pitchFamily="49" charset="0"/>
-              </a:rPr>
-              <a:t>(</a:t>
-            </a:r>
-            <a:r>
-              <a:rPr lang="en-US" sz="2000" b="1" dirty="0">
-                <a:latin typeface="Consolas" pitchFamily="49" charset="0"/>
-                <a:cs typeface="Consolas" pitchFamily="49" charset="0"/>
-              </a:rPr>
-              <a:t>list 88 77</a:t>
-            </a:r>
-            <a:r>
-              <a:rPr lang="en-US" sz="2000" b="1" dirty="0" smtClean="0">
-                <a:latin typeface="Consolas" pitchFamily="49" charset="0"/>
-                <a:cs typeface="Consolas" pitchFamily="49" charset="0"/>
-              </a:rPr>
-              <a:t>) 2) </a:t>
-            </a:r>
-            <a:endParaRPr lang="en-US" sz="2000" b="1" dirty="0">
-              <a:latin typeface="Consolas" pitchFamily="49" charset="0"/>
-              <a:cs typeface="Consolas" pitchFamily="49" charset="0"/>
-            </a:endParaRPr>
-          </a:p>
-          <a:p>
-            <a:pPr marL="0" indent="0">
-              <a:buNone/>
-            </a:pPr>
-            <a:r>
-              <a:rPr lang="en-US" sz="2000" b="1" dirty="0">
-                <a:latin typeface="Consolas" pitchFamily="49" charset="0"/>
-                <a:cs typeface="Consolas" pitchFamily="49" charset="0"/>
-              </a:rPr>
-              <a:t>;;          = (list (list 2 88) (list 3 77</a:t>
-            </a:r>
-            <a:r>
-              <a:rPr lang="en-US" sz="2000" b="1" dirty="0" smtClean="0">
-                <a:latin typeface="Consolas" pitchFamily="49" charset="0"/>
-                <a:cs typeface="Consolas" pitchFamily="49" charset="0"/>
-              </a:rPr>
-              <a:t>))</a:t>
-            </a:r>
-            <a:endParaRPr lang="en-US" sz="2000" b="1" dirty="0">
-              <a:latin typeface="Consolas" pitchFamily="49" charset="0"/>
-              <a:cs typeface="Consolas" pitchFamily="49" charset="0"/>
-            </a:endParaRPr>
+              <a:t>;;          = (list (list 2 88) (list 3 77))</a:t>
+            </a:r>
           </a:p>
         </p:txBody>
       </p:sp>
@@ -5613,13 +5407,6 @@
   <p:clrMapOvr>
     <a:masterClrMapping/>
   </p:clrMapOvr>
-  <p:timing>
-    <p:tnLst>
-      <p:par>
-        <p:cTn id="1" dur="indefinite" restart="never" nodeType="tmRoot"/>
-      </p:par>
-    </p:tnLst>
-  </p:timing>
 </p:sld>
 </file>
 
@@ -5658,10 +5445,9 @@
           <a:lstStyle/>
           <a:p>
             <a:r>
-              <a:rPr lang="en-US" dirty="0" smtClean="0"/>
+              <a:rPr lang="en-US" dirty="0"/>
               <a:t>Now the problem is easy</a:t>
             </a:r>
-            <a:endParaRPr lang="en-US" dirty="0"/>
           </a:p>
         </p:txBody>
       </p:sp>
@@ -5689,35 +5475,21 @@
               <a:buNone/>
             </a:pPr>
             <a:r>
-              <a:rPr lang="en-US" b="1" dirty="0" smtClean="0">
-                <a:latin typeface="Consolas" pitchFamily="49" charset="0"/>
-                <a:cs typeface="Consolas" pitchFamily="49" charset="0"/>
-              </a:rPr>
-              <a:t>;; </a:t>
-            </a:r>
-            <a:r>
               <a:rPr lang="en-US" b="1" dirty="0">
                 <a:latin typeface="Consolas" pitchFamily="49" charset="0"/>
                 <a:cs typeface="Consolas" pitchFamily="49" charset="0"/>
               </a:rPr>
-              <a:t>STRATEGY</a:t>
-            </a:r>
-            <a:r>
-              <a:rPr lang="en-US" b="1" dirty="0" smtClean="0">
-                <a:latin typeface="Consolas" pitchFamily="49" charset="0"/>
-                <a:cs typeface="Consolas" pitchFamily="49" charset="0"/>
-              </a:rPr>
-              <a:t>: Use template for </a:t>
-            </a:r>
-            <a:r>
-              <a:rPr lang="en-US" b="1" dirty="0" err="1" smtClean="0">
+              <a:t>;; STRATEGY: Use template for </a:t>
+            </a:r>
+            <a:r>
+              <a:rPr lang="en-US" b="1" dirty="0" err="1">
                 <a:latin typeface="Consolas" pitchFamily="49" charset="0"/>
                 <a:cs typeface="Consolas" pitchFamily="49" charset="0"/>
               </a:rPr>
               <a:t>ListOfX</a:t>
             </a:r>
             <a:r>
-              <a:rPr lang="en-US" b="1" dirty="0" smtClean="0">
+              <a:rPr lang="en-US" b="1" dirty="0">
                 <a:latin typeface="Consolas" pitchFamily="49" charset="0"/>
                 <a:cs typeface="Consolas" pitchFamily="49" charset="0"/>
               </a:rPr>
@@ -5732,20 +5504,20 @@
               <a:buNone/>
             </a:pPr>
             <a:r>
-              <a:rPr lang="en-US" b="1" dirty="0" smtClean="0">
+              <a:rPr lang="en-US" b="1" dirty="0">
                 <a:latin typeface="Consolas" pitchFamily="49" charset="0"/>
                 <a:cs typeface="Consolas" pitchFamily="49" charset="0"/>
               </a:rPr>
               <a:t>;;  on </a:t>
             </a:r>
             <a:r>
-              <a:rPr lang="en-US" b="1" dirty="0" err="1" smtClean="0">
+              <a:rPr lang="en-US" b="1" dirty="0" err="1">
                 <a:latin typeface="Consolas" pitchFamily="49" charset="0"/>
                 <a:cs typeface="Consolas" pitchFamily="49" charset="0"/>
               </a:rPr>
               <a:t>lst</a:t>
             </a:r>
-            <a:endParaRPr lang="en-US" b="1" dirty="0" smtClean="0">
+            <a:endParaRPr lang="en-US" b="1" dirty="0">
               <a:latin typeface="Consolas" pitchFamily="49" charset="0"/>
               <a:cs typeface="Consolas" pitchFamily="49" charset="0"/>
             </a:endParaRPr>
@@ -5755,18 +5527,11 @@
               <a:buNone/>
             </a:pPr>
             <a:r>
-              <a:rPr lang="en-US" b="1" dirty="0" smtClean="0">
-                <a:latin typeface="Consolas" pitchFamily="49" charset="0"/>
-                <a:cs typeface="Consolas" pitchFamily="49" charset="0"/>
-              </a:rPr>
-              <a:t>(</a:t>
-            </a:r>
-            <a:r>
               <a:rPr lang="en-US" b="1" dirty="0">
                 <a:latin typeface="Consolas" pitchFamily="49" charset="0"/>
                 <a:cs typeface="Consolas" pitchFamily="49" charset="0"/>
               </a:rPr>
-              <a:t>define (number-list-from </a:t>
+              <a:t>(define (number-list-from </a:t>
             </a:r>
             <a:r>
               <a:rPr lang="en-US" b="1" dirty="0" err="1">
@@ -5967,13 +5732,6 @@
   <p:clrMapOvr>
     <a:masterClrMapping/>
   </p:clrMapOvr>
-  <p:timing>
-    <p:tnLst>
-      <p:par>
-        <p:cTn id="1" dur="indefinite" restart="never" nodeType="tmRoot"/>
-      </p:par>
-    </p:tnLst>
-  </p:timing>
 </p:sld>
 </file>
 
@@ -6012,10 +5770,9 @@
           <a:lstStyle/>
           <a:p>
             <a:r>
-              <a:rPr lang="en-US" dirty="0" smtClean="0"/>
+              <a:rPr lang="en-US" dirty="0"/>
               <a:t>And we can recover the original</a:t>
             </a:r>
-            <a:endParaRPr lang="en-US" dirty="0"/>
           </a:p>
         </p:txBody>
       </p:sp>
@@ -6046,7 +5803,7 @@
               <a:buNone/>
             </a:pPr>
             <a:r>
-              <a:rPr lang="en-US" b="1" dirty="0" smtClean="0">
+              <a:rPr lang="en-US" b="1" dirty="0">
                 <a:latin typeface="Consolas" pitchFamily="49" charset="0"/>
                 <a:cs typeface="Consolas" pitchFamily="49" charset="0"/>
               </a:rPr>
@@ -6061,7 +5818,7 @@
               <a:buNone/>
             </a:pPr>
             <a:r>
-              <a:rPr lang="en-US" b="1" dirty="0" smtClean="0">
+              <a:rPr lang="en-US" b="1" dirty="0">
                 <a:latin typeface="Consolas" pitchFamily="49" charset="0"/>
                 <a:cs typeface="Consolas" pitchFamily="49" charset="0"/>
               </a:rPr>
@@ -6075,73 +5832,62 @@
               </a:spcBef>
               <a:buNone/>
             </a:pPr>
-            <a:endParaRPr lang="en-US" b="1" dirty="0" smtClean="0">
-              <a:latin typeface="Consolas" pitchFamily="49" charset="0"/>
-              <a:cs typeface="Consolas" pitchFamily="49" charset="0"/>
-            </a:endParaRPr>
-          </a:p>
-          <a:p>
-            <a:pPr marL="0" indent="0">
-              <a:buNone/>
-            </a:pPr>
-            <a:r>
-              <a:rPr lang="en-US" b="1" dirty="0" smtClean="0">
-                <a:latin typeface="Consolas" pitchFamily="49" charset="0"/>
-                <a:cs typeface="Consolas" pitchFamily="49" charset="0"/>
-              </a:rPr>
-              <a:t>(define (number-list </a:t>
-            </a:r>
-            <a:r>
-              <a:rPr lang="en-US" b="1" dirty="0" err="1" smtClean="0">
-                <a:latin typeface="Consolas" pitchFamily="49" charset="0"/>
-                <a:cs typeface="Consolas" pitchFamily="49" charset="0"/>
-              </a:rPr>
-              <a:t>lst</a:t>
-            </a:r>
-            <a:r>
-              <a:rPr lang="en-US" b="1" dirty="0" smtClean="0">
-                <a:latin typeface="Consolas" pitchFamily="49" charset="0"/>
-                <a:cs typeface="Consolas" pitchFamily="49" charset="0"/>
-              </a:rPr>
-              <a:t>)</a:t>
-            </a:r>
-          </a:p>
-          <a:p>
-            <a:pPr marL="0" indent="0">
-              <a:buNone/>
-            </a:pPr>
-            <a:r>
-              <a:rPr lang="en-US" b="1" dirty="0">
-                <a:latin typeface="Consolas" pitchFamily="49" charset="0"/>
-                <a:cs typeface="Consolas" pitchFamily="49" charset="0"/>
-              </a:rPr>
-              <a:t> </a:t>
-            </a:r>
-            <a:r>
-              <a:rPr lang="en-US" b="1" dirty="0" smtClean="0">
-                <a:latin typeface="Consolas" pitchFamily="49" charset="0"/>
-                <a:cs typeface="Consolas" pitchFamily="49" charset="0"/>
-              </a:rPr>
-              <a:t> (number-list-from </a:t>
-            </a:r>
-            <a:r>
-              <a:rPr lang="en-US" b="1" dirty="0" err="1" smtClean="0">
-                <a:latin typeface="Consolas" pitchFamily="49" charset="0"/>
-                <a:cs typeface="Consolas" pitchFamily="49" charset="0"/>
-              </a:rPr>
-              <a:t>lst</a:t>
-            </a:r>
-            <a:r>
-              <a:rPr lang="en-US" b="1" dirty="0" smtClean="0">
-                <a:latin typeface="Consolas" pitchFamily="49" charset="0"/>
-                <a:cs typeface="Consolas" pitchFamily="49" charset="0"/>
-              </a:rPr>
-              <a:t> 1))</a:t>
-            </a:r>
             <a:endParaRPr lang="en-US" b="1" dirty="0">
               <a:latin typeface="Consolas" pitchFamily="49" charset="0"/>
               <a:cs typeface="Consolas" pitchFamily="49" charset="0"/>
             </a:endParaRPr>
+          </a:p>
+          <a:p>
+            <a:pPr marL="0" indent="0">
+              <a:buNone/>
+            </a:pPr>
+            <a:r>
+              <a:rPr lang="en-US" b="1" dirty="0">
+                <a:latin typeface="Consolas" pitchFamily="49" charset="0"/>
+                <a:cs typeface="Consolas" pitchFamily="49" charset="0"/>
+              </a:rPr>
+              <a:t>(define (number-list </a:t>
+            </a:r>
+            <a:r>
+              <a:rPr lang="en-US" b="1" dirty="0" err="1">
+                <a:latin typeface="Consolas" pitchFamily="49" charset="0"/>
+                <a:cs typeface="Consolas" pitchFamily="49" charset="0"/>
+              </a:rPr>
+              <a:t>lst</a:t>
+            </a:r>
+            <a:r>
+              <a:rPr lang="en-US" b="1" dirty="0">
+                <a:latin typeface="Consolas" pitchFamily="49" charset="0"/>
+                <a:cs typeface="Consolas" pitchFamily="49" charset="0"/>
+              </a:rPr>
+              <a:t>)</a:t>
+            </a:r>
+          </a:p>
+          <a:p>
+            <a:pPr marL="0" indent="0">
+              <a:buNone/>
+            </a:pPr>
+            <a:r>
+              <a:rPr lang="en-US" b="1" dirty="0">
+                <a:latin typeface="Consolas" pitchFamily="49" charset="0"/>
+                <a:cs typeface="Consolas" pitchFamily="49" charset="0"/>
+              </a:rPr>
+              <a:t>  (number-list-from </a:t>
+            </a:r>
+            <a:r>
+              <a:rPr lang="en-US" b="1" dirty="0" err="1">
+                <a:latin typeface="Consolas" pitchFamily="49" charset="0"/>
+                <a:cs typeface="Consolas" pitchFamily="49" charset="0"/>
+              </a:rPr>
+              <a:t>lst</a:t>
+            </a:r>
+            <a:r>
+              <a:rPr lang="en-US" b="1" dirty="0">
+                <a:latin typeface="Consolas" pitchFamily="49" charset="0"/>
+                <a:cs typeface="Consolas" pitchFamily="49" charset="0"/>
+              </a:rPr>
+              <a:t> 1))</a:t>
+            </a:r>
           </a:p>
         </p:txBody>
       </p:sp>
@@ -6178,13 +5924,6 @@
   <p:clrMapOvr>
     <a:masterClrMapping/>
   </p:clrMapOvr>
-  <p:timing>
-    <p:tnLst>
-      <p:par>
-        <p:cTn id="1" dur="indefinite" restart="never" nodeType="tmRoot"/>
-      </p:par>
-    </p:tnLst>
-  </p:timing>
 </p:sld>
 </file>
 
@@ -6223,10 +5962,9 @@
           <a:lstStyle/>
           <a:p>
             <a:r>
-              <a:rPr lang="en-US" dirty="0" smtClean="0"/>
+              <a:rPr lang="en-US" dirty="0"/>
               <a:t>Let’s look again at number-elements</a:t>
             </a:r>
-            <a:endParaRPr lang="en-US" dirty="0"/>
           </a:p>
         </p:txBody>
       </p:sp>
@@ -6246,18 +5984,17 @@
           <a:lstStyle/>
           <a:p>
             <a:r>
-              <a:rPr lang="en-US" dirty="0" smtClean="0"/>
+              <a:rPr lang="en-US" dirty="0"/>
               <a:t>Let's look at </a:t>
             </a:r>
             <a:r>
-              <a:rPr lang="en-US" b="1" dirty="0" smtClean="0"/>
+              <a:rPr lang="en-US" b="1" dirty="0"/>
               <a:t>number-elements</a:t>
             </a:r>
             <a:r>
-              <a:rPr lang="en-US" dirty="0" smtClean="0"/>
+              <a:rPr lang="en-US" dirty="0"/>
               <a:t> again, in a different way that may give us some more insight.</a:t>
             </a:r>
-            <a:endParaRPr lang="en-US" dirty="0"/>
           </a:p>
         </p:txBody>
       </p:sp>
@@ -6307,13 +6044,6 @@
   <p:clrMapOvr>
     <a:masterClrMapping/>
   </p:clrMapOvr>
-  <p:timing>
-    <p:tnLst>
-      <p:par>
-        <p:cTn id="1" dur="indefinite" restart="never" nodeType="tmRoot"/>
-      </p:par>
-    </p:tnLst>
-  </p:timing>
 </p:sld>
 </file>
 
@@ -6350,10 +6080,9 @@
           <a:lstStyle/>
           <a:p>
             <a:r>
-              <a:rPr lang="en-US" dirty="0" smtClean="0"/>
+              <a:rPr lang="en-US" dirty="0"/>
               <a:t>Let’s watch this work</a:t>
             </a:r>
-            <a:endParaRPr lang="en-US" dirty="0"/>
           </a:p>
         </p:txBody>
       </p:sp>
@@ -6766,21 +6495,8 @@
                   <a:schemeClr val="tx1"/>
                 </a:solidFill>
               </a:rPr>
-              <a:t> </a:t>
-            </a:r>
-            <a:r>
-              <a:rPr lang="en-US" dirty="0" smtClean="0">
-                <a:solidFill>
-                  <a:schemeClr val="tx1"/>
-                </a:solidFill>
-              </a:rPr>
-              <a:t>?</a:t>
-            </a:r>
-            <a:endParaRPr lang="en-US" dirty="0">
-              <a:solidFill>
-                <a:schemeClr val="tx1"/>
-              </a:solidFill>
-            </a:endParaRPr>
+              <a:t> ?</a:t>
+            </a:r>
           </a:p>
         </p:txBody>
       </p:sp>
@@ -6794,13 +6510,6 @@
   <p:clrMapOvr>
     <a:masterClrMapping/>
   </p:clrMapOvr>
-  <p:timing>
-    <p:tnLst>
-      <p:par>
-        <p:cTn id="1" dur="indefinite" restart="never" nodeType="tmRoot"/>
-      </p:par>
-    </p:tnLst>
-  </p:timing>
 </p:sld>
 </file>
 
@@ -6837,10 +6546,9 @@
           <a:lstStyle/>
           <a:p>
             <a:r>
-              <a:rPr lang="en-US" dirty="0" smtClean="0"/>
+              <a:rPr lang="en-US" dirty="0"/>
               <a:t>What's going on here?</a:t>
             </a:r>
-            <a:endParaRPr lang="en-US" dirty="0"/>
           </a:p>
         </p:txBody>
       </p:sp>
@@ -6860,18 +6568,11 @@
           <a:lstStyle/>
           <a:p>
             <a:r>
-              <a:rPr lang="en-US" b="1" dirty="0" smtClean="0">
-                <a:latin typeface="Consolas" pitchFamily="49" charset="0"/>
-                <a:cs typeface="Consolas" pitchFamily="49" charset="0"/>
-              </a:rPr>
-              <a:t>(</a:t>
-            </a:r>
-            <a:r>
               <a:rPr lang="en-US" b="1" dirty="0">
                 <a:latin typeface="Consolas" pitchFamily="49" charset="0"/>
                 <a:cs typeface="Consolas" pitchFamily="49" charset="0"/>
               </a:rPr>
-              <a:t>number-list-from </a:t>
+              <a:t>(number-list-from </a:t>
             </a:r>
             <a:r>
               <a:rPr lang="en-US" b="1" dirty="0" err="1">
@@ -6911,22 +6612,13 @@
               <a:t> </a:t>
             </a:r>
             <a:r>
-              <a:rPr lang="en-US" dirty="0" err="1" smtClean="0"/>
+              <a:rPr lang="en-US" dirty="0" err="1"/>
               <a:t>sublist</a:t>
             </a:r>
             <a:r>
-              <a:rPr lang="en-US" dirty="0" smtClean="0"/>
-              <a:t> of </a:t>
-            </a:r>
-            <a:r>
               <a:rPr lang="en-US" dirty="0"/>
-              <a:t>the original</a:t>
-            </a:r>
-            <a:r>
-              <a:rPr lang="en-US" dirty="0" smtClean="0"/>
-              <a:t>.</a:t>
-            </a:r>
-            <a:endParaRPr lang="en-US" dirty="0"/>
+              <a:t> of the original.</a:t>
+            </a:r>
           </a:p>
           <a:p>
             <a:r>
@@ -6942,51 +6634,23 @@
             </a:r>
             <a:r>
               <a:rPr lang="en-US" dirty="0"/>
-              <a:t> </a:t>
-            </a:r>
-            <a:r>
-              <a:rPr lang="en-US" dirty="0" smtClean="0"/>
-              <a:t>is </a:t>
-            </a:r>
-            <a:r>
-              <a:rPr lang="en-US" dirty="0"/>
-              <a:t>the </a:t>
-            </a:r>
-            <a:r>
-              <a:rPr lang="en-US" dirty="0" smtClean="0"/>
-              <a:t>number of elements in </a:t>
-            </a:r>
-            <a:r>
-              <a:rPr lang="en-US" dirty="0"/>
-              <a:t>the </a:t>
-            </a:r>
-            <a:r>
-              <a:rPr lang="en-US" dirty="0" smtClean="0"/>
-              <a:t>original</a:t>
-            </a:r>
-            <a:r>
-              <a:rPr lang="en-US" dirty="0"/>
-              <a:t> </a:t>
-            </a:r>
-            <a:r>
-              <a:rPr lang="en-US" dirty="0" smtClean="0"/>
-              <a:t>that are above </a:t>
-            </a:r>
-            <a:r>
-              <a:rPr lang="en-US" b="1" dirty="0" err="1" smtClean="0">
+              <a:t> is the number of elements in the original that are above </a:t>
+            </a:r>
+            <a:r>
+              <a:rPr lang="en-US" b="1" dirty="0" err="1">
                 <a:latin typeface="Consolas" pitchFamily="49" charset="0"/>
                 <a:cs typeface="Consolas" pitchFamily="49" charset="0"/>
               </a:rPr>
               <a:t>lst</a:t>
             </a:r>
-            <a:endParaRPr lang="en-US" b="1" dirty="0" smtClean="0">
+            <a:endParaRPr lang="en-US" b="1" dirty="0">
               <a:latin typeface="Consolas" pitchFamily="49" charset="0"/>
               <a:cs typeface="Consolas" pitchFamily="49" charset="0"/>
             </a:endParaRPr>
           </a:p>
           <a:p>
             <a:r>
-              <a:rPr lang="en-US" dirty="0" smtClean="0">
+              <a:rPr lang="en-US" dirty="0">
                 <a:cs typeface="Consolas" pitchFamily="49" charset="0"/>
               </a:rPr>
               <a:t>This is deep knowledge about this function, which we need to capture and document if we are going to explain this code to anybody</a:t>
@@ -7040,13 +6704,6 @@
   <p:clrMapOvr>
     <a:masterClrMapping/>
   </p:clrMapOvr>
-  <p:timing>
-    <p:tnLst>
-      <p:par>
-        <p:cTn id="1" dur="indefinite" restart="never" nodeType="tmRoot"/>
-      </p:par>
-    </p:tnLst>
-  </p:timing>
 </p:sld>
 </file>
 
@@ -7083,14 +6740,13 @@
           <a:lstStyle/>
           <a:p>
             <a:r>
-              <a:rPr lang="en-US" dirty="0" smtClean="0"/>
+              <a:rPr lang="en-US" dirty="0"/>
               <a:t>We document this as an </a:t>
             </a:r>
             <a:r>
-              <a:rPr lang="en-US" b="1" dirty="0" smtClean="0"/>
+              <a:rPr lang="en-US" b="1" dirty="0"/>
               <a:t>invariant</a:t>
             </a:r>
-            <a:endParaRPr lang="en-US" b="1" dirty="0"/>
           </a:p>
         </p:txBody>
       </p:sp>
@@ -7124,27 +6780,23 @@
               <a:t>;;   : </a:t>
             </a:r>
             <a:r>
-              <a:rPr lang="en-US" sz="2400" dirty="0" err="1" smtClean="0"/>
+              <a:rPr lang="en-US" sz="2400" dirty="0" err="1"/>
               <a:t>ListOfX</a:t>
             </a:r>
             <a:r>
-              <a:rPr lang="en-US" sz="2400" dirty="0" smtClean="0"/>
+              <a:rPr lang="en-US" sz="2400" dirty="0"/>
               <a:t> </a:t>
             </a:r>
             <a:r>
-              <a:rPr lang="en-US" sz="2400" dirty="0" err="1" smtClean="0"/>
+              <a:rPr lang="en-US" sz="2400" dirty="0" err="1"/>
               <a:t>NonNegInt</a:t>
             </a:r>
             <a:r>
-              <a:rPr lang="en-US" sz="2400" dirty="0" smtClean="0"/>
-              <a:t>-</a:t>
-            </a:r>
-            <a:r>
               <a:rPr lang="en-US" sz="2400" dirty="0"/>
-              <a:t>&gt; </a:t>
-            </a:r>
-            <a:r>
-              <a:rPr lang="en-US" sz="2400" dirty="0" err="1" smtClean="0"/>
+              <a:t>-&gt; </a:t>
+            </a:r>
+            <a:r>
+              <a:rPr lang="en-US" sz="2400" dirty="0" err="1"/>
               <a:t>NumberedListOfX</a:t>
             </a:r>
             <a:endParaRPr lang="en-US" sz="2400" dirty="0"/>
@@ -7228,42 +6880,21 @@
               </a:rPr>
               <a:t> </a:t>
             </a:r>
-            <a:endParaRPr lang="en-US" sz="2400" dirty="0" smtClean="0">
-              <a:solidFill>
-                <a:srgbClr val="FF0000"/>
-              </a:solidFill>
-            </a:endParaRPr>
-          </a:p>
-          <a:p>
-            <a:r>
-              <a:rPr lang="en-US" sz="2400" dirty="0" smtClean="0">
-                <a:solidFill>
-                  <a:srgbClr val="FF0000"/>
-                </a:solidFill>
-              </a:rPr>
-              <a:t>;;  of </a:t>
-            </a:r>
+          </a:p>
+          <a:p>
             <a:r>
               <a:rPr lang="en-US" sz="2400" dirty="0">
                 <a:solidFill>
                   <a:srgbClr val="FF0000"/>
                 </a:solidFill>
               </a:rPr>
-              <a:t>some </a:t>
-            </a:r>
-            <a:r>
-              <a:rPr lang="en-US" sz="2400" dirty="0" smtClean="0">
-                <a:solidFill>
-                  <a:srgbClr val="FF0000"/>
-                </a:solidFill>
-              </a:rPr>
-              <a:t>list lst0</a:t>
-            </a:r>
-            <a:endParaRPr lang="en-US" sz="2400" dirty="0" smtClean="0"/>
-          </a:p>
-          <a:p>
-            <a:r>
-              <a:rPr lang="en-US" sz="2400" dirty="0" smtClean="0"/>
+              <a:t>;;  of some list lst0</a:t>
+            </a:r>
+            <a:endParaRPr lang="en-US" sz="2400" dirty="0"/>
+          </a:p>
+          <a:p>
+            <a:r>
+              <a:rPr lang="en-US" sz="2400" dirty="0"/>
               <a:t>;; RETURNS: &lt;to be filled in&gt;</a:t>
             </a:r>
           </a:p>
@@ -7344,31 +6975,15 @@
                   <a:schemeClr val="tx1"/>
                 </a:solidFill>
               </a:rPr>
-              <a:t>We don't know what that </a:t>
-            </a:r>
-            <a:r>
-              <a:rPr lang="en-US" dirty="0" smtClean="0">
+              <a:t>We don't know what that list </a:t>
+            </a:r>
+            <a:r>
+              <a:rPr lang="en-US" b="1" dirty="0">
                 <a:solidFill>
                   <a:schemeClr val="tx1"/>
                 </a:solidFill>
               </a:rPr>
-              <a:t>list </a:t>
-            </a:r>
-            <a:r>
-              <a:rPr lang="en-US" b="1" dirty="0" smtClean="0">
-                <a:solidFill>
-                  <a:schemeClr val="tx1"/>
-                </a:solidFill>
-              </a:rPr>
               <a:t>lst0</a:t>
-            </a:r>
-            <a:r>
-              <a:rPr lang="en-US" dirty="0" smtClean="0">
-                <a:solidFill>
-                  <a:schemeClr val="tx1"/>
-                </a:solidFill>
-              </a:rPr>
-              <a:t> </a:t>
             </a:r>
             <a:r>
               <a:rPr lang="en-US" dirty="0">
@@ -7376,7 +6991,7 @@
                   <a:schemeClr val="tx1"/>
                 </a:solidFill>
               </a:rPr>
-              <a:t>was; all we know is that we are looking at its </a:t>
+              <a:t> was; all we know is that we are looking at its </a:t>
             </a:r>
             <a:r>
               <a:rPr lang="en-US" b="1" dirty="0" err="1">
@@ -7527,7 +7142,7 @@
           </a:lstStyle>
           <a:p>
             <a:r>
-              <a:rPr lang="en-US" dirty="0" smtClean="0">
+              <a:rPr lang="en-US" dirty="0">
                 <a:solidFill>
                   <a:srgbClr val="FF0000"/>
                 </a:solidFill>
@@ -7544,18 +7159,13 @@
           </a:p>
           <a:p>
             <a:r>
-              <a:rPr lang="en-US" dirty="0" smtClean="0">
+              <a:rPr lang="en-US" dirty="0">
                 <a:solidFill>
                   <a:srgbClr val="FF0000"/>
                 </a:solidFill>
               </a:rPr>
               <a:t>The function itself can assume that the WHERE clause is true, just as it assumes that the arguments satisfy its contract.</a:t>
             </a:r>
-            <a:endParaRPr lang="en-US" dirty="0">
-              <a:solidFill>
-                <a:srgbClr val="FF0000"/>
-              </a:solidFill>
-            </a:endParaRPr>
           </a:p>
         </p:txBody>
       </p:sp>
@@ -7569,13 +7179,6 @@
   <p:clrMapOvr>
     <a:masterClrMapping/>
   </p:clrMapOvr>
-  <p:timing>
-    <p:tnLst>
-      <p:par>
-        <p:cTn id="1" dur="indefinite" restart="never" nodeType="tmRoot"/>
-      </p:par>
-    </p:tnLst>
-  </p:timing>
 </p:sld>
 </file>
 
@@ -7614,10 +7217,9 @@
           <a:lstStyle/>
           <a:p>
             <a:r>
-              <a:rPr lang="en-US" dirty="0" smtClean="0"/>
+              <a:rPr lang="en-US" dirty="0"/>
               <a:t>Now let’s write the rest of the purpose statement</a:t>
             </a:r>
-            <a:endParaRPr lang="en-US" dirty="0"/>
           </a:p>
         </p:txBody>
       </p:sp>
@@ -7637,22 +7239,21 @@
           <a:lstStyle/>
           <a:p>
             <a:r>
-              <a:rPr lang="en-US" dirty="0" smtClean="0"/>
+              <a:rPr lang="en-US" dirty="0"/>
               <a:t>The function has lost track of the original list; it only knows its position in the original.</a:t>
             </a:r>
           </a:p>
           <a:p>
             <a:r>
-              <a:rPr lang="en-US" dirty="0" smtClean="0"/>
+              <a:rPr lang="en-US" dirty="0"/>
               <a:t>Need to document the connection in the purpose statement.</a:t>
             </a:r>
           </a:p>
           <a:p>
             <a:r>
-              <a:rPr lang="en-US" dirty="0" smtClean="0"/>
+              <a:rPr lang="en-US" dirty="0"/>
               <a:t>Here's the new purpose statement:</a:t>
             </a:r>
-            <a:endParaRPr lang="en-US" dirty="0"/>
           </a:p>
         </p:txBody>
       </p:sp>
@@ -7702,13 +7303,6 @@
   <p:clrMapOvr>
     <a:masterClrMapping/>
   </p:clrMapOvr>
-  <p:timing>
-    <p:tnLst>
-      <p:par>
-        <p:cTn id="1" dur="indefinite" restart="never" nodeType="tmRoot"/>
-      </p:par>
-    </p:tnLst>
-  </p:timing>
 </p:sld>
 </file>
 
@@ -7745,10 +7339,9 @@
           <a:lstStyle/>
           <a:p>
             <a:r>
-              <a:rPr lang="en-US" dirty="0" smtClean="0"/>
+              <a:rPr lang="en-US" dirty="0"/>
               <a:t>Module Introduction</a:t>
             </a:r>
-            <a:endParaRPr lang="en-US" dirty="0"/>
           </a:p>
         </p:txBody>
       </p:sp>
@@ -7771,28 +7364,16 @@
           <a:p>
             <a:r>
               <a:rPr lang="en-US" dirty="0"/>
-              <a:t>Some problems are not easily solved </a:t>
-            </a:r>
-            <a:r>
-              <a:rPr lang="en-US" dirty="0" smtClean="0"/>
-              <a:t>by simply using a template.</a:t>
-            </a:r>
-          </a:p>
-          <a:p>
-            <a:r>
-              <a:rPr lang="en-US" dirty="0" smtClean="0"/>
-              <a:t>We show how to solve </a:t>
-            </a:r>
-            <a:r>
-              <a:rPr lang="en-US" dirty="0" smtClean="0"/>
-              <a:t>many </a:t>
-            </a:r>
-            <a:r>
-              <a:rPr lang="en-US" dirty="0" smtClean="0"/>
-              <a:t>such problems by introducing new variables called </a:t>
-            </a:r>
-            <a:r>
-              <a:rPr lang="en-US" i="1" dirty="0" smtClean="0">
+              <a:t>Some problems are not easily solved by simply using a template.</a:t>
+            </a:r>
+          </a:p>
+          <a:p>
+            <a:r>
+              <a:rPr lang="en-US" dirty="0"/>
+              <a:t>We show how to solve many such problems by introducing new variables called </a:t>
+            </a:r>
+            <a:r>
+              <a:rPr lang="en-US" i="1" dirty="0">
                 <a:solidFill>
                   <a:srgbClr val="FF0000"/>
                 </a:solidFill>
@@ -7800,17 +7381,17 @@
               <a:t>context variables</a:t>
             </a:r>
             <a:r>
-              <a:rPr lang="en-US" dirty="0" smtClean="0"/>
+              <a:rPr lang="en-US" dirty="0"/>
               <a:t>.</a:t>
             </a:r>
           </a:p>
           <a:p>
             <a:r>
-              <a:rPr lang="en-US" dirty="0" smtClean="0"/>
+              <a:rPr lang="en-US" dirty="0"/>
               <a:t>We introduce </a:t>
             </a:r>
             <a:r>
-              <a:rPr lang="en-US" i="1" dirty="0" smtClean="0">
+              <a:rPr lang="en-US" i="1" dirty="0">
                 <a:solidFill>
                   <a:srgbClr val="FF0000"/>
                 </a:solidFill>
@@ -7818,7 +7399,7 @@
               <a:t>invariants</a:t>
             </a:r>
             <a:r>
-              <a:rPr lang="en-US" dirty="0" smtClean="0">
+              <a:rPr lang="en-US" dirty="0">
                 <a:solidFill>
                   <a:srgbClr val="FF0000"/>
                 </a:solidFill>
@@ -7826,7 +7407,7 @@
               <a:t> </a:t>
             </a:r>
             <a:r>
-              <a:rPr lang="en-US" dirty="0" smtClean="0"/>
+              <a:rPr lang="en-US" dirty="0"/>
               <a:t>as a way of recording the assumptions that a function makes about its context.</a:t>
             </a:r>
           </a:p>
@@ -7868,13 +7449,6 @@
   <p:clrMapOvr>
     <a:masterClrMapping/>
   </p:clrMapOvr>
-  <p:timing>
-    <p:tnLst>
-      <p:par>
-        <p:cTn id="1" dur="indefinite" restart="never" nodeType="tmRoot"/>
-      </p:par>
-    </p:tnLst>
-  </p:timing>
 </p:sld>
 </file>
 
@@ -7911,10 +7485,9 @@
           <a:lstStyle/>
           <a:p>
             <a:r>
-              <a:rPr lang="en-US" dirty="0" smtClean="0"/>
+              <a:rPr lang="en-US" dirty="0"/>
               <a:t>New Purpose Statement</a:t>
             </a:r>
-            <a:endParaRPr lang="en-US" dirty="0"/>
           </a:p>
         </p:txBody>
       </p:sp>
@@ -7950,115 +7523,111 @@
               </a:rPr>
               <a:t>;; number-list-from </a:t>
             </a:r>
-            <a:endParaRPr lang="en-US" sz="2000" b="1" dirty="0" smtClean="0">
+          </a:p>
+          <a:p>
+            <a:pPr marL="0" indent="0">
+              <a:buNone/>
+            </a:pPr>
+            <a:r>
+              <a:rPr lang="en-US" sz="2000" b="1" dirty="0">
+                <a:latin typeface="Consolas" pitchFamily="49" charset="0"/>
+                <a:cs typeface="Consolas" pitchFamily="49" charset="0"/>
+              </a:rPr>
+              <a:t>;;   : </a:t>
+            </a:r>
+            <a:r>
+              <a:rPr lang="en-US" sz="2000" b="1" dirty="0" err="1">
+                <a:latin typeface="Consolas" pitchFamily="49" charset="0"/>
+                <a:cs typeface="Consolas" pitchFamily="49" charset="0"/>
+              </a:rPr>
+              <a:t>ListOfX</a:t>
+            </a:r>
+            <a:r>
+              <a:rPr lang="en-US" sz="2000" b="1" dirty="0">
+                <a:latin typeface="Consolas" pitchFamily="49" charset="0"/>
+                <a:cs typeface="Consolas" pitchFamily="49" charset="0"/>
+              </a:rPr>
+              <a:t> </a:t>
+            </a:r>
+            <a:r>
+              <a:rPr lang="en-US" sz="2000" b="1" dirty="0" err="1">
+                <a:latin typeface="Consolas" pitchFamily="49" charset="0"/>
+                <a:cs typeface="Consolas" pitchFamily="49" charset="0"/>
+              </a:rPr>
+              <a:t>NonNegInt</a:t>
+            </a:r>
+            <a:r>
+              <a:rPr lang="en-US" sz="2000" b="1" dirty="0">
+                <a:latin typeface="Consolas" pitchFamily="49" charset="0"/>
+                <a:cs typeface="Consolas" pitchFamily="49" charset="0"/>
+              </a:rPr>
+              <a:t> -&gt; </a:t>
+            </a:r>
+            <a:r>
+              <a:rPr lang="en-US" sz="2000" b="1" dirty="0" err="1">
+                <a:latin typeface="Consolas" pitchFamily="49" charset="0"/>
+                <a:cs typeface="Consolas" pitchFamily="49" charset="0"/>
+              </a:rPr>
+              <a:t>NumberedListOfX</a:t>
+            </a:r>
+            <a:endParaRPr lang="en-US" sz="2000" b="1" dirty="0">
               <a:latin typeface="Consolas" pitchFamily="49" charset="0"/>
               <a:cs typeface="Consolas" pitchFamily="49" charset="0"/>
             </a:endParaRPr>
           </a:p>
           <a:p>
-            <a:pPr marL="0" indent="0">
+            <a:pPr>
               <a:buNone/>
             </a:pPr>
             <a:r>
-              <a:rPr lang="en-US" sz="2000" b="1" dirty="0" smtClean="0">
-                <a:latin typeface="Consolas" pitchFamily="49" charset="0"/>
-                <a:cs typeface="Consolas" pitchFamily="49" charset="0"/>
-              </a:rPr>
-              <a:t>;;   : </a:t>
-            </a:r>
-            <a:r>
-              <a:rPr lang="en-US" sz="2000" b="1" dirty="0" err="1" smtClean="0">
-                <a:latin typeface="Consolas" pitchFamily="49" charset="0"/>
-                <a:cs typeface="Consolas" pitchFamily="49" charset="0"/>
-              </a:rPr>
-              <a:t>ListOfX</a:t>
-            </a:r>
-            <a:r>
-              <a:rPr lang="en-US" sz="2000" b="1" dirty="0" smtClean="0">
+              <a:rPr lang="en-US" sz="2000" b="1" dirty="0">
+                <a:latin typeface="Consolas" pitchFamily="49" charset="0"/>
+                <a:cs typeface="Consolas" pitchFamily="49" charset="0"/>
+              </a:rPr>
+              <a:t>;; GIVEN: a </a:t>
+            </a:r>
+            <a:r>
+              <a:rPr lang="en-US" sz="2000" b="1" dirty="0" err="1">
+                <a:latin typeface="Consolas" pitchFamily="49" charset="0"/>
+                <a:cs typeface="Consolas" pitchFamily="49" charset="0"/>
+              </a:rPr>
+              <a:t>sublist</a:t>
+            </a:r>
+            <a:r>
+              <a:rPr lang="en-US" sz="2000" b="1" dirty="0">
                 <a:latin typeface="Consolas" pitchFamily="49" charset="0"/>
                 <a:cs typeface="Consolas" pitchFamily="49" charset="0"/>
               </a:rPr>
               <a:t> </a:t>
             </a:r>
             <a:r>
-              <a:rPr lang="en-US" sz="2000" b="1" dirty="0" err="1" smtClean="0">
-                <a:latin typeface="Consolas" pitchFamily="49" charset="0"/>
-                <a:cs typeface="Consolas" pitchFamily="49" charset="0"/>
-              </a:rPr>
-              <a:t>NonNegInt</a:t>
-            </a:r>
-            <a:r>
-              <a:rPr lang="en-US" sz="2000" b="1" dirty="0" smtClean="0">
-                <a:latin typeface="Consolas" pitchFamily="49" charset="0"/>
-                <a:cs typeface="Consolas" pitchFamily="49" charset="0"/>
-              </a:rPr>
-              <a:t> -&gt; </a:t>
-            </a:r>
-            <a:r>
-              <a:rPr lang="en-US" sz="2000" b="1" dirty="0" err="1" smtClean="0">
-                <a:latin typeface="Consolas" pitchFamily="49" charset="0"/>
-                <a:cs typeface="Consolas" pitchFamily="49" charset="0"/>
-              </a:rPr>
-              <a:t>NumberedListOfX</a:t>
-            </a:r>
-            <a:endParaRPr lang="en-US" sz="2000" b="1" dirty="0" smtClean="0">
-              <a:latin typeface="Consolas" pitchFamily="49" charset="0"/>
-              <a:cs typeface="Consolas" pitchFamily="49" charset="0"/>
-            </a:endParaRPr>
+              <a:rPr lang="en-US" sz="2000" b="1" dirty="0" err="1">
+                <a:latin typeface="Consolas" pitchFamily="49" charset="0"/>
+                <a:cs typeface="Consolas" pitchFamily="49" charset="0"/>
+              </a:rPr>
+              <a:t>slst</a:t>
+            </a:r>
+            <a:r>
+              <a:rPr lang="en-US" sz="2000" b="1" dirty="0">
+                <a:latin typeface="Consolas" pitchFamily="49" charset="0"/>
+                <a:cs typeface="Consolas" pitchFamily="49" charset="0"/>
+              </a:rPr>
+              <a:t> and an integer n</a:t>
+            </a:r>
           </a:p>
           <a:p>
             <a:pPr>
               <a:buNone/>
             </a:pPr>
             <a:r>
-              <a:rPr lang="en-US" sz="2000" b="1" dirty="0" smtClean="0">
-                <a:latin typeface="Consolas" pitchFamily="49" charset="0"/>
-                <a:cs typeface="Consolas" pitchFamily="49" charset="0"/>
-              </a:rPr>
-              <a:t>;; GIVEN: a </a:t>
-            </a:r>
-            <a:r>
-              <a:rPr lang="en-US" sz="2000" b="1" dirty="0" err="1" smtClean="0">
-                <a:latin typeface="Consolas" pitchFamily="49" charset="0"/>
-                <a:cs typeface="Consolas" pitchFamily="49" charset="0"/>
-              </a:rPr>
-              <a:t>sublist</a:t>
-            </a:r>
-            <a:r>
-              <a:rPr lang="en-US" sz="2000" b="1" dirty="0" smtClean="0">
-                <a:latin typeface="Consolas" pitchFamily="49" charset="0"/>
-                <a:cs typeface="Consolas" pitchFamily="49" charset="0"/>
-              </a:rPr>
-              <a:t> </a:t>
-            </a:r>
-            <a:r>
-              <a:rPr lang="en-US" sz="2000" b="1" dirty="0" err="1" smtClean="0">
-                <a:latin typeface="Consolas" pitchFamily="49" charset="0"/>
-                <a:cs typeface="Consolas" pitchFamily="49" charset="0"/>
-              </a:rPr>
-              <a:t>slst</a:t>
-            </a:r>
-            <a:r>
-              <a:rPr lang="en-US" sz="2000" b="1" dirty="0" smtClean="0">
-                <a:latin typeface="Consolas" pitchFamily="49" charset="0"/>
-                <a:cs typeface="Consolas" pitchFamily="49" charset="0"/>
-              </a:rPr>
-              <a:t> and an integer n</a:t>
-            </a:r>
-          </a:p>
-          <a:p>
-            <a:pPr>
-              <a:buNone/>
-            </a:pPr>
-            <a:r>
-              <a:rPr lang="en-US" sz="2000" b="1" dirty="0" smtClean="0">
+              <a:rPr lang="en-US" sz="2000" b="1" dirty="0">
                 <a:latin typeface="Consolas" pitchFamily="49" charset="0"/>
                 <a:cs typeface="Consolas" pitchFamily="49" charset="0"/>
               </a:rPr>
               <a:t>;; </a:t>
             </a:r>
             <a:r>
-              <a:rPr lang="en-US" sz="2000" b="1" dirty="0" smtClean="0">
+              <a:rPr lang="en-US" sz="2000" b="1" dirty="0">
                 <a:solidFill>
                   <a:schemeClr val="accent3">
                     <a:lumMod val="75000"/>
@@ -8070,7 +7639,7 @@
               <a:t>WHERE: </a:t>
             </a:r>
             <a:r>
-              <a:rPr lang="en-US" sz="2000" b="1" dirty="0" err="1" smtClean="0">
+              <a:rPr lang="en-US" sz="2000" b="1" dirty="0" err="1">
                 <a:solidFill>
                   <a:schemeClr val="accent3">
                     <a:lumMod val="75000"/>
@@ -8082,7 +7651,7 @@
               <a:t>slst</a:t>
             </a:r>
             <a:r>
-              <a:rPr lang="en-US" sz="2000" b="1" dirty="0" smtClean="0">
+              <a:rPr lang="en-US" sz="2000" b="1" dirty="0">
                 <a:solidFill>
                   <a:schemeClr val="accent3">
                     <a:lumMod val="75000"/>
@@ -8094,7 +7663,7 @@
               <a:t> is the n-</a:t>
             </a:r>
             <a:r>
-              <a:rPr lang="en-US" sz="2000" b="1" dirty="0" err="1" smtClean="0">
+              <a:rPr lang="en-US" sz="2000" b="1" dirty="0" err="1">
                 <a:solidFill>
                   <a:schemeClr val="accent3">
                     <a:lumMod val="75000"/>
@@ -8106,7 +7675,7 @@
               <a:t>th</a:t>
             </a:r>
             <a:r>
-              <a:rPr lang="en-US" sz="2000" b="1" dirty="0" smtClean="0">
+              <a:rPr lang="en-US" sz="2000" b="1" dirty="0">
                 <a:solidFill>
                   <a:schemeClr val="accent3">
                     <a:lumMod val="75000"/>
@@ -8118,7 +7687,7 @@
               <a:t> </a:t>
             </a:r>
             <a:r>
-              <a:rPr lang="en-US" sz="2000" b="1" dirty="0" err="1" smtClean="0">
+              <a:rPr lang="en-US" sz="2000" b="1" dirty="0" err="1">
                 <a:solidFill>
                   <a:schemeClr val="accent3">
                     <a:lumMod val="75000"/>
@@ -8130,7 +7699,7 @@
               <a:t>sublist</a:t>
             </a:r>
             <a:r>
-              <a:rPr lang="en-US" sz="2000" b="1" dirty="0" smtClean="0">
+              <a:rPr lang="en-US" sz="2000" b="1" dirty="0">
                 <a:solidFill>
                   <a:schemeClr val="accent3">
                     <a:lumMod val="75000"/>
@@ -8147,21 +7716,21 @@
               <a:buNone/>
             </a:pPr>
             <a:r>
-              <a:rPr lang="en-US" sz="2000" b="1" dirty="0" smtClean="0">
+              <a:rPr lang="en-US" sz="2000" b="1" dirty="0">
                 <a:latin typeface="Consolas" pitchFamily="49" charset="0"/>
                 <a:cs typeface="Consolas" pitchFamily="49" charset="0"/>
               </a:rPr>
               <a:t>;; RETURNS: a copy of </a:t>
             </a:r>
             <a:r>
-              <a:rPr lang="en-US" sz="2000" b="1" dirty="0" err="1" smtClean="0">
+              <a:rPr lang="en-US" sz="2000" b="1" dirty="0" err="1">
                 <a:latin typeface="Consolas" pitchFamily="49" charset="0"/>
                 <a:cs typeface="Consolas" pitchFamily="49" charset="0"/>
               </a:rPr>
               <a:t>slst</a:t>
             </a:r>
             <a:r>
-              <a:rPr lang="en-US" sz="2000" b="1" dirty="0" smtClean="0">
+              <a:rPr lang="en-US" sz="2000" b="1" dirty="0">
                 <a:latin typeface="Consolas" pitchFamily="49" charset="0"/>
                 <a:cs typeface="Consolas" pitchFamily="49" charset="0"/>
               </a:rPr>
@@ -8173,7 +7742,7 @@
               <a:buNone/>
             </a:pPr>
             <a:r>
-              <a:rPr lang="en-US" sz="2000" b="1" dirty="0" smtClean="0">
+              <a:rPr lang="en-US" sz="2000" b="1" dirty="0">
                 <a:latin typeface="Consolas" pitchFamily="49" charset="0"/>
                 <a:cs typeface="Consolas" pitchFamily="49" charset="0"/>
               </a:rPr>
@@ -8185,35 +7754,35 @@
               <a:buNone/>
             </a:pPr>
             <a:r>
-              <a:rPr lang="en-US" sz="2000" b="1" dirty="0" smtClean="0">
+              <a:rPr lang="en-US" sz="2000" b="1" dirty="0">
                 <a:latin typeface="Consolas" pitchFamily="49" charset="0"/>
                 <a:cs typeface="Consolas" pitchFamily="49" charset="0"/>
               </a:rPr>
               <a:t>;; strategy: Use template for </a:t>
             </a:r>
             <a:r>
-              <a:rPr lang="en-US" sz="2000" b="1" dirty="0" err="1" smtClean="0">
+              <a:rPr lang="en-US" sz="2000" b="1" dirty="0" err="1">
                 <a:latin typeface="Consolas" pitchFamily="49" charset="0"/>
                 <a:cs typeface="Consolas" pitchFamily="49" charset="0"/>
               </a:rPr>
               <a:t>ListOfX</a:t>
             </a:r>
             <a:r>
-              <a:rPr lang="en-US" sz="2000" b="1" dirty="0" smtClean="0">
+              <a:rPr lang="en-US" sz="2000" b="1" dirty="0">
                 <a:latin typeface="Consolas" pitchFamily="49" charset="0"/>
                 <a:cs typeface="Consolas" pitchFamily="49" charset="0"/>
               </a:rPr>
               <a:t> on </a:t>
             </a:r>
             <a:r>
-              <a:rPr lang="en-US" sz="2000" b="1" dirty="0" err="1" smtClean="0">
+              <a:rPr lang="en-US" sz="2000" b="1" dirty="0" err="1">
                 <a:latin typeface="Consolas" pitchFamily="49" charset="0"/>
                 <a:cs typeface="Consolas" pitchFamily="49" charset="0"/>
               </a:rPr>
               <a:t>slst</a:t>
             </a:r>
             <a:r>
-              <a:rPr lang="en-US" sz="2000" b="1" dirty="0" smtClean="0">
+              <a:rPr lang="en-US" sz="2000" b="1" dirty="0">
                 <a:latin typeface="Consolas" pitchFamily="49" charset="0"/>
                 <a:cs typeface="Consolas" pitchFamily="49" charset="0"/>
               </a:rPr>
@@ -8224,7 +7793,7 @@
             <a:pPr>
               <a:buNone/>
             </a:pPr>
-            <a:endParaRPr lang="en-US" sz="2000" b="1" dirty="0" smtClean="0">
+            <a:endParaRPr lang="en-US" sz="2000" b="1" dirty="0">
               <a:latin typeface="Consolas" pitchFamily="49" charset="0"/>
               <a:cs typeface="Consolas" pitchFamily="49" charset="0"/>
             </a:endParaRPr>
@@ -8314,7 +7883,7 @@
           <a:p>
             <a:pPr algn="ctr"/>
             <a:r>
-              <a:rPr lang="en-US" dirty="0" smtClean="0">
+              <a:rPr lang="en-US" dirty="0">
                 <a:solidFill>
                   <a:schemeClr val="tx1"/>
                 </a:solidFill>
@@ -8322,7 +7891,7 @@
               <a:t>First, we document that we are looking at a </a:t>
             </a:r>
             <a:r>
-              <a:rPr lang="en-US" dirty="0" err="1" smtClean="0">
+              <a:rPr lang="en-US" dirty="0" err="1">
                 <a:solidFill>
                   <a:schemeClr val="tx1"/>
                 </a:solidFill>
@@ -8330,59 +7899,16 @@
               <a:t>sublist</a:t>
             </a:r>
             <a:r>
-              <a:rPr lang="en-US" dirty="0" smtClean="0">
+              <a:rPr lang="en-US" dirty="0">
                 <a:solidFill>
                   <a:schemeClr val="tx1"/>
                 </a:solidFill>
               </a:rPr>
               <a:t> of some list</a:t>
             </a:r>
-            <a:endParaRPr lang="en-US" dirty="0">
-              <a:solidFill>
-                <a:schemeClr val="tx1"/>
-              </a:solidFill>
-            </a:endParaRPr>
-          </a:p>
-        </p:txBody>
-      </p:sp>
-      <p:cxnSp>
-        <p:nvCxnSpPr>
-          <p:cNvPr id="20" name="Elbow Connector 19"/>
-          <p:cNvCxnSpPr>
-            <a:stCxn id="16" idx="2"/>
-          </p:cNvCxnSpPr>
-          <p:nvPr/>
-        </p:nvCxnSpPr>
-        <p:spPr>
-          <a:xfrm rot="5400000">
-            <a:off x="5297424" y="725424"/>
-            <a:ext cx="609600" cy="2974848"/>
-          </a:xfrm>
-          <a:prstGeom prst="bentConnector2">
-            <a:avLst/>
-          </a:prstGeom>
-          <a:ln w="12700">
-            <a:solidFill>
-              <a:schemeClr val="tx1"/>
-            </a:solidFill>
-            <a:tailEnd type="arrow"/>
-          </a:ln>
-        </p:spPr>
-        <p:style>
-          <a:lnRef idx="1">
-            <a:schemeClr val="accent1"/>
-          </a:lnRef>
-          <a:fillRef idx="0">
-            <a:schemeClr val="accent1"/>
-          </a:fillRef>
-          <a:effectRef idx="0">
-            <a:schemeClr val="accent1"/>
-          </a:effectRef>
-          <a:fontRef idx="minor">
-            <a:schemeClr val="tx1"/>
-          </a:fontRef>
-        </p:style>
-      </p:cxnSp>
+          </a:p>
+        </p:txBody>
+      </p:sp>
       <p:sp>
         <p:nvSpPr>
           <p:cNvPr id="22" name="Rectangle 21"/>
@@ -8634,8 +8160,111 @@
                   <a:schemeClr val="tx1"/>
                 </a:solidFill>
               </a:rPr>
-              <a:t>The extra argument n keeps track of the context:  where we are in lst0</a:t>
-            </a:r>
+              <a:t>The extra argument n keeps track of the context:  where we are in </a:t>
+            </a:r>
+            <a:r>
+              <a:rPr lang="en-US" b="1" dirty="0">
+                <a:solidFill>
+                  <a:schemeClr val="tx1"/>
+                </a:solidFill>
+              </a:rPr>
+              <a:t>lst0</a:t>
+            </a:r>
+          </a:p>
+        </p:txBody>
+      </p:sp>
+      <p:sp>
+        <p:nvSpPr>
+          <p:cNvPr id="3" name="Freeform 2"/>
+          <p:cNvSpPr/>
+          <p:nvPr/>
+        </p:nvSpPr>
+        <p:spPr>
+          <a:xfrm>
+            <a:off x="3708050" y="1838540"/>
+            <a:ext cx="3578518" cy="747193"/>
+          </a:xfrm>
+          <a:custGeom>
+            <a:avLst/>
+            <a:gdLst>
+              <a:gd name="connsiteX0" fmla="*/ 3468413 w 3578518"/>
+              <a:gd name="connsiteY0" fmla="*/ 59628 h 747193"/>
+              <a:gd name="connsiteX1" fmla="*/ 3260309 w 3578518"/>
+              <a:gd name="connsiteY1" fmla="*/ 747005 h 747193"/>
+              <a:gd name="connsiteX2" fmla="*/ 781969 w 3578518"/>
+              <a:gd name="connsiteY2" fmla="*/ 2872 h 747193"/>
+              <a:gd name="connsiteX3" fmla="*/ 0 w 3578518"/>
+              <a:gd name="connsiteY3" fmla="*/ 538900 h 747193"/>
+            </a:gdLst>
+            <a:ahLst/>
+            <a:cxnLst>
+              <a:cxn ang="0">
+                <a:pos x="connsiteX0" y="connsiteY0"/>
+              </a:cxn>
+              <a:cxn ang="0">
+                <a:pos x="connsiteX1" y="connsiteY1"/>
+              </a:cxn>
+              <a:cxn ang="0">
+                <a:pos x="connsiteX2" y="connsiteY2"/>
+              </a:cxn>
+              <a:cxn ang="0">
+                <a:pos x="connsiteX3" y="connsiteY3"/>
+              </a:cxn>
+            </a:cxnLst>
+            <a:rect l="l" t="t" r="r" b="b"/>
+            <a:pathLst>
+              <a:path w="3578518" h="747193">
+                <a:moveTo>
+                  <a:pt x="3468413" y="59628"/>
+                </a:moveTo>
+                <a:cubicBezTo>
+                  <a:pt x="3588231" y="408046"/>
+                  <a:pt x="3708050" y="756464"/>
+                  <a:pt x="3260309" y="747005"/>
+                </a:cubicBezTo>
+                <a:cubicBezTo>
+                  <a:pt x="2812568" y="737546"/>
+                  <a:pt x="1325354" y="37556"/>
+                  <a:pt x="781969" y="2872"/>
+                </a:cubicBezTo>
+                <a:cubicBezTo>
+                  <a:pt x="238584" y="-31812"/>
+                  <a:pt x="119292" y="253544"/>
+                  <a:pt x="0" y="538900"/>
+                </a:cubicBezTo>
+              </a:path>
+            </a:pathLst>
+          </a:custGeom>
+          <a:ln w="12700" cap="flat" cmpd="sng" algn="ctr">
+            <a:solidFill>
+              <a:schemeClr val="dk1"/>
+            </a:solidFill>
+            <a:prstDash val="solid"/>
+            <a:round/>
+            <a:headEnd type="none" w="med" len="med"/>
+            <a:tailEnd type="arrow" w="med" len="med"/>
+          </a:ln>
+        </p:spPr>
+        <p:style>
+          <a:lnRef idx="0">
+            <a:scrgbClr r="0" g="0" b="0"/>
+          </a:lnRef>
+          <a:fillRef idx="0">
+            <a:scrgbClr r="0" g="0" b="0"/>
+          </a:fillRef>
+          <a:effectRef idx="0">
+            <a:scrgbClr r="0" g="0" b="0"/>
+          </a:effectRef>
+          <a:fontRef idx="minor">
+            <a:schemeClr val="tx1"/>
+          </a:fontRef>
+        </p:style>
+        <p:txBody>
+          <a:bodyPr rtlCol="0" anchor="ctr"/>
+          <a:lstStyle/>
+          <a:p>
+            <a:pPr algn="ctr"/>
+            <a:endParaRPr lang="en-US"/>
           </a:p>
         </p:txBody>
       </p:sp>
@@ -8649,13 +8278,6 @@
   <p:clrMapOvr>
     <a:masterClrMapping/>
   </p:clrMapOvr>
-  <p:timing>
-    <p:tnLst>
-      <p:par>
-        <p:cTn id="1" dur="indefinite" restart="never" nodeType="tmRoot"/>
-      </p:par>
-    </p:tnLst>
-  </p:timing>
 </p:sld>
 </file>
 
@@ -8694,10 +8316,9 @@
           <a:lstStyle/>
           <a:p>
             <a:r>
-              <a:rPr lang="en-US" dirty="0" smtClean="0"/>
+              <a:rPr lang="en-US" dirty="0"/>
               <a:t>Structural Arguments and Context Arguments</a:t>
             </a:r>
-            <a:endParaRPr lang="en-US" dirty="0"/>
           </a:p>
         </p:txBody>
       </p:sp>
@@ -8719,19 +8340,19 @@
           <a:lstStyle/>
           <a:p>
             <a:r>
-              <a:rPr lang="en-US" dirty="0" smtClean="0"/>
+              <a:rPr lang="en-US" dirty="0"/>
               <a:t>In this example, </a:t>
             </a:r>
             <a:r>
-              <a:rPr lang="en-US" b="1" dirty="0" err="1" smtClean="0"/>
+              <a:rPr lang="en-US" b="1" dirty="0" err="1"/>
               <a:t>slst</a:t>
             </a:r>
             <a:r>
-              <a:rPr lang="en-US" dirty="0" smtClean="0"/>
+              <a:rPr lang="en-US" dirty="0"/>
               <a:t> is a </a:t>
             </a:r>
             <a:r>
-              <a:rPr lang="en-US" i="1" dirty="0" smtClean="0">
+              <a:rPr lang="en-US" i="1" dirty="0">
                 <a:solidFill>
                   <a:srgbClr val="FF0000"/>
                 </a:solidFill>
@@ -8739,21 +8360,21 @@
               <a:t>structural argument</a:t>
             </a:r>
             <a:r>
-              <a:rPr lang="en-US" dirty="0" smtClean="0"/>
+              <a:rPr lang="en-US" dirty="0"/>
               <a:t>: it is the argument that we are doing structural decomposition on.</a:t>
             </a:r>
           </a:p>
           <a:p>
             <a:r>
-              <a:rPr lang="en-US" b="1" dirty="0" smtClean="0"/>
+              <a:rPr lang="en-US" b="1" dirty="0"/>
               <a:t>n</a:t>
             </a:r>
             <a:r>
-              <a:rPr lang="en-US" dirty="0" smtClean="0"/>
+              <a:rPr lang="en-US" dirty="0"/>
               <a:t> is a </a:t>
             </a:r>
             <a:r>
-              <a:rPr lang="en-US" i="1" dirty="0" smtClean="0">
+              <a:rPr lang="en-US" i="1" dirty="0">
                 <a:solidFill>
                   <a:srgbClr val="FF0000"/>
                 </a:solidFill>
@@ -8761,25 +8382,25 @@
               <a:t>context argument</a:t>
             </a:r>
             <a:r>
-              <a:rPr lang="en-US" dirty="0" smtClean="0"/>
+              <a:rPr lang="en-US" dirty="0"/>
               <a:t>: it tells us something about the context in which we are working.  It generally changes at each recursive call, because the recursive call is solving the problem in a new or bigger context.</a:t>
             </a:r>
           </a:p>
           <a:p>
             <a:r>
-              <a:rPr lang="en-US" dirty="0" smtClean="0"/>
+              <a:rPr lang="en-US" dirty="0"/>
               <a:t>The </a:t>
             </a:r>
             <a:r>
-              <a:rPr lang="en-US" b="1" dirty="0" smtClean="0"/>
+              <a:rPr lang="en-US" b="1" dirty="0"/>
               <a:t>WHERE</a:t>
             </a:r>
             <a:r>
-              <a:rPr lang="en-US" dirty="0" smtClean="0"/>
+              <a:rPr lang="en-US" dirty="0"/>
               <a:t> clause tells us how to </a:t>
             </a:r>
             <a:r>
-              <a:rPr lang="en-US" i="1" dirty="0" smtClean="0">
+              <a:rPr lang="en-US" i="1" dirty="0">
                 <a:solidFill>
                   <a:srgbClr val="FF0000"/>
                 </a:solidFill>
@@ -8787,7 +8408,7 @@
               <a:t>interpret</a:t>
             </a:r>
             <a:r>
-              <a:rPr lang="en-US" dirty="0" smtClean="0">
+              <a:rPr lang="en-US" dirty="0">
                 <a:solidFill>
                   <a:srgbClr val="FF0000"/>
                 </a:solidFill>
@@ -8795,10 +8416,9 @@
               <a:t> </a:t>
             </a:r>
             <a:r>
-              <a:rPr lang="en-US" dirty="0" smtClean="0"/>
+              <a:rPr lang="en-US" dirty="0"/>
               <a:t>the context argument as a context.</a:t>
             </a:r>
-            <a:endParaRPr lang="en-US" dirty="0"/>
           </a:p>
         </p:txBody>
       </p:sp>
@@ -8848,13 +8468,6 @@
   <p:clrMapOvr>
     <a:masterClrMapping/>
   </p:clrMapOvr>
-  <p:timing>
-    <p:tnLst>
-      <p:par>
-        <p:cTn id="1" dur="indefinite" restart="never" nodeType="tmRoot"/>
-      </p:par>
-    </p:tnLst>
-  </p:timing>
 </p:sld>
 </file>
 
@@ -8893,10 +8506,9 @@
           <a:lstStyle/>
           <a:p>
             <a:r>
-              <a:rPr lang="en-US" dirty="0" smtClean="0"/>
+              <a:rPr lang="en-US" dirty="0"/>
               <a:t>Is the invariant satisfied at the recursive call?</a:t>
             </a:r>
-            <a:endParaRPr lang="en-US" dirty="0"/>
           </a:p>
         </p:txBody>
       </p:sp>
@@ -8991,27 +8603,15 @@
             <a:pPr marL="0" indent="0"/>
             <a:r>
               <a:rPr lang="en-US" sz="2000" dirty="0"/>
-              <a:t>        (</a:t>
-            </a:r>
-            <a:r>
-              <a:rPr lang="en-US" sz="2000" dirty="0" smtClean="0"/>
-              <a:t>number-list-from (</a:t>
-            </a:r>
-            <a:r>
-              <a:rPr lang="en-US" sz="2000" dirty="0"/>
-              <a:t>rest </a:t>
+              <a:t>        (number-list-from (rest </a:t>
             </a:r>
             <a:r>
               <a:rPr lang="en-US" sz="2000" dirty="0" err="1"/>
               <a:t>lst</a:t>
             </a:r>
             <a:r>
-              <a:rPr lang="en-US" sz="2000" dirty="0" smtClean="0"/>
-              <a:t>) (+ </a:t>
-            </a:r>
-            <a:r>
               <a:rPr lang="en-US" sz="2000" dirty="0"/>
-              <a:t>n 1)))]))</a:t>
+              <a:t>) (+ n 1)))]))</a:t>
             </a:r>
           </a:p>
           <a:p>
@@ -9154,7 +8754,7 @@
           <a:lstStyle/>
           <a:p>
             <a:r>
-              <a:rPr lang="en-US" dirty="0" smtClean="0">
+              <a:rPr lang="en-US" dirty="0">
                 <a:solidFill>
                   <a:schemeClr val="tx1"/>
                 </a:solidFill>
@@ -9164,7 +8764,7 @@
           </a:p>
           <a:p>
             <a:r>
-              <a:rPr lang="en-US" dirty="0" smtClean="0">
+              <a:rPr lang="en-US" dirty="0">
                 <a:solidFill>
                   <a:schemeClr val="tx1"/>
                 </a:solidFill>
@@ -9174,7 +8774,7 @@
           </a:p>
           <a:p>
             <a:r>
-              <a:rPr lang="en-US" dirty="0" smtClean="0">
+              <a:rPr lang="en-US" dirty="0">
                 <a:solidFill>
                   <a:schemeClr val="tx1"/>
                 </a:solidFill>
@@ -9182,7 +8782,7 @@
               <a:t>  </a:t>
             </a:r>
             <a:r>
-              <a:rPr lang="en-US" b="1" dirty="0" err="1" smtClean="0">
+              <a:rPr lang="en-US" b="1" dirty="0" err="1">
                 <a:solidFill>
                   <a:schemeClr val="tx1"/>
                 </a:solidFill>
@@ -9190,7 +8790,7 @@
               <a:t>lst</a:t>
             </a:r>
             <a:r>
-              <a:rPr lang="en-US" dirty="0" smtClean="0">
+              <a:rPr lang="en-US" dirty="0">
                 <a:solidFill>
                   <a:schemeClr val="tx1"/>
                 </a:solidFill>
@@ -9198,7 +8798,7 @@
               <a:t> is the </a:t>
             </a:r>
             <a:r>
-              <a:rPr lang="en-US" b="1" dirty="0" smtClean="0">
+              <a:rPr lang="en-US" b="1" dirty="0">
                 <a:solidFill>
                   <a:schemeClr val="tx1"/>
                 </a:solidFill>
@@ -9206,7 +8806,7 @@
               <a:t>n</a:t>
             </a:r>
             <a:r>
-              <a:rPr lang="en-US" dirty="0" smtClean="0">
+              <a:rPr lang="en-US" dirty="0">
                 <a:solidFill>
                   <a:schemeClr val="tx1"/>
                 </a:solidFill>
@@ -9214,7 +8814,7 @@
               <a:t>th </a:t>
             </a:r>
             <a:r>
-              <a:rPr lang="en-US" dirty="0" err="1" smtClean="0">
+              <a:rPr lang="en-US" dirty="0" err="1">
                 <a:solidFill>
                   <a:schemeClr val="tx1"/>
                 </a:solidFill>
@@ -9222,7 +8822,7 @@
               <a:t>sublist</a:t>
             </a:r>
             <a:r>
-              <a:rPr lang="en-US" dirty="0" smtClean="0">
+              <a:rPr lang="en-US" dirty="0">
                 <a:solidFill>
                   <a:schemeClr val="tx1"/>
                 </a:solidFill>
@@ -9232,7 +8832,7 @@
           </a:p>
           <a:p>
             <a:r>
-              <a:rPr lang="en-US" dirty="0" smtClean="0">
+              <a:rPr lang="en-US" dirty="0">
                 <a:solidFill>
                   <a:schemeClr val="tx1"/>
                 </a:solidFill>
@@ -9242,7 +8842,7 @@
           </a:p>
           <a:p>
             <a:r>
-              <a:rPr lang="en-US" b="1" dirty="0" smtClean="0">
+              <a:rPr lang="en-US" b="1" dirty="0">
                 <a:solidFill>
                   <a:schemeClr val="tx1"/>
                 </a:solidFill>
@@ -9250,7 +8850,7 @@
               <a:t>  (rest </a:t>
             </a:r>
             <a:r>
-              <a:rPr lang="en-US" b="1" dirty="0" err="1" smtClean="0">
+              <a:rPr lang="en-US" b="1" dirty="0" err="1">
                 <a:solidFill>
                   <a:schemeClr val="tx1"/>
                 </a:solidFill>
@@ -9258,7 +8858,7 @@
               <a:t>lst</a:t>
             </a:r>
             <a:r>
-              <a:rPr lang="en-US" b="1" dirty="0" smtClean="0">
+              <a:rPr lang="en-US" b="1" dirty="0">
                 <a:solidFill>
                   <a:schemeClr val="tx1"/>
                 </a:solidFill>
@@ -9266,7 +8866,7 @@
               <a:t>) </a:t>
             </a:r>
             <a:r>
-              <a:rPr lang="en-US" dirty="0" smtClean="0">
+              <a:rPr lang="en-US" dirty="0">
                 <a:solidFill>
                   <a:schemeClr val="tx1"/>
                 </a:solidFill>
@@ -9274,7 +8874,7 @@
               <a:t>is its </a:t>
             </a:r>
             <a:r>
-              <a:rPr lang="en-US" b="1" dirty="0" smtClean="0">
+              <a:rPr lang="en-US" b="1" dirty="0">
                 <a:solidFill>
                   <a:schemeClr val="tx1"/>
                 </a:solidFill>
@@ -9282,7 +8882,7 @@
               <a:t>(n+1)</a:t>
             </a:r>
             <a:r>
-              <a:rPr lang="en-US" dirty="0" smtClean="0">
+              <a:rPr lang="en-US" dirty="0">
                 <a:solidFill>
                   <a:schemeClr val="tx1"/>
                 </a:solidFill>
@@ -9290,7 +8890,7 @@
               <a:t>-</a:t>
             </a:r>
             <a:r>
-              <a:rPr lang="en-US" dirty="0" err="1" smtClean="0">
+              <a:rPr lang="en-US" dirty="0" err="1">
                 <a:solidFill>
                   <a:schemeClr val="tx1"/>
                 </a:solidFill>
@@ -9298,7 +8898,7 @@
               <a:t>st</a:t>
             </a:r>
             <a:r>
-              <a:rPr lang="en-US" dirty="0" smtClean="0">
+              <a:rPr lang="en-US" dirty="0">
                 <a:solidFill>
                   <a:schemeClr val="tx1"/>
                 </a:solidFill>
@@ -9306,7 +8906,7 @@
               <a:t> </a:t>
             </a:r>
             <a:r>
-              <a:rPr lang="en-US" dirty="0" err="1" smtClean="0">
+              <a:rPr lang="en-US" dirty="0" err="1">
                 <a:solidFill>
                   <a:schemeClr val="tx1"/>
                 </a:solidFill>
@@ -9314,18 +8914,13 @@
               <a:t>sublist</a:t>
             </a:r>
             <a:r>
-              <a:rPr lang="en-US" dirty="0" smtClean="0">
+              <a:rPr lang="en-US" dirty="0">
                 <a:solidFill>
                   <a:schemeClr val="tx1"/>
                 </a:solidFill>
               </a:rPr>
               <a:t>.   </a:t>
             </a:r>
-            <a:endParaRPr lang="en-US" dirty="0">
-              <a:solidFill>
-                <a:schemeClr val="tx1"/>
-              </a:solidFill>
-            </a:endParaRPr>
           </a:p>
         </p:txBody>
       </p:sp>
@@ -9375,18 +8970,13 @@
           <a:lstStyle/>
           <a:p>
             <a:r>
-              <a:rPr lang="en-US" dirty="0" smtClean="0">
+              <a:rPr lang="en-US" dirty="0">
                 <a:solidFill>
                   <a:schemeClr val="tx1"/>
                 </a:solidFill>
               </a:rPr>
               <a:t>So, if the current call satisfies the invariant, then the recursive call also satisfies the invariant.</a:t>
             </a:r>
-            <a:endParaRPr lang="en-US" dirty="0">
-              <a:solidFill>
-                <a:schemeClr val="tx1"/>
-              </a:solidFill>
-            </a:endParaRPr>
           </a:p>
         </p:txBody>
       </p:sp>
@@ -9408,6 +8998,9 @@
             <a:avLst/>
           </a:prstGeom>
           <a:ln w="28575">
+            <a:solidFill>
+              <a:schemeClr val="tx1"/>
+            </a:solidFill>
             <a:tailEnd type="triangle"/>
           </a:ln>
         </p:spPr>
@@ -9436,13 +9029,6 @@
   <p:clrMapOvr>
     <a:masterClrMapping/>
   </p:clrMapOvr>
-  <p:timing>
-    <p:tnLst>
-      <p:par>
-        <p:cTn id="1" dur="indefinite" restart="never" nodeType="tmRoot"/>
-      </p:par>
-    </p:tnLst>
-  </p:timing>
 </p:sld>
 </file>
 
@@ -9481,10 +9067,9 @@
           <a:lstStyle/>
           <a:p>
             <a:r>
-              <a:rPr lang="en-US" dirty="0" smtClean="0"/>
+              <a:rPr lang="en-US" dirty="0"/>
               <a:t>Context Arguments and Accumulators</a:t>
             </a:r>
-            <a:endParaRPr lang="en-US" dirty="0"/>
           </a:p>
         </p:txBody>
       </p:sp>
@@ -9506,35 +9091,34 @@
           <a:lstStyle/>
           <a:p>
             <a:r>
-              <a:rPr lang="en-US" dirty="0" smtClean="0"/>
+              <a:rPr lang="en-US" dirty="0"/>
               <a:t>The book calls context arguments "accumulators".</a:t>
             </a:r>
           </a:p>
           <a:p>
             <a:r>
-              <a:rPr lang="en-US" dirty="0" smtClean="0"/>
+              <a:rPr lang="en-US" dirty="0"/>
               <a:t>For each function you write, you need to be clear on what the structural argument is.</a:t>
             </a:r>
           </a:p>
           <a:p>
             <a:pPr lvl="1"/>
             <a:r>
-              <a:rPr lang="en-US" dirty="0" smtClean="0"/>
+              <a:rPr lang="en-US" dirty="0"/>
               <a:t>You've been doing that already in the strategy</a:t>
             </a:r>
           </a:p>
           <a:p>
             <a:r>
-              <a:rPr lang="en-US" dirty="0" smtClean="0"/>
+              <a:rPr lang="en-US" dirty="0"/>
               <a:t>Unlike the book, we are not going to make a big deal over what is or is not a context argument/accumulator.</a:t>
             </a:r>
           </a:p>
           <a:p>
             <a:r>
-              <a:rPr lang="en-US" dirty="0" smtClean="0"/>
+              <a:rPr lang="en-US" dirty="0"/>
               <a:t>We are also not going to have "+ accumulator" as a strategy or have templates for "structural decomposition + accumulator". </a:t>
             </a:r>
-            <a:endParaRPr lang="en-US" dirty="0"/>
           </a:p>
         </p:txBody>
       </p:sp>
@@ -9621,18 +9205,13 @@
           <a:p>
             <a:pPr algn="ctr"/>
             <a:r>
-              <a:rPr lang="en-US" dirty="0" smtClean="0">
+              <a:rPr lang="en-US" dirty="0">
                 <a:solidFill>
                   <a:schemeClr val="tx1"/>
                 </a:solidFill>
               </a:rPr>
               <a:t>One fewer thing for you to stress over!</a:t>
             </a:r>
-            <a:endParaRPr lang="en-US" dirty="0">
-              <a:solidFill>
-                <a:schemeClr val="tx1"/>
-              </a:solidFill>
-            </a:endParaRPr>
           </a:p>
         </p:txBody>
       </p:sp>
@@ -9646,13 +9225,6 @@
   <p:clrMapOvr>
     <a:masterClrMapping/>
   </p:clrMapOvr>
-  <p:timing>
-    <p:tnLst>
-      <p:par>
-        <p:cTn id="1" dur="indefinite" restart="never" nodeType="tmRoot"/>
-      </p:par>
-    </p:tnLst>
-  </p:timing>
 </p:sld>
 </file>
 
@@ -9689,10 +9261,9 @@
           <a:lstStyle/>
           <a:p>
             <a:r>
-              <a:rPr lang="en-US" dirty="0" smtClean="0"/>
+              <a:rPr lang="en-US" dirty="0"/>
               <a:t>This isn't completely new:</a:t>
             </a:r>
-            <a:endParaRPr lang="en-US" dirty="0"/>
           </a:p>
         </p:txBody>
       </p:sp>
@@ -9714,19 +9285,19 @@
           <a:lstStyle/>
           <a:p>
             <a:r>
-              <a:rPr lang="en-US" sz="2800" b="0" dirty="0" smtClean="0">
+              <a:rPr lang="en-US" sz="2800" b="0" dirty="0">
                 <a:latin typeface="+mj-lt"/>
               </a:rPr>
               <a:t>Here are some examples of </a:t>
             </a:r>
             <a:r>
-              <a:rPr lang="en-US" sz="2800" dirty="0" smtClean="0">
+              <a:rPr lang="en-US" sz="2800" dirty="0">
                 <a:latin typeface="+mj-lt"/>
               </a:rPr>
               <a:t>WHERE</a:t>
             </a:r>
             <a:r>
-              <a:rPr lang="en-US" sz="2800" b="0" dirty="0" smtClean="0">
+              <a:rPr lang="en-US" sz="2800" b="0" dirty="0">
                 <a:latin typeface="+mj-lt"/>
               </a:rPr>
               <a:t> clauses that we've seen (or might have seen) before:</a:t>
@@ -9737,52 +9308,43 @@
           </a:p>
           <a:p>
             <a:r>
-              <a:rPr lang="en-US" sz="2800" dirty="0" smtClean="0"/>
+              <a:rPr lang="en-US" sz="2800" dirty="0"/>
               <a:t>-- A Ring is a (make-ring Real Real)</a:t>
             </a:r>
           </a:p>
           <a:p>
             <a:r>
               <a:rPr lang="en-US" sz="2800" dirty="0"/>
-              <a:t> </a:t>
-            </a:r>
-            <a:r>
-              <a:rPr lang="en-US" sz="2800" dirty="0" smtClean="0"/>
-              <a:t>  WHERE inner &lt; outer</a:t>
-            </a:r>
-          </a:p>
-          <a:p>
-            <a:endParaRPr lang="en-US" sz="2800" dirty="0" smtClean="0"/>
-          </a:p>
-          <a:p>
-            <a:r>
-              <a:rPr lang="en-US" sz="2800" dirty="0" smtClean="0"/>
+              <a:t>   WHERE inner &lt; outer</a:t>
+            </a:r>
+          </a:p>
+          <a:p>
+            <a:endParaRPr lang="en-US" sz="2800" dirty="0"/>
+          </a:p>
+          <a:p>
+            <a:r>
+              <a:rPr lang="en-US" sz="2800" dirty="0"/>
               <a:t>-- An </a:t>
             </a:r>
             <a:r>
-              <a:rPr lang="en-US" sz="2800" dirty="0" err="1" smtClean="0"/>
+              <a:rPr lang="en-US" sz="2800" dirty="0" err="1"/>
               <a:t>TelephoneBook</a:t>
             </a:r>
             <a:r>
-              <a:rPr lang="en-US" sz="2800" dirty="0" smtClean="0"/>
+              <a:rPr lang="en-US" sz="2800" dirty="0"/>
               <a:t> is a </a:t>
             </a:r>
             <a:r>
-              <a:rPr lang="en-US" sz="2800" dirty="0" err="1" smtClean="0"/>
+              <a:rPr lang="en-US" sz="2800" dirty="0" err="1"/>
               <a:t>ListOfEntries</a:t>
             </a:r>
-            <a:endParaRPr lang="en-US" sz="2800" dirty="0" smtClean="0"/>
+            <a:endParaRPr lang="en-US" sz="2800" dirty="0"/>
           </a:p>
           <a:p>
             <a:r>
               <a:rPr lang="en-US" sz="2800" dirty="0"/>
-              <a:t> </a:t>
-            </a:r>
-            <a:r>
-              <a:rPr lang="en-US" sz="2800" dirty="0" smtClean="0"/>
-              <a:t>  WHERE the entries are sorted by name</a:t>
-            </a:r>
-            <a:endParaRPr lang="en-US" sz="2800" dirty="0"/>
+              <a:t>   WHERE the entries are sorted by name</a:t>
+            </a:r>
           </a:p>
         </p:txBody>
       </p:sp>
@@ -9819,13 +9381,6 @@
   <p:clrMapOvr>
     <a:masterClrMapping/>
   </p:clrMapOvr>
-  <p:timing>
-    <p:tnLst>
-      <p:par>
-        <p:cTn id="1" dur="indefinite" restart="never" nodeType="tmRoot"/>
-      </p:par>
-    </p:tnLst>
-  </p:timing>
 </p:sld>
 </file>
 
@@ -9862,18 +9417,17 @@
           <a:lstStyle/>
           <a:p>
             <a:r>
-              <a:rPr lang="en-US" dirty="0" smtClean="0"/>
+              <a:rPr lang="en-US" dirty="0"/>
               <a:t>More examples of </a:t>
             </a:r>
             <a:r>
-              <a:rPr lang="en-US" b="1" dirty="0" smtClean="0"/>
+              <a:rPr lang="en-US" b="1" dirty="0"/>
               <a:t>WHERE</a:t>
             </a:r>
             <a:r>
-              <a:rPr lang="en-US" dirty="0" smtClean="0"/>
+              <a:rPr lang="en-US" dirty="0"/>
               <a:t> clauses</a:t>
             </a:r>
-            <a:endParaRPr lang="en-US" dirty="0"/>
           </a:p>
         </p:txBody>
       </p:sp>
@@ -9901,14 +9455,10 @@
             </a:pPr>
             <a:r>
               <a:rPr lang="en-US" sz="2000" dirty="0" err="1"/>
-              <a:t>u</a:t>
-            </a:r>
-            <a:r>
-              <a:rPr lang="en-US" sz="2000" dirty="0" err="1" smtClean="0"/>
-              <a:t>npaused</a:t>
-            </a:r>
-            <a:r>
-              <a:rPr lang="en-US" sz="2000" dirty="0" smtClean="0"/>
+              <a:t>unpaused</a:t>
+            </a:r>
+            <a:r>
+              <a:rPr lang="en-US" sz="2000" dirty="0"/>
               <a:t>-world-after-tick </a:t>
             </a:r>
           </a:p>
@@ -9920,11 +9470,7 @@
             </a:pPr>
             <a:r>
               <a:rPr lang="en-US" sz="2000" dirty="0"/>
-              <a:t> </a:t>
-            </a:r>
-            <a:r>
-              <a:rPr lang="en-US" sz="2000" dirty="0" smtClean="0"/>
-              <a:t> : World -&gt; World</a:t>
+              <a:t>  : World -&gt; World</a:t>
             </a:r>
           </a:p>
           <a:p>
@@ -9934,7 +9480,7 @@
               </a:spcBef>
             </a:pPr>
             <a:r>
-              <a:rPr lang="en-US" sz="2000" dirty="0" smtClean="0"/>
+              <a:rPr lang="en-US" sz="2000" dirty="0"/>
               <a:t>GIVEN: a World</a:t>
             </a:r>
           </a:p>
@@ -9945,7 +9491,7 @@
               </a:spcBef>
             </a:pPr>
             <a:r>
-              <a:rPr lang="en-US" sz="2000" dirty="0" smtClean="0"/>
+              <a:rPr lang="en-US" sz="2000" dirty="0"/>
               <a:t>WHERE: the world is not paused</a:t>
             </a:r>
           </a:p>
@@ -9956,7 +9502,7 @@
               </a:spcBef>
             </a:pPr>
             <a:r>
-              <a:rPr lang="en-US" sz="2000" dirty="0" smtClean="0"/>
+              <a:rPr lang="en-US" sz="2000" dirty="0"/>
               <a:t>RETURNS: the state of the world after the next tick</a:t>
             </a:r>
           </a:p>
@@ -9966,7 +9512,7 @@
                 <a:spcPts val="0"/>
               </a:spcBef>
             </a:pPr>
-            <a:endParaRPr lang="en-US" sz="2000" dirty="0" smtClean="0"/>
+            <a:endParaRPr lang="en-US" sz="2000" dirty="0"/>
           </a:p>
           <a:p>
             <a:pPr>
@@ -9975,7 +9521,7 @@
               </a:spcBef>
             </a:pPr>
             <a:r>
-              <a:rPr lang="en-US" sz="2000" dirty="0" smtClean="0"/>
+              <a:rPr lang="en-US" sz="2000" dirty="0"/>
               <a:t>ball-normal-motion-after-tick </a:t>
             </a:r>
           </a:p>
@@ -9987,11 +9533,7 @@
             </a:pPr>
             <a:r>
               <a:rPr lang="en-US" sz="2000" dirty="0"/>
-              <a:t>  </a:t>
-            </a:r>
-            <a:r>
-              <a:rPr lang="en-US" sz="2000" dirty="0" smtClean="0"/>
-              <a:t>: Ball -&gt; Ball</a:t>
+              <a:t>  : Ball -&gt; Ball</a:t>
             </a:r>
           </a:p>
           <a:p>
@@ -10001,7 +9543,7 @@
               </a:spcBef>
             </a:pPr>
             <a:r>
-              <a:rPr lang="en-US" sz="2000" dirty="0" smtClean="0"/>
+              <a:rPr lang="en-US" sz="2000" dirty="0"/>
               <a:t>GIVEN: a Ball</a:t>
             </a:r>
           </a:p>
@@ -10012,7 +9554,7 @@
               </a:spcBef>
             </a:pPr>
             <a:r>
-              <a:rPr lang="en-US" sz="2000" dirty="0" smtClean="0"/>
+              <a:rPr lang="en-US" sz="2000" dirty="0"/>
               <a:t>WHERE: we know the ball will not hit the wall on the next</a:t>
             </a:r>
           </a:p>
@@ -10024,11 +9566,7 @@
             </a:pPr>
             <a:r>
               <a:rPr lang="en-US" sz="2000" dirty="0"/>
-              <a:t> </a:t>
-            </a:r>
-            <a:r>
-              <a:rPr lang="en-US" sz="2000" dirty="0" smtClean="0"/>
-              <a:t>      tick</a:t>
+              <a:t>       tick</a:t>
             </a:r>
           </a:p>
           <a:p>
@@ -10038,10 +9576,9 @@
               </a:spcBef>
             </a:pPr>
             <a:r>
-              <a:rPr lang="en-US" sz="2000" dirty="0" smtClean="0"/>
+              <a:rPr lang="en-US" sz="2000" dirty="0"/>
               <a:t>RETURNS: the state of the ball after the next tick.</a:t>
             </a:r>
-            <a:endParaRPr lang="en-US" sz="2000" dirty="0"/>
           </a:p>
         </p:txBody>
       </p:sp>
@@ -10116,7 +9653,7 @@
           <a:p>
             <a:pPr algn="ctr"/>
             <a:r>
-              <a:rPr lang="en-US" dirty="0" smtClean="0">
+              <a:rPr lang="en-US" dirty="0">
                 <a:solidFill>
                   <a:schemeClr val="tx1"/>
                 </a:solidFill>
@@ -10173,7 +9710,7 @@
           <a:p>
             <a:pPr algn="ctr"/>
             <a:r>
-              <a:rPr lang="en-US" dirty="0" smtClean="0">
+              <a:rPr lang="en-US" dirty="0">
                 <a:solidFill>
                   <a:schemeClr val="tx1"/>
                 </a:solidFill>
@@ -10193,13 +9730,6 @@
   <p:clrMapOvr>
     <a:masterClrMapping/>
   </p:clrMapOvr>
-  <p:timing>
-    <p:tnLst>
-      <p:par>
-        <p:cTn id="1" dur="indefinite" restart="never" nodeType="tmRoot"/>
-      </p:par>
-    </p:tnLst>
-  </p:timing>
 </p:sld>
 </file>
 
@@ -10238,10 +9768,9 @@
           <a:lstStyle/>
           <a:p>
             <a:r>
-              <a:rPr lang="en-US" dirty="0" smtClean="0"/>
+              <a:rPr lang="en-US" dirty="0"/>
               <a:t>Recipe for context arguments</a:t>
             </a:r>
-            <a:endParaRPr lang="en-US" dirty="0"/>
           </a:p>
         </p:txBody>
       </p:sp>
@@ -10290,7 +9819,7 @@
           <p:nvPr>
             <p:extLst>
               <p:ext uri="{D42A27DB-BD31-4B8C-83A1-F6EECF244321}">
-                <p14:modId xmlns:p14="http://schemas.microsoft.com/office/powerpoint/2010/main" val="3462369161"/>
+                <p14:modId xmlns:p14="http://schemas.microsoft.com/office/powerpoint/2010/main" val="3193759115"/>
               </p:ext>
             </p:extLst>
           </p:nvPr>
@@ -10306,7 +9835,13 @@
                 <a:tableStyleId>{5C22544A-7EE6-4342-B048-85BDC9FD1C3A}</a:tableStyleId>
               </a:tblPr>
               <a:tblGrid>
-                <a:gridCol w="6553200"/>
+                <a:gridCol w="6553200">
+                  <a:extLst>
+                    <a:ext uri="{9D8B030D-6E8A-4147-A177-3AD203B41FA5}">
+                      <a16:colId xmlns:a16="http://schemas.microsoft.com/office/drawing/2014/main" val="20000"/>
+                    </a:ext>
+                  </a:extLst>
+                </a:gridCol>
               </a:tblGrid>
               <a:tr h="0">
                 <a:tc>
@@ -10316,14 +9851,18 @@
                     <a:p>
                       <a:pPr algn="ctr"/>
                       <a:r>
-                        <a:rPr lang="en-US" dirty="0" smtClean="0"/>
+                        <a:rPr lang="en-US" dirty="0"/>
                         <a:t>Recipe for context arguments</a:t>
                       </a:r>
-                      <a:endParaRPr lang="en-US" dirty="0"/>
                     </a:p>
                   </a:txBody>
                   <a:tcPr/>
                 </a:tc>
+                <a:extLst>
+                  <a:ext uri="{0D108BD9-81ED-4DB2-BD59-A6C34878D82A}">
+                    <a16:rowId xmlns:a16="http://schemas.microsoft.com/office/drawing/2014/main" val="10000"/>
+                  </a:ext>
+                </a:extLst>
               </a:tr>
               <a:tr h="688806">
                 <a:tc>
@@ -10332,11 +9871,11 @@
                     <a:lstStyle/>
                     <a:p>
                       <a:r>
-                        <a:rPr lang="en-US" dirty="0" smtClean="0"/>
+                        <a:rPr lang="en-US" dirty="0"/>
                         <a:t>Is information being lost</a:t>
                       </a:r>
                       <a:r>
-                        <a:rPr lang="en-US" baseline="0" dirty="0" smtClean="0"/>
+                        <a:rPr lang="en-US" baseline="0" dirty="0"/>
                         <a:t> when you do a structural recursion? If so, what?</a:t>
                       </a:r>
                       <a:endParaRPr lang="en-US" dirty="0"/>
@@ -10344,6 +9883,11 @@
                   </a:txBody>
                   <a:tcPr/>
                 </a:tc>
+                <a:extLst>
+                  <a:ext uri="{0D108BD9-81ED-4DB2-BD59-A6C34878D82A}">
+                    <a16:rowId xmlns:a16="http://schemas.microsoft.com/office/drawing/2014/main" val="10001"/>
+                  </a:ext>
+                </a:extLst>
               </a:tr>
               <a:tr h="984008">
                 <a:tc>
@@ -10352,7 +9896,7 @@
                     <a:lstStyle/>
                     <a:p>
                       <a:r>
-                        <a:rPr lang="en-US" dirty="0" smtClean="0">
+                        <a:rPr lang="en-US" dirty="0">
                           <a:solidFill>
                             <a:schemeClr val="tx1"/>
                           </a:solidFill>
@@ -10360,7 +9904,7 @@
                         <a:t>Formulate a generalized version of the </a:t>
                       </a:r>
                       <a:r>
-                        <a:rPr lang="en-US" smtClean="0">
+                        <a:rPr lang="en-US">
                           <a:solidFill>
                             <a:schemeClr val="tx1"/>
                           </a:solidFill>
@@ -10368,7 +9912,7 @@
                         <a:t>problem </a:t>
                       </a:r>
                       <a:r>
-                        <a:rPr lang="en-US" baseline="0" smtClean="0">
+                        <a:rPr lang="en-US" baseline="0">
                           <a:solidFill>
                             <a:schemeClr val="tx1"/>
                           </a:solidFill>
@@ -10376,7 +9920,7 @@
                         <a:t>that </a:t>
                       </a:r>
                       <a:r>
-                        <a:rPr lang="en-US" baseline="0" dirty="0" smtClean="0">
+                        <a:rPr lang="en-US" baseline="0" dirty="0">
                           <a:solidFill>
                             <a:schemeClr val="tx1"/>
                           </a:solidFill>
@@ -10392,6 +9936,11 @@
                   </a:txBody>
                   <a:tcPr/>
                 </a:tc>
+                <a:extLst>
+                  <a:ext uri="{0D108BD9-81ED-4DB2-BD59-A6C34878D82A}">
+                    <a16:rowId xmlns:a16="http://schemas.microsoft.com/office/drawing/2014/main" val="10002"/>
+                  </a:ext>
+                </a:extLst>
               </a:tr>
               <a:tr h="399070">
                 <a:tc>
@@ -10400,13 +9949,18 @@
                     <a:lstStyle/>
                     <a:p>
                       <a:r>
-                        <a:rPr lang="en-US" dirty="0" smtClean="0"/>
+                        <a:rPr lang="en-US" dirty="0"/>
                         <a:t>Design and test the generalized function.</a:t>
                       </a:r>
                     </a:p>
                   </a:txBody>
                   <a:tcPr/>
                 </a:tc>
+                <a:extLst>
+                  <a:ext uri="{0D108BD9-81ED-4DB2-BD59-A6C34878D82A}">
+                    <a16:rowId xmlns:a16="http://schemas.microsoft.com/office/drawing/2014/main" val="10003"/>
+                  </a:ext>
+                </a:extLst>
               </a:tr>
               <a:tr h="688806">
                 <a:tc>
@@ -10415,18 +9969,23 @@
                     <a:lstStyle/>
                     <a:p>
                       <a:r>
-                        <a:rPr lang="en-US" dirty="0" smtClean="0"/>
+                        <a:rPr lang="en-US" dirty="0"/>
                         <a:t>Define</a:t>
                       </a:r>
                       <a:r>
-                        <a:rPr lang="en-US" baseline="0" dirty="0" smtClean="0"/>
+                        <a:rPr lang="en-US" baseline="0" dirty="0"/>
                         <a:t> your original function in terms of the generalized one by supplying an initial value for the context argument.</a:t>
                       </a:r>
-                      <a:endParaRPr lang="en-US" dirty="0" smtClean="0"/>
+                      <a:endParaRPr lang="en-US" dirty="0"/>
                     </a:p>
                   </a:txBody>
                   <a:tcPr/>
                 </a:tc>
+                <a:extLst>
+                  <a:ext uri="{0D108BD9-81ED-4DB2-BD59-A6C34878D82A}">
+                    <a16:rowId xmlns:a16="http://schemas.microsoft.com/office/drawing/2014/main" val="10004"/>
+                  </a:ext>
+                </a:extLst>
               </a:tr>
             </a:tbl>
           </a:graphicData>
@@ -10442,13 +10001,6 @@
   <p:clrMapOvr>
     <a:masterClrMapping/>
   </p:clrMapOvr>
-  <p:timing>
-    <p:tnLst>
-      <p:par>
-        <p:cTn id="1" dur="indefinite" restart="never" nodeType="tmRoot"/>
-      </p:par>
-    </p:tnLst>
-  </p:timing>
 </p:sld>
 </file>
 
@@ -10487,10 +10039,9 @@
           <a:lstStyle/>
           <a:p>
             <a:r>
-              <a:rPr lang="en-US" dirty="0" smtClean="0"/>
+              <a:rPr lang="en-US" dirty="0"/>
               <a:t>Wait: what do we mean by "above"?</a:t>
             </a:r>
-            <a:endParaRPr lang="en-US" dirty="0"/>
           </a:p>
         </p:txBody>
       </p:sp>
@@ -11418,10 +10969,9 @@
           <a:lstStyle/>
           <a:p>
             <a:r>
-              <a:rPr lang="en-US" sz="3200" dirty="0" smtClean="0"/>
+              <a:rPr lang="en-US" sz="3200" dirty="0"/>
               <a:t>11</a:t>
             </a:r>
-            <a:endParaRPr lang="en-US" sz="3200" dirty="0"/>
           </a:p>
         </p:txBody>
       </p:sp>
@@ -11448,10 +10998,9 @@
           <a:lstStyle/>
           <a:p>
             <a:r>
-              <a:rPr lang="en-US" sz="3200" dirty="0" smtClean="0"/>
+              <a:rPr lang="en-US" sz="3200" dirty="0"/>
               <a:t>55</a:t>
             </a:r>
-            <a:endParaRPr lang="en-US" sz="3200" dirty="0"/>
           </a:p>
         </p:txBody>
       </p:sp>
@@ -11478,10 +11027,9 @@
           <a:lstStyle/>
           <a:p>
             <a:r>
-              <a:rPr lang="en-US" sz="3200" dirty="0" smtClean="0"/>
+              <a:rPr lang="en-US" sz="3200" dirty="0"/>
               <a:t>44</a:t>
             </a:r>
-            <a:endParaRPr lang="en-US" sz="3200" dirty="0"/>
           </a:p>
         </p:txBody>
       </p:sp>
@@ -11508,10 +11056,9 @@
           <a:lstStyle/>
           <a:p>
             <a:r>
-              <a:rPr lang="en-US" sz="3200" dirty="0" smtClean="0"/>
+              <a:rPr lang="en-US" sz="3200" dirty="0"/>
               <a:t>33</a:t>
             </a:r>
-            <a:endParaRPr lang="en-US" sz="3200" dirty="0"/>
           </a:p>
         </p:txBody>
       </p:sp>
@@ -11538,10 +11085,9 @@
           <a:lstStyle/>
           <a:p>
             <a:r>
-              <a:rPr lang="en-US" sz="3200" dirty="0" smtClean="0"/>
+              <a:rPr lang="en-US" sz="3200" dirty="0"/>
               <a:t>22</a:t>
             </a:r>
-            <a:endParaRPr lang="en-US" sz="3200" dirty="0"/>
           </a:p>
         </p:txBody>
       </p:sp>
@@ -11625,7 +11171,7 @@
           <a:p>
             <a:pPr algn="ctr"/>
             <a:r>
-              <a:rPr lang="en-US" sz="2400" dirty="0" smtClean="0">
+              <a:rPr lang="en-US" sz="2400" dirty="0">
                 <a:solidFill>
                   <a:schemeClr val="tx1"/>
                 </a:solidFill>
@@ -11671,7 +11217,7 @@
           <a:p>
             <a:pPr algn="ctr"/>
             <a:r>
-              <a:rPr lang="en-US" sz="2400" dirty="0" smtClean="0">
+              <a:rPr lang="en-US" sz="2400" dirty="0">
                 <a:solidFill>
                   <a:schemeClr val="tx1"/>
                 </a:solidFill>
@@ -11877,13 +11423,6 @@
   <p:clrMapOvr>
     <a:masterClrMapping/>
   </p:clrMapOvr>
-  <p:timing>
-    <p:tnLst>
-      <p:par>
-        <p:cTn id="1" dur="indefinite" restart="never" nodeType="tmRoot"/>
-      </p:par>
-    </p:tnLst>
-  </p:timing>
 </p:sld>
 </file>
 
@@ -11920,10 +11459,9 @@
           <a:lstStyle/>
           <a:p>
             <a:r>
-              <a:rPr lang="en-US" dirty="0" smtClean="0"/>
+              <a:rPr lang="en-US" dirty="0"/>
               <a:t>Summary</a:t>
             </a:r>
-            <a:endParaRPr lang="en-US" dirty="0"/>
           </a:p>
         </p:txBody>
       </p:sp>
@@ -11945,28 +11483,27 @@
           <a:lstStyle/>
           <a:p>
             <a:r>
-              <a:rPr lang="en-US" dirty="0" smtClean="0"/>
+              <a:rPr lang="en-US" dirty="0"/>
               <a:t>Sometimes you need more information than what structural decomposition gives you</a:t>
             </a:r>
           </a:p>
           <a:p>
             <a:r>
-              <a:rPr lang="en-US" dirty="0" smtClean="0"/>
+              <a:rPr lang="en-US" dirty="0"/>
               <a:t>So generalize the problem to include the extra information as a parameter</a:t>
             </a:r>
           </a:p>
           <a:p>
             <a:r>
-              <a:rPr lang="en-US" dirty="0" smtClean="0"/>
+              <a:rPr lang="en-US" dirty="0"/>
               <a:t>Design the generalized function</a:t>
             </a:r>
           </a:p>
           <a:p>
             <a:r>
-              <a:rPr lang="en-US" dirty="0" smtClean="0"/>
+              <a:rPr lang="en-US" dirty="0"/>
               <a:t>Then define your original function in terms of the generalized one.</a:t>
             </a:r>
-            <a:endParaRPr lang="en-US" dirty="0"/>
           </a:p>
         </p:txBody>
       </p:sp>
@@ -12003,13 +11540,6 @@
   <p:clrMapOvr>
     <a:masterClrMapping/>
   </p:clrMapOvr>
-  <p:timing>
-    <p:tnLst>
-      <p:par>
-        <p:cTn id="1" dur="indefinite" restart="never" nodeType="tmRoot"/>
-      </p:par>
-    </p:tnLst>
-  </p:timing>
 </p:sld>
 </file>
 
@@ -12046,10 +11576,9 @@
           <a:lstStyle/>
           <a:p>
             <a:r>
-              <a:rPr lang="en-US" dirty="0" smtClean="0"/>
+              <a:rPr lang="en-US" dirty="0"/>
               <a:t>Next Steps</a:t>
             </a:r>
-            <a:endParaRPr lang="en-US" dirty="0"/>
           </a:p>
         </p:txBody>
       </p:sp>
@@ -12069,20 +11598,19 @@
           <a:lstStyle/>
           <a:p>
             <a:r>
-              <a:rPr lang="en-US" dirty="0" smtClean="0"/>
+              <a:rPr lang="en-US" dirty="0"/>
               <a:t>If you have questions about this lesson, ask them on the Discussion Board</a:t>
             </a:r>
           </a:p>
           <a:p>
             <a:r>
-              <a:rPr lang="en-US" smtClean="0"/>
+              <a:rPr lang="en-US"/>
               <a:t>Go </a:t>
             </a:r>
             <a:r>
-              <a:rPr lang="en-US" dirty="0" smtClean="0"/>
+              <a:rPr lang="en-US" dirty="0"/>
               <a:t>on to the next lesson</a:t>
             </a:r>
-            <a:endParaRPr lang="en-US" dirty="0"/>
           </a:p>
         </p:txBody>
       </p:sp>
@@ -12119,13 +11647,6 @@
   <p:clrMapOvr>
     <a:masterClrMapping/>
   </p:clrMapOvr>
-  <p:timing>
-    <p:tnLst>
-      <p:par>
-        <p:cTn id="1" dur="indefinite" restart="never" nodeType="tmRoot"/>
-      </p:par>
-    </p:tnLst>
-  </p:timing>
 </p:sld>
 </file>
 
@@ -12162,10 +11683,9 @@
           <a:lstStyle/>
           <a:p>
             <a:r>
-              <a:rPr lang="en-US" dirty="0" smtClean="0"/>
+              <a:rPr lang="en-US" dirty="0"/>
               <a:t>Module Outline</a:t>
             </a:r>
-            <a:endParaRPr lang="en-US" dirty="0"/>
           </a:p>
         </p:txBody>
       </p:sp>
@@ -12187,38 +11707,37 @@
           <a:lstStyle/>
           <a:p>
             <a:r>
-              <a:rPr lang="en-US" dirty="0" smtClean="0"/>
+              <a:rPr lang="en-US" dirty="0"/>
               <a:t>At the end of this module, you should be able to</a:t>
             </a:r>
           </a:p>
           <a:p>
             <a:pPr lvl="1"/>
             <a:r>
-              <a:rPr lang="en-US" dirty="0" smtClean="0"/>
+              <a:rPr lang="en-US" dirty="0"/>
               <a:t>use generalization within a problem to solve the problem</a:t>
             </a:r>
           </a:p>
           <a:p>
             <a:pPr lvl="1"/>
             <a:r>
-              <a:rPr lang="en-US" dirty="0" smtClean="0"/>
+              <a:rPr lang="en-US" dirty="0"/>
               <a:t>use context arguments to generalize over problem contexts</a:t>
             </a:r>
           </a:p>
           <a:p>
             <a:pPr lvl="1"/>
             <a:r>
-              <a:rPr lang="en-US" dirty="0" smtClean="0"/>
+              <a:rPr lang="en-US" dirty="0"/>
               <a:t>write invariants to document the meaning of a context argument</a:t>
             </a:r>
           </a:p>
           <a:p>
             <a:pPr lvl="1"/>
             <a:r>
-              <a:rPr lang="en-US" dirty="0" smtClean="0"/>
+              <a:rPr lang="en-US" dirty="0"/>
               <a:t>explain how invariants divide responsibility between a function and its callers</a:t>
             </a:r>
-            <a:endParaRPr lang="en-US" dirty="0"/>
           </a:p>
         </p:txBody>
       </p:sp>
@@ -12255,13 +11774,6 @@
   <p:clrMapOvr>
     <a:masterClrMapping/>
   </p:clrMapOvr>
-  <p:timing>
-    <p:tnLst>
-      <p:par>
-        <p:cTn id="1" dur="indefinite" restart="never" nodeType="tmRoot"/>
-      </p:par>
-    </p:tnLst>
-  </p:timing>
 </p:sld>
 </file>
 
@@ -12317,10 +11829,9 @@
           <a:p>
             <a:pPr algn="ctr"/>
             <a:r>
-              <a:rPr lang="en-US" dirty="0" smtClean="0"/>
+              <a:rPr lang="en-US" dirty="0"/>
               <a:t>Generalization</a:t>
             </a:r>
-            <a:endParaRPr lang="en-US" dirty="0"/>
           </a:p>
         </p:txBody>
       </p:sp>
@@ -12365,10 +11876,9 @@
           <a:p>
             <a:pPr algn="ctr"/>
             <a:r>
-              <a:rPr lang="en-US" dirty="0" smtClean="0"/>
+              <a:rPr lang="en-US" dirty="0"/>
               <a:t>Over Constants</a:t>
             </a:r>
-            <a:endParaRPr lang="en-US" dirty="0"/>
           </a:p>
         </p:txBody>
       </p:sp>
@@ -12413,7 +11923,7 @@
           <a:p>
             <a:pPr algn="ctr"/>
             <a:r>
-              <a:rPr lang="en-US" dirty="0" smtClean="0"/>
+              <a:rPr lang="en-US" dirty="0"/>
               <a:t>Over Expressions</a:t>
             </a:r>
           </a:p>
@@ -12456,10 +11966,9 @@
           <a:p>
             <a:pPr algn="ctr"/>
             <a:r>
-              <a:rPr lang="en-US" dirty="0" smtClean="0"/>
+              <a:rPr lang="en-US" dirty="0"/>
               <a:t>Over Contexts</a:t>
             </a:r>
-            <a:endParaRPr lang="en-US" dirty="0"/>
           </a:p>
         </p:txBody>
       </p:sp>
@@ -12504,10 +12013,9 @@
           <a:p>
             <a:pPr algn="ctr"/>
             <a:r>
-              <a:rPr lang="en-US" dirty="0" smtClean="0"/>
+              <a:rPr lang="en-US" dirty="0"/>
               <a:t>Over Data Representations</a:t>
             </a:r>
-            <a:endParaRPr lang="en-US" dirty="0"/>
           </a:p>
         </p:txBody>
       </p:sp>
@@ -12552,10 +12060,9 @@
           <a:p>
             <a:pPr algn="ctr"/>
             <a:r>
-              <a:rPr lang="en-US" dirty="0" smtClean="0"/>
+              <a:rPr lang="en-US" dirty="0"/>
               <a:t>Over Method Implementations</a:t>
             </a:r>
-            <a:endParaRPr lang="en-US" dirty="0"/>
           </a:p>
         </p:txBody>
       </p:sp>
@@ -12614,10 +12121,9 @@
             <a:p>
               <a:pPr algn="ctr"/>
               <a:r>
-                <a:rPr lang="en-US" dirty="0" smtClean="0"/>
+                <a:rPr lang="en-US" dirty="0"/>
                 <a:t>Mixed Data</a:t>
               </a:r>
-              <a:endParaRPr lang="en-US" dirty="0"/>
             </a:p>
           </p:txBody>
         </p:sp>
@@ -12656,10 +12162,9 @@
             <a:p>
               <a:pPr algn="ctr"/>
               <a:r>
-                <a:rPr lang="en-US" dirty="0" smtClean="0"/>
+                <a:rPr lang="en-US" dirty="0"/>
                 <a:t>Data Representations</a:t>
               </a:r>
-              <a:endParaRPr lang="en-US" dirty="0"/>
             </a:p>
           </p:txBody>
         </p:sp>
@@ -12704,10 +12209,9 @@
             <a:p>
               <a:pPr algn="ctr"/>
               <a:r>
-                <a:rPr lang="en-US" dirty="0" smtClean="0"/>
+                <a:rPr lang="en-US" dirty="0"/>
                 <a:t>Basics</a:t>
               </a:r>
-              <a:endParaRPr lang="en-US" dirty="0"/>
             </a:p>
           </p:txBody>
         </p:sp>
@@ -12752,10 +12256,9 @@
             <a:p>
               <a:pPr algn="ctr"/>
               <a:r>
-                <a:rPr lang="en-US" dirty="0" smtClean="0"/>
+                <a:rPr lang="en-US" dirty="0"/>
                 <a:t>Recursive Data</a:t>
               </a:r>
-              <a:endParaRPr lang="en-US" dirty="0"/>
             </a:p>
           </p:txBody>
         </p:sp>
@@ -12800,10 +12303,9 @@
             <a:p>
               <a:pPr algn="ctr"/>
               <a:r>
-                <a:rPr lang="en-US" dirty="0" smtClean="0"/>
+                <a:rPr lang="en-US" dirty="0"/>
                 <a:t>Functional Data</a:t>
               </a:r>
-              <a:endParaRPr lang="en-US" dirty="0"/>
             </a:p>
           </p:txBody>
         </p:sp>
@@ -12848,10 +12350,9 @@
             <a:p>
               <a:pPr algn="ctr"/>
               <a:r>
-                <a:rPr lang="en-US" dirty="0" smtClean="0"/>
+                <a:rPr lang="en-US" dirty="0"/>
                 <a:t>Objects &amp; Classes</a:t>
               </a:r>
-              <a:endParaRPr lang="en-US" dirty="0"/>
             </a:p>
           </p:txBody>
         </p:sp>
@@ -12896,14 +12397,13 @@
             <a:p>
               <a:pPr algn="ctr"/>
               <a:r>
-                <a:rPr lang="en-US" dirty="0" err="1" smtClean="0"/>
+                <a:rPr lang="en-US" dirty="0" err="1"/>
                 <a:t>Stateful</a:t>
               </a:r>
               <a:r>
-                <a:rPr lang="en-US" dirty="0" smtClean="0"/>
+                <a:rPr lang="en-US" dirty="0"/>
                 <a:t> Objects</a:t>
               </a:r>
-              <a:endParaRPr lang="en-US" dirty="0"/>
             </a:p>
           </p:txBody>
         </p:sp>
@@ -13029,10 +12529,9 @@
             <a:p>
               <a:pPr algn="ctr"/>
               <a:r>
-                <a:rPr lang="en-US" dirty="0" smtClean="0"/>
+                <a:rPr lang="en-US" dirty="0"/>
                 <a:t>Design Strategies</a:t>
               </a:r>
-              <a:endParaRPr lang="en-US" dirty="0"/>
             </a:p>
           </p:txBody>
         </p:sp>
@@ -13077,10 +12576,9 @@
             <a:p>
               <a:pPr algn="ctr"/>
               <a:r>
-                <a:rPr lang="en-US" dirty="0" smtClean="0"/>
+                <a:rPr lang="en-US" dirty="0"/>
                 <a:t>Combine simpler functions</a:t>
               </a:r>
-              <a:endParaRPr lang="en-US" dirty="0"/>
             </a:p>
           </p:txBody>
         </p:sp>
@@ -13125,10 +12623,9 @@
             <a:p>
               <a:pPr algn="ctr"/>
               <a:r>
-                <a:rPr lang="en-US" dirty="0" smtClean="0"/>
+                <a:rPr lang="en-US" dirty="0"/>
                 <a:t>Use a template</a:t>
               </a:r>
-              <a:endParaRPr lang="en-US" dirty="0"/>
             </a:p>
           </p:txBody>
         </p:sp>
@@ -13173,10 +12670,9 @@
             <a:p>
               <a:pPr algn="ctr"/>
               <a:r>
-                <a:rPr lang="en-US" dirty="0" smtClean="0"/>
+                <a:rPr lang="en-US" dirty="0"/>
                 <a:t>Divide into Cases</a:t>
               </a:r>
-              <a:endParaRPr lang="en-US" dirty="0"/>
             </a:p>
           </p:txBody>
         </p:sp>
@@ -13221,10 +12717,9 @@
             <a:p>
               <a:pPr algn="ctr"/>
               <a:r>
-                <a:rPr lang="en-US" dirty="0" smtClean="0"/>
+                <a:rPr lang="en-US" dirty="0"/>
                 <a:t>Call a more general function</a:t>
               </a:r>
-              <a:endParaRPr lang="en-US" dirty="0"/>
             </a:p>
           </p:txBody>
         </p:sp>
@@ -13269,10 +12764,9 @@
             <a:p>
               <a:pPr algn="ctr"/>
               <a:r>
-                <a:rPr lang="en-US" dirty="0" smtClean="0"/>
+                <a:rPr lang="en-US" dirty="0"/>
                 <a:t>Communicate via State</a:t>
               </a:r>
-              <a:endParaRPr lang="en-US" dirty="0"/>
             </a:p>
           </p:txBody>
         </p:sp>
@@ -13647,7 +13141,7 @@
           <a:p>
             <a:pPr algn="ctr"/>
             <a:r>
-              <a:rPr lang="en-US" sz="4400" dirty="0" smtClean="0"/>
+              <a:rPr lang="en-US" sz="4400" dirty="0"/>
               <a:t>Module 07</a:t>
             </a:r>
             <a:endParaRPr lang="en-US" sz="4400" dirty="0">
@@ -13837,13 +13331,6 @@
   <p:clrMapOvr>
     <a:masterClrMapping/>
   </p:clrMapOvr>
-  <p:timing>
-    <p:tnLst>
-      <p:par>
-        <p:cTn id="1" dur="indefinite" restart="never" nodeType="tmRoot"/>
-      </p:par>
-    </p:tnLst>
-  </p:timing>
 </p:sld>
 </file>
 
@@ -13880,10 +13367,9 @@
           <a:lstStyle/>
           <a:p>
             <a:r>
-              <a:rPr lang="en-US" dirty="0" smtClean="0"/>
+              <a:rPr lang="en-US" dirty="0"/>
               <a:t>Lesson Introduction</a:t>
             </a:r>
-            <a:endParaRPr lang="en-US" dirty="0"/>
           </a:p>
         </p:txBody>
       </p:sp>
@@ -13905,22 +13391,21 @@
           <a:lstStyle/>
           <a:p>
             <a:r>
-              <a:rPr lang="en-US" dirty="0" smtClean="0"/>
+              <a:rPr lang="en-US" dirty="0"/>
               <a:t>In Module 5, we learned about generalizing functions in order to avoid code duplication and establish single points of control.</a:t>
             </a:r>
           </a:p>
           <a:p>
             <a:r>
-              <a:rPr lang="en-US" dirty="0" smtClean="0"/>
+              <a:rPr lang="en-US" dirty="0"/>
               <a:t>In this lesson, we'll extend those techniques to situations where the problem itself demands to be generalized before you can solve it.</a:t>
             </a:r>
           </a:p>
           <a:p>
             <a:r>
-              <a:rPr lang="en-US" dirty="0" smtClean="0"/>
+              <a:rPr lang="en-US" dirty="0"/>
               <a:t>Let's look at an example.</a:t>
             </a:r>
-            <a:endParaRPr lang="en-US" dirty="0"/>
           </a:p>
         </p:txBody>
       </p:sp>
@@ -13957,13 +13442,6 @@
   <p:clrMapOvr>
     <a:masterClrMapping/>
   </p:clrMapOvr>
-  <p:timing>
-    <p:tnLst>
-      <p:par>
-        <p:cTn id="1" dur="indefinite" restart="never" nodeType="tmRoot"/>
-      </p:par>
-    </p:tnLst>
-  </p:timing>
 </p:sld>
 </file>
 
@@ -14000,10 +13478,9 @@
           <a:lstStyle/>
           <a:p>
             <a:r>
-              <a:rPr lang="en-US" dirty="0" smtClean="0"/>
+              <a:rPr lang="en-US" dirty="0"/>
               <a:t>Example 1: number-list</a:t>
             </a:r>
-            <a:endParaRPr lang="en-US" dirty="0"/>
           </a:p>
         </p:txBody>
       </p:sp>
@@ -14031,34 +13508,34 @@
               <a:buNone/>
             </a:pPr>
             <a:r>
-              <a:rPr lang="en-US" sz="2400" b="1" dirty="0" smtClean="0">
+              <a:rPr lang="en-US" sz="2400" b="1" dirty="0">
                 <a:latin typeface="Consolas" pitchFamily="49" charset="0"/>
                 <a:cs typeface="Consolas" pitchFamily="49" charset="0"/>
               </a:rPr>
               <a:t>number-list : </a:t>
             </a:r>
             <a:r>
-              <a:rPr lang="en-US" sz="2400" b="1" dirty="0" err="1" smtClean="0">
+              <a:rPr lang="en-US" sz="2400" b="1" dirty="0" err="1">
                 <a:latin typeface="Consolas" pitchFamily="49" charset="0"/>
                 <a:cs typeface="Consolas" pitchFamily="49" charset="0"/>
               </a:rPr>
               <a:t>ListOfX</a:t>
             </a:r>
             <a:r>
-              <a:rPr lang="en-US" sz="2400" b="1" dirty="0" smtClean="0">
+              <a:rPr lang="en-US" sz="2400" b="1" dirty="0">
                 <a:latin typeface="Consolas" pitchFamily="49" charset="0"/>
                 <a:cs typeface="Consolas" pitchFamily="49" charset="0"/>
               </a:rPr>
               <a:t> -&gt; </a:t>
             </a:r>
             <a:r>
-              <a:rPr lang="en-US" sz="2400" b="1" dirty="0" err="1" smtClean="0">
+              <a:rPr lang="en-US" sz="2400" b="1" dirty="0" err="1">
                 <a:latin typeface="Consolas" pitchFamily="49" charset="0"/>
                 <a:cs typeface="Consolas" pitchFamily="49" charset="0"/>
               </a:rPr>
               <a:t>NumberedListOfX</a:t>
             </a:r>
-            <a:endParaRPr lang="en-US" sz="2400" b="1" dirty="0" smtClean="0">
+            <a:endParaRPr lang="en-US" sz="2400" b="1" dirty="0">
               <a:latin typeface="Consolas" pitchFamily="49" charset="0"/>
               <a:cs typeface="Consolas" pitchFamily="49" charset="0"/>
             </a:endParaRPr>
@@ -14071,7 +13548,7 @@
               <a:buNone/>
             </a:pPr>
             <a:r>
-              <a:rPr lang="en-US" sz="2400" b="1" dirty="0" smtClean="0">
+              <a:rPr lang="en-US" sz="2400" b="1" dirty="0">
                 <a:latin typeface="Consolas" pitchFamily="49" charset="0"/>
                 <a:cs typeface="Consolas" pitchFamily="49" charset="0"/>
               </a:rPr>
@@ -14086,7 +13563,7 @@
               <a:buNone/>
             </a:pPr>
             <a:r>
-              <a:rPr lang="en-US" sz="2400" b="1" dirty="0" smtClean="0">
+              <a:rPr lang="en-US" sz="2400" b="1" dirty="0">
                 <a:latin typeface="Consolas" pitchFamily="49" charset="0"/>
                 <a:cs typeface="Consolas" pitchFamily="49" charset="0"/>
               </a:rPr>
@@ -14105,76 +13582,65 @@
                 <a:latin typeface="Consolas" pitchFamily="49" charset="0"/>
                 <a:cs typeface="Consolas" pitchFamily="49" charset="0"/>
               </a:rPr>
-              <a:t> </a:t>
-            </a:r>
-            <a:r>
-              <a:rPr lang="en-US" sz="2400" b="1" dirty="0" smtClean="0">
-                <a:latin typeface="Consolas" pitchFamily="49" charset="0"/>
-                <a:cs typeface="Consolas" pitchFamily="49" charset="0"/>
-              </a:rPr>
-              <a:t>  from 1</a:t>
+              <a:t>   from 1</a:t>
             </a:r>
           </a:p>
           <a:p>
             <a:pPr>
               <a:buNone/>
             </a:pPr>
-            <a:endParaRPr lang="en-US" sz="2400" b="1" dirty="0" smtClean="0">
-              <a:latin typeface="Consolas" pitchFamily="49" charset="0"/>
-              <a:cs typeface="Consolas" pitchFamily="49" charset="0"/>
-            </a:endParaRPr>
-          </a:p>
-          <a:p>
-            <a:pPr>
-              <a:buNone/>
-            </a:pPr>
-            <a:r>
-              <a:rPr lang="en-US" sz="2400" b="1" dirty="0" smtClean="0">
-                <a:latin typeface="Consolas" pitchFamily="49" charset="0"/>
-                <a:cs typeface="Consolas" pitchFamily="49" charset="0"/>
-              </a:rPr>
-              <a:t>(number-list (list 22 44 33)) </a:t>
-            </a:r>
-          </a:p>
-          <a:p>
-            <a:pPr>
-              <a:buNone/>
-            </a:pPr>
-            <a:r>
-              <a:rPr lang="en-US" sz="2400" b="1" dirty="0" smtClean="0">
-                <a:latin typeface="Consolas" pitchFamily="49" charset="0"/>
-                <a:cs typeface="Consolas" pitchFamily="49" charset="0"/>
-              </a:rPr>
-              <a:t>  = (list (list 1 22) (list 2 44) (list 3 33))</a:t>
-            </a:r>
-          </a:p>
-          <a:p>
-            <a:pPr>
-              <a:buNone/>
-            </a:pPr>
-            <a:r>
-              <a:rPr lang="en-US" sz="2400" b="1" dirty="0" smtClean="0">
-                <a:latin typeface="Consolas" pitchFamily="49" charset="0"/>
-                <a:cs typeface="Consolas" pitchFamily="49" charset="0"/>
-              </a:rPr>
-              <a:t>(number-list    (list 44 33)) </a:t>
-            </a:r>
-          </a:p>
-          <a:p>
-            <a:pPr>
-              <a:buNone/>
-            </a:pPr>
-            <a:r>
-              <a:rPr lang="en-US" sz="2400" b="1" dirty="0" smtClean="0">
-                <a:latin typeface="Consolas" pitchFamily="49" charset="0"/>
-                <a:cs typeface="Consolas" pitchFamily="49" charset="0"/>
-              </a:rPr>
-              <a:t>  = (list (list 1 44) (list 2 33))</a:t>
-            </a:r>
             <a:endParaRPr lang="en-US" sz="2400" b="1" dirty="0">
               <a:latin typeface="Consolas" pitchFamily="49" charset="0"/>
               <a:cs typeface="Consolas" pitchFamily="49" charset="0"/>
             </a:endParaRPr>
+          </a:p>
+          <a:p>
+            <a:pPr>
+              <a:buNone/>
+            </a:pPr>
+            <a:r>
+              <a:rPr lang="en-US" sz="2400" b="1" dirty="0">
+                <a:latin typeface="Consolas" pitchFamily="49" charset="0"/>
+                <a:cs typeface="Consolas" pitchFamily="49" charset="0"/>
+              </a:rPr>
+              <a:t>(number-list (list 22 44 33)) </a:t>
+            </a:r>
+          </a:p>
+          <a:p>
+            <a:pPr>
+              <a:buNone/>
+            </a:pPr>
+            <a:r>
+              <a:rPr lang="en-US" sz="2400" b="1" dirty="0">
+                <a:latin typeface="Consolas" pitchFamily="49" charset="0"/>
+                <a:cs typeface="Consolas" pitchFamily="49" charset="0"/>
+              </a:rPr>
+              <a:t>  = (list (list 1 22) (list 2 44) (list 3 33))</a:t>
+            </a:r>
+          </a:p>
+          <a:p>
+            <a:pPr>
+              <a:buNone/>
+            </a:pPr>
+            <a:r>
+              <a:rPr lang="en-US" sz="2400" b="1" dirty="0">
+                <a:latin typeface="Consolas" pitchFamily="49" charset="0"/>
+                <a:cs typeface="Consolas" pitchFamily="49" charset="0"/>
+              </a:rPr>
+              <a:t>(number-list    (list 44 33)) </a:t>
+            </a:r>
+          </a:p>
+          <a:p>
+            <a:pPr>
+              <a:buNone/>
+            </a:pPr>
+            <a:r>
+              <a:rPr lang="en-US" sz="2400" b="1" dirty="0">
+                <a:latin typeface="Consolas" pitchFamily="49" charset="0"/>
+                <a:cs typeface="Consolas" pitchFamily="49" charset="0"/>
+              </a:rPr>
+              <a:t>  = (list (list 1 44) (list 2 33))</a:t>
+            </a:r>
           </a:p>
         </p:txBody>
       </p:sp>
@@ -14255,21 +13721,8 @@
                   <a:schemeClr val="tx1"/>
                 </a:solidFill>
               </a:rPr>
-              <a:t>Here's an example of a problem that's hard using structural decomposition</a:t>
-            </a:r>
-            <a:r>
-              <a:rPr lang="en-US" dirty="0" smtClean="0">
-                <a:solidFill>
-                  <a:schemeClr val="tx1"/>
-                </a:solidFill>
-              </a:rPr>
-              <a:t>.</a:t>
-            </a:r>
-            <a:endParaRPr lang="en-US" dirty="0">
-              <a:solidFill>
-                <a:schemeClr val="tx1"/>
-              </a:solidFill>
-            </a:endParaRPr>
+              <a:t>Here's an example of a problem that's hard using structural decomposition.</a:t>
+            </a:r>
           </a:p>
         </p:txBody>
       </p:sp>
@@ -14283,13 +13736,6 @@
   <p:clrMapOvr>
     <a:masterClrMapping/>
   </p:clrMapOvr>
-  <p:timing>
-    <p:tnLst>
-      <p:par>
-        <p:cTn id="1" dur="indefinite" restart="never" nodeType="tmRoot"/>
-      </p:par>
-    </p:tnLst>
-  </p:timing>
 </p:sld>
 </file>
 
@@ -14326,10 +13772,9 @@
           <a:lstStyle/>
           <a:p>
             <a:r>
-              <a:rPr lang="en-US" dirty="0" smtClean="0"/>
+              <a:rPr lang="en-US" dirty="0"/>
               <a:t>Example 1: number-list</a:t>
             </a:r>
-            <a:endParaRPr lang="en-US" dirty="0"/>
           </a:p>
         </p:txBody>
       </p:sp>
@@ -14372,64 +13817,50 @@
                 <a:latin typeface="Consolas" pitchFamily="49" charset="0"/>
                 <a:cs typeface="Consolas" pitchFamily="49" charset="0"/>
               </a:rPr>
-              <a:t> </a:t>
-            </a:r>
-            <a:r>
-              <a:rPr lang="en-US" sz="2400" b="1" dirty="0" smtClean="0">
-                <a:latin typeface="Consolas" pitchFamily="49" charset="0"/>
-                <a:cs typeface="Consolas" pitchFamily="49" charset="0"/>
-              </a:rPr>
-              <a:t>      is </a:t>
+              <a:t>       is a (list </a:t>
+            </a:r>
+            <a:r>
+              <a:rPr lang="en-US" sz="2400" b="1" dirty="0" err="1">
+                <a:latin typeface="Consolas" pitchFamily="49" charset="0"/>
+                <a:cs typeface="Consolas" pitchFamily="49" charset="0"/>
+              </a:rPr>
+              <a:t>Int</a:t>
             </a:r>
             <a:r>
               <a:rPr lang="en-US" sz="2400" b="1" dirty="0">
                 <a:latin typeface="Consolas" pitchFamily="49" charset="0"/>
                 <a:cs typeface="Consolas" pitchFamily="49" charset="0"/>
               </a:rPr>
-              <a:t>a (list </a:t>
+              <a:t> X)</a:t>
+            </a:r>
+          </a:p>
+          <a:p>
+            <a:pPr>
+              <a:buNone/>
+            </a:pPr>
+            <a:r>
+              <a:rPr lang="en-US" sz="2400" b="1" dirty="0">
+                <a:latin typeface="Consolas" pitchFamily="49" charset="0"/>
+                <a:cs typeface="Consolas" pitchFamily="49" charset="0"/>
+              </a:rPr>
+              <a:t>A </a:t>
             </a:r>
             <a:r>
               <a:rPr lang="en-US" sz="2400" b="1" dirty="0" err="1">
                 <a:latin typeface="Consolas" pitchFamily="49" charset="0"/>
                 <a:cs typeface="Consolas" pitchFamily="49" charset="0"/>
               </a:rPr>
-              <a:t>Int</a:t>
+              <a:t>NumberedListOfX</a:t>
             </a:r>
             <a:r>
               <a:rPr lang="en-US" sz="2400" b="1" dirty="0">
                 <a:latin typeface="Consolas" pitchFamily="49" charset="0"/>
                 <a:cs typeface="Consolas" pitchFamily="49" charset="0"/>
               </a:rPr>
-              <a:t> X)</a:t>
-            </a:r>
-          </a:p>
-          <a:p>
-            <a:pPr>
-              <a:buNone/>
-            </a:pPr>
-            <a:r>
-              <a:rPr lang="en-US" sz="2400" b="1" dirty="0">
-                <a:latin typeface="Consolas" pitchFamily="49" charset="0"/>
-                <a:cs typeface="Consolas" pitchFamily="49" charset="0"/>
-              </a:rPr>
-              <a:t>A </a:t>
+              <a:t> is a </a:t>
             </a:r>
             <a:r>
               <a:rPr lang="en-US" sz="2400" b="1" dirty="0" err="1">
-                <a:latin typeface="Consolas" pitchFamily="49" charset="0"/>
-                <a:cs typeface="Consolas" pitchFamily="49" charset="0"/>
-              </a:rPr>
-              <a:t>NumberedListOfX</a:t>
-            </a:r>
-            <a:r>
-              <a:rPr lang="en-US" sz="2400" b="1" dirty="0">
-                <a:latin typeface="Consolas" pitchFamily="49" charset="0"/>
-                <a:cs typeface="Consolas" pitchFamily="49" charset="0"/>
-              </a:rPr>
-              <a:t> is a </a:t>
-            </a:r>
-            <a:r>
-              <a:rPr lang="en-US" sz="2400" b="1" dirty="0" err="1" smtClean="0">
                 <a:latin typeface="Consolas" pitchFamily="49" charset="0"/>
                 <a:cs typeface="Consolas" pitchFamily="49" charset="0"/>
               </a:rPr>
@@ -14444,7 +13875,7 @@
             <a:pPr>
               <a:buNone/>
             </a:pPr>
-            <a:endParaRPr lang="en-US" sz="2400" b="1" dirty="0" smtClean="0">
+            <a:endParaRPr lang="en-US" sz="2400" b="1" dirty="0">
               <a:latin typeface="Consolas" pitchFamily="49" charset="0"/>
               <a:cs typeface="Consolas" pitchFamily="49" charset="0"/>
             </a:endParaRPr>
@@ -14454,7 +13885,7 @@
               <a:buNone/>
             </a:pPr>
             <a:r>
-              <a:rPr lang="en-US" sz="2400" b="1" dirty="0" smtClean="0">
+              <a:rPr lang="en-US" sz="2400" b="1" dirty="0">
                 <a:latin typeface="Consolas" pitchFamily="49" charset="0"/>
                 <a:cs typeface="Consolas" pitchFamily="49" charset="0"/>
               </a:rPr>
@@ -14466,34 +13897,34 @@
               <a:buNone/>
             </a:pPr>
             <a:r>
-              <a:rPr lang="en-US" sz="2400" b="1" dirty="0" smtClean="0">
+              <a:rPr lang="en-US" sz="2400" b="1" dirty="0">
                 <a:latin typeface="Consolas" pitchFamily="49" charset="0"/>
                 <a:cs typeface="Consolas" pitchFamily="49" charset="0"/>
               </a:rPr>
               <a:t>(list 14 "</a:t>
             </a:r>
             <a:r>
-              <a:rPr lang="en-US" sz="2400" b="1" dirty="0" err="1" smtClean="0">
+              <a:rPr lang="en-US" sz="2400" b="1" dirty="0" err="1">
                 <a:latin typeface="Consolas" pitchFamily="49" charset="0"/>
                 <a:cs typeface="Consolas" pitchFamily="49" charset="0"/>
               </a:rPr>
               <a:t>abc</a:t>
             </a:r>
             <a:r>
-              <a:rPr lang="en-US" sz="2400" b="1" dirty="0" smtClean="0">
+              <a:rPr lang="en-US" sz="2400" b="1" dirty="0">
                 <a:latin typeface="Consolas" pitchFamily="49" charset="0"/>
                 <a:cs typeface="Consolas" pitchFamily="49" charset="0"/>
               </a:rPr>
               <a:t>") is a </a:t>
             </a:r>
             <a:r>
-              <a:rPr lang="en-US" sz="2400" b="1" dirty="0" err="1" smtClean="0">
+              <a:rPr lang="en-US" sz="2400" b="1" dirty="0" err="1">
                 <a:latin typeface="Consolas" pitchFamily="49" charset="0"/>
                 <a:cs typeface="Consolas" pitchFamily="49" charset="0"/>
               </a:rPr>
               <a:t>NumberedString</a:t>
             </a:r>
-            <a:endParaRPr lang="en-US" sz="2400" b="1" dirty="0" smtClean="0">
+            <a:endParaRPr lang="en-US" sz="2400" b="1" dirty="0">
               <a:latin typeface="Consolas" pitchFamily="49" charset="0"/>
               <a:cs typeface="Consolas" pitchFamily="49" charset="0"/>
             </a:endParaRPr>
@@ -14503,20 +13934,20 @@
               <a:buNone/>
             </a:pPr>
             <a:r>
-              <a:rPr lang="en-US" sz="2400" b="1" dirty="0" smtClean="0">
+              <a:rPr lang="en-US" sz="2400" b="1" dirty="0">
                 <a:latin typeface="Consolas" pitchFamily="49" charset="0"/>
                 <a:cs typeface="Consolas" pitchFamily="49" charset="0"/>
               </a:rPr>
               <a:t>(list 36 "u")   is a </a:t>
             </a:r>
             <a:r>
-              <a:rPr lang="en-US" sz="2400" b="1" dirty="0" err="1" smtClean="0">
+              <a:rPr lang="en-US" sz="2400" b="1" dirty="0" err="1">
                 <a:latin typeface="Consolas" pitchFamily="49" charset="0"/>
                 <a:cs typeface="Consolas" pitchFamily="49" charset="0"/>
               </a:rPr>
               <a:t>NumberedString</a:t>
             </a:r>
-            <a:endParaRPr lang="en-US" sz="2400" b="1" dirty="0" smtClean="0">
+            <a:endParaRPr lang="en-US" sz="2400" b="1" dirty="0">
               <a:latin typeface="Consolas" pitchFamily="49" charset="0"/>
               <a:cs typeface="Consolas" pitchFamily="49" charset="0"/>
             </a:endParaRPr>
@@ -14526,7 +13957,7 @@
               <a:buNone/>
             </a:pPr>
             <a:r>
-              <a:rPr lang="en-US" sz="2400" b="1" dirty="0" smtClean="0">
+              <a:rPr lang="en-US" sz="2400" b="1" dirty="0">
                 <a:latin typeface="Consolas" pitchFamily="49" charset="0"/>
                 <a:cs typeface="Consolas" pitchFamily="49" charset="0"/>
               </a:rPr>
@@ -14542,24 +13973,17 @@
                 <a:latin typeface="Consolas" pitchFamily="49" charset="0"/>
                 <a:cs typeface="Consolas" pitchFamily="49" charset="0"/>
               </a:rPr>
-              <a:t> </a:t>
-            </a:r>
-            <a:r>
-              <a:rPr lang="en-US" sz="2400" b="1" dirty="0" smtClean="0">
-                <a:latin typeface="Consolas" pitchFamily="49" charset="0"/>
-                <a:cs typeface="Consolas" pitchFamily="49" charset="0"/>
-              </a:rPr>
-              <a:t> (list 14 "</a:t>
-            </a:r>
-            <a:r>
-              <a:rPr lang="en-US" sz="2400" b="1" dirty="0" err="1" smtClean="0">
+              <a:t>  (list 14 "</a:t>
+            </a:r>
+            <a:r>
+              <a:rPr lang="en-US" sz="2400" b="1" dirty="0" err="1">
                 <a:latin typeface="Consolas" pitchFamily="49" charset="0"/>
                 <a:cs typeface="Consolas" pitchFamily="49" charset="0"/>
               </a:rPr>
               <a:t>abc</a:t>
             </a:r>
             <a:r>
-              <a:rPr lang="en-US" sz="2400" b="1" dirty="0" smtClean="0">
+              <a:rPr lang="en-US" sz="2400" b="1" dirty="0">
                 <a:latin typeface="Consolas" pitchFamily="49" charset="0"/>
                 <a:cs typeface="Consolas" pitchFamily="49" charset="0"/>
               </a:rPr>
@@ -14575,14 +13999,7 @@
                 <a:latin typeface="Consolas" pitchFamily="49" charset="0"/>
                 <a:cs typeface="Consolas" pitchFamily="49" charset="0"/>
               </a:rPr>
-              <a:t> </a:t>
-            </a:r>
-            <a:r>
-              <a:rPr lang="en-US" sz="2400" b="1" dirty="0" smtClean="0">
-                <a:latin typeface="Consolas" pitchFamily="49" charset="0"/>
-                <a:cs typeface="Consolas" pitchFamily="49" charset="0"/>
-              </a:rPr>
-              <a:t> (list 36 "u")</a:t>
+              <a:t>  (list 36 "u")</a:t>
             </a:r>
           </a:p>
           <a:p>
@@ -14594,37 +14011,30 @@
                 <a:latin typeface="Consolas" pitchFamily="49" charset="0"/>
                 <a:cs typeface="Consolas" pitchFamily="49" charset="0"/>
               </a:rPr>
-              <a:t> </a:t>
-            </a:r>
-            <a:r>
-              <a:rPr lang="en-US" sz="2400" b="1" dirty="0" smtClean="0">
-                <a:latin typeface="Consolas" pitchFamily="49" charset="0"/>
-                <a:cs typeface="Consolas" pitchFamily="49" charset="0"/>
-              </a:rPr>
-              <a:t> (list 14 "</a:t>
-            </a:r>
-            <a:r>
-              <a:rPr lang="en-US" sz="2400" b="1" dirty="0" err="1" smtClean="0">
+              <a:t>  (list 14 "</a:t>
+            </a:r>
+            <a:r>
+              <a:rPr lang="en-US" sz="2400" b="1" dirty="0" err="1">
                 <a:latin typeface="Consolas" pitchFamily="49" charset="0"/>
                 <a:cs typeface="Consolas" pitchFamily="49" charset="0"/>
               </a:rPr>
               <a:t>abc</a:t>
             </a:r>
             <a:r>
-              <a:rPr lang="en-US" sz="2400" b="1" dirty="0" smtClean="0">
+              <a:rPr lang="en-US" sz="2400" b="1" dirty="0">
                 <a:latin typeface="Consolas" pitchFamily="49" charset="0"/>
                 <a:cs typeface="Consolas" pitchFamily="49" charset="0"/>
               </a:rPr>
               <a:t>"))   is a </a:t>
             </a:r>
             <a:r>
-              <a:rPr lang="en-US" sz="2400" b="1" dirty="0" err="1" smtClean="0">
+              <a:rPr lang="en-US" sz="2400" b="1" dirty="0" err="1">
                 <a:latin typeface="Consolas" pitchFamily="49" charset="0"/>
                 <a:cs typeface="Consolas" pitchFamily="49" charset="0"/>
               </a:rPr>
               <a:t>NumberedListofString</a:t>
             </a:r>
-            <a:endParaRPr lang="en-US" sz="2400" b="1" dirty="0" smtClean="0">
+            <a:endParaRPr lang="en-US" sz="2400" b="1" dirty="0">
               <a:latin typeface="Consolas" pitchFamily="49" charset="0"/>
               <a:cs typeface="Consolas" pitchFamily="49" charset="0"/>
             </a:endParaRPr>
@@ -14701,18 +14111,13 @@
           <a:p>
             <a:pPr algn="ctr"/>
             <a:r>
-              <a:rPr lang="en-US" sz="2000" dirty="0" smtClean="0">
+              <a:rPr lang="en-US" sz="2000" dirty="0">
                 <a:solidFill>
                   <a:schemeClr val="tx1"/>
                 </a:solidFill>
               </a:rPr>
               <a:t>Here are the data definitions for this problem </a:t>
             </a:r>
-            <a:endParaRPr lang="en-US" sz="2000" dirty="0">
-              <a:solidFill>
-                <a:schemeClr val="tx1"/>
-              </a:solidFill>
-            </a:endParaRPr>
           </a:p>
         </p:txBody>
       </p:sp>
@@ -14726,13 +14131,6 @@
   <p:clrMapOvr>
     <a:masterClrMapping/>
   </p:clrMapOvr>
-  <p:timing>
-    <p:tnLst>
-      <p:par>
-        <p:cTn id="1" dur="indefinite" restart="never" nodeType="tmRoot"/>
-      </p:par>
-    </p:tnLst>
-  </p:timing>
 </p:sld>
 </file>
 
@@ -14771,11 +14169,11 @@
           <a:lstStyle/>
           <a:p>
             <a:r>
-              <a:rPr lang="en-US" dirty="0" smtClean="0"/>
+              <a:rPr lang="en-US" dirty="0"/>
               <a:t>Let's try using the template for </a:t>
             </a:r>
             <a:r>
-              <a:rPr lang="en-US" dirty="0" err="1" smtClean="0"/>
+              <a:rPr lang="en-US" dirty="0" err="1"/>
               <a:t>ListOfX</a:t>
             </a:r>
             <a:endParaRPr lang="en-US" dirty="0"/>
@@ -14803,21 +14201,21 @@
               <a:buNone/>
             </a:pPr>
             <a:r>
-              <a:rPr lang="en-US" sz="2400" b="1" dirty="0" smtClean="0">
+              <a:rPr lang="en-US" sz="2400" b="1" dirty="0">
                 <a:latin typeface="Consolas" pitchFamily="49" charset="0"/>
                 <a:cs typeface="Consolas" pitchFamily="49" charset="0"/>
               </a:rPr>
               <a:t>(define (number-list </a:t>
             </a:r>
             <a:r>
-              <a:rPr lang="en-US" sz="2400" b="1" dirty="0" err="1" smtClean="0">
+              <a:rPr lang="en-US" sz="2400" b="1" dirty="0" err="1">
                 <a:latin typeface="Consolas" pitchFamily="49" charset="0"/>
                 <a:cs typeface="Consolas" pitchFamily="49" charset="0"/>
               </a:rPr>
               <a:t>lst</a:t>
             </a:r>
             <a:r>
-              <a:rPr lang="en-US" sz="2400" b="1" dirty="0" smtClean="0">
+              <a:rPr lang="en-US" sz="2400" b="1" dirty="0">
                 <a:latin typeface="Consolas" pitchFamily="49" charset="0"/>
                 <a:cs typeface="Consolas" pitchFamily="49" charset="0"/>
               </a:rPr>
@@ -14829,20 +14227,20 @@
               <a:buNone/>
             </a:pPr>
             <a:r>
-              <a:rPr lang="en-US" sz="2400" b="1" dirty="0" smtClean="0">
+              <a:rPr lang="en-US" sz="2400" b="1" dirty="0">
                 <a:latin typeface="Consolas" pitchFamily="49" charset="0"/>
                 <a:cs typeface="Consolas" pitchFamily="49" charset="0"/>
               </a:rPr>
               <a:t>  (</a:t>
             </a:r>
             <a:r>
-              <a:rPr lang="en-US" sz="2400" b="1" dirty="0" err="1" smtClean="0">
+              <a:rPr lang="en-US" sz="2400" b="1" dirty="0" err="1">
                 <a:latin typeface="Consolas" pitchFamily="49" charset="0"/>
                 <a:cs typeface="Consolas" pitchFamily="49" charset="0"/>
               </a:rPr>
               <a:t>cond</a:t>
             </a:r>
-            <a:endParaRPr lang="en-US" sz="2400" b="1" dirty="0" smtClean="0">
+            <a:endParaRPr lang="en-US" sz="2400" b="1" dirty="0">
               <a:latin typeface="Consolas" pitchFamily="49" charset="0"/>
               <a:cs typeface="Consolas" pitchFamily="49" charset="0"/>
             </a:endParaRPr>
@@ -14852,21 +14250,21 @@
               <a:buNone/>
             </a:pPr>
             <a:r>
-              <a:rPr lang="en-US" sz="2400" b="1" dirty="0" smtClean="0">
+              <a:rPr lang="en-US" sz="2400" b="1" dirty="0">
                 <a:latin typeface="Consolas" pitchFamily="49" charset="0"/>
                 <a:cs typeface="Consolas" pitchFamily="49" charset="0"/>
               </a:rPr>
               <a:t>    [(empty? </a:t>
             </a:r>
             <a:r>
-              <a:rPr lang="en-US" sz="2400" b="1" dirty="0" err="1" smtClean="0">
+              <a:rPr lang="en-US" sz="2400" b="1" dirty="0" err="1">
                 <a:latin typeface="Consolas" pitchFamily="49" charset="0"/>
                 <a:cs typeface="Consolas" pitchFamily="49" charset="0"/>
               </a:rPr>
               <a:t>lst</a:t>
             </a:r>
             <a:r>
-              <a:rPr lang="en-US" sz="2400" b="1" dirty="0" smtClean="0">
+              <a:rPr lang="en-US" sz="2400" b="1" dirty="0">
                 <a:latin typeface="Consolas" pitchFamily="49" charset="0"/>
                 <a:cs typeface="Consolas" pitchFamily="49" charset="0"/>
               </a:rPr>
@@ -14878,7 +14276,7 @@
               <a:buNone/>
             </a:pPr>
             <a:r>
-              <a:rPr lang="en-US" sz="2400" b="1" dirty="0" smtClean="0">
+              <a:rPr lang="en-US" sz="2400" b="1" dirty="0">
                 <a:latin typeface="Consolas" pitchFamily="49" charset="0"/>
                 <a:cs typeface="Consolas" pitchFamily="49" charset="0"/>
               </a:rPr>
@@ -14890,21 +14288,21 @@
               <a:buNone/>
             </a:pPr>
             <a:r>
-              <a:rPr lang="en-US" sz="2400" b="1" dirty="0" smtClean="0">
+              <a:rPr lang="en-US" sz="2400" b="1" dirty="0">
                 <a:latin typeface="Consolas" pitchFamily="49" charset="0"/>
                 <a:cs typeface="Consolas" pitchFamily="49" charset="0"/>
               </a:rPr>
               <a:t>            (list 1 (first </a:t>
             </a:r>
             <a:r>
-              <a:rPr lang="en-US" sz="2400" b="1" dirty="0" err="1" smtClean="0">
+              <a:rPr lang="en-US" sz="2400" b="1" dirty="0" err="1">
                 <a:latin typeface="Consolas" pitchFamily="49" charset="0"/>
                 <a:cs typeface="Consolas" pitchFamily="49" charset="0"/>
               </a:rPr>
               <a:t>lst</a:t>
             </a:r>
             <a:r>
-              <a:rPr lang="en-US" sz="2400" b="1" dirty="0" smtClean="0">
+              <a:rPr lang="en-US" sz="2400" b="1" dirty="0">
                 <a:latin typeface="Consolas" pitchFamily="49" charset="0"/>
                 <a:cs typeface="Consolas" pitchFamily="49" charset="0"/>
               </a:rPr>
@@ -14916,21 +14314,21 @@
               <a:buNone/>
             </a:pPr>
             <a:r>
-              <a:rPr lang="en-US" sz="2400" b="1" dirty="0" smtClean="0">
+              <a:rPr lang="en-US" sz="2400" b="1" dirty="0">
                 <a:latin typeface="Consolas" pitchFamily="49" charset="0"/>
                 <a:cs typeface="Consolas" pitchFamily="49" charset="0"/>
               </a:rPr>
               <a:t>            (number-list (rest </a:t>
             </a:r>
             <a:r>
-              <a:rPr lang="en-US" sz="2400" b="1" dirty="0" err="1" smtClean="0">
+              <a:rPr lang="en-US" sz="2400" b="1" dirty="0" err="1">
                 <a:latin typeface="Consolas" pitchFamily="49" charset="0"/>
                 <a:cs typeface="Consolas" pitchFamily="49" charset="0"/>
               </a:rPr>
               <a:t>lst</a:t>
             </a:r>
             <a:r>
-              <a:rPr lang="en-US" sz="2400" b="1" dirty="0" smtClean="0">
+              <a:rPr lang="en-US" sz="2400" b="1" dirty="0">
                 <a:latin typeface="Consolas" pitchFamily="49" charset="0"/>
                 <a:cs typeface="Consolas" pitchFamily="49" charset="0"/>
               </a:rPr>
@@ -14941,7 +14339,7 @@
             <a:pPr>
               <a:buNone/>
             </a:pPr>
-            <a:endParaRPr lang="en-US" sz="2400" b="1" dirty="0" smtClean="0">
+            <a:endParaRPr lang="en-US" sz="2400" b="1" dirty="0">
               <a:latin typeface="Courier New" pitchFamily="49" charset="0"/>
               <a:cs typeface="Courier New" pitchFamily="49" charset="0"/>
             </a:endParaRPr>
@@ -15027,7 +14425,7 @@
           <a:p>
             <a:pPr algn="ctr"/>
             <a:r>
-              <a:rPr lang="en-US" dirty="0" smtClean="0">
+              <a:rPr lang="en-US" dirty="0">
                 <a:solidFill>
                   <a:schemeClr val="tx1"/>
                 </a:solidFill>
@@ -15084,7 +14482,7 @@
           <a:p>
             <a:pPr algn="ctr"/>
             <a:r>
-              <a:rPr lang="en-US" dirty="0" smtClean="0">
+              <a:rPr lang="en-US" dirty="0">
                 <a:solidFill>
                   <a:schemeClr val="tx1"/>
                 </a:solidFill>
@@ -15280,10 +14678,9 @@
           <a:lstStyle/>
           <a:p>
             <a:r>
-              <a:rPr lang="en-US" dirty="0" smtClean="0"/>
+              <a:rPr lang="en-US" dirty="0"/>
               <a:t>Try #2</a:t>
             </a:r>
-            <a:endParaRPr lang="en-US" dirty="0"/>
           </a:p>
         </p:txBody>
       </p:sp>
@@ -15308,21 +14705,21 @@
               <a:buNone/>
             </a:pPr>
             <a:r>
-              <a:rPr lang="en-US" sz="2400" b="1" dirty="0" smtClean="0">
+              <a:rPr lang="en-US" sz="2400" b="1" dirty="0">
                 <a:latin typeface="Consolas" pitchFamily="49" charset="0"/>
                 <a:cs typeface="Consolas" pitchFamily="49" charset="0"/>
               </a:rPr>
               <a:t>(define (number-list </a:t>
             </a:r>
             <a:r>
-              <a:rPr lang="en-US" sz="2400" b="1" dirty="0" err="1" smtClean="0">
+              <a:rPr lang="en-US" sz="2400" b="1" dirty="0" err="1">
                 <a:latin typeface="Consolas" pitchFamily="49" charset="0"/>
                 <a:cs typeface="Consolas" pitchFamily="49" charset="0"/>
               </a:rPr>
               <a:t>lst</a:t>
             </a:r>
             <a:r>
-              <a:rPr lang="en-US" sz="2400" b="1" dirty="0" smtClean="0">
+              <a:rPr lang="en-US" sz="2400" b="1" dirty="0">
                 <a:latin typeface="Consolas" pitchFamily="49" charset="0"/>
                 <a:cs typeface="Consolas" pitchFamily="49" charset="0"/>
               </a:rPr>
@@ -15334,20 +14731,20 @@
               <a:buNone/>
             </a:pPr>
             <a:r>
-              <a:rPr lang="en-US" sz="2400" b="1" dirty="0" smtClean="0">
+              <a:rPr lang="en-US" sz="2400" b="1" dirty="0">
                 <a:latin typeface="Consolas" pitchFamily="49" charset="0"/>
                 <a:cs typeface="Consolas" pitchFamily="49" charset="0"/>
               </a:rPr>
               <a:t>  (</a:t>
             </a:r>
             <a:r>
-              <a:rPr lang="en-US" sz="2400" b="1" dirty="0" err="1" smtClean="0">
+              <a:rPr lang="en-US" sz="2400" b="1" dirty="0" err="1">
                 <a:latin typeface="Consolas" pitchFamily="49" charset="0"/>
                 <a:cs typeface="Consolas" pitchFamily="49" charset="0"/>
               </a:rPr>
               <a:t>cond</a:t>
             </a:r>
-            <a:endParaRPr lang="en-US" sz="2400" b="1" dirty="0" smtClean="0">
+            <a:endParaRPr lang="en-US" sz="2400" b="1" dirty="0">
               <a:latin typeface="Consolas" pitchFamily="49" charset="0"/>
               <a:cs typeface="Consolas" pitchFamily="49" charset="0"/>
             </a:endParaRPr>
@@ -15357,21 +14754,21 @@
               <a:buNone/>
             </a:pPr>
             <a:r>
-              <a:rPr lang="en-US" sz="2400" b="1" dirty="0" smtClean="0">
+              <a:rPr lang="en-US" sz="2400" b="1" dirty="0">
                 <a:latin typeface="Consolas" pitchFamily="49" charset="0"/>
                 <a:cs typeface="Consolas" pitchFamily="49" charset="0"/>
               </a:rPr>
               <a:t>    [(empty? </a:t>
             </a:r>
             <a:r>
-              <a:rPr lang="en-US" sz="2400" b="1" dirty="0" err="1" smtClean="0">
+              <a:rPr lang="en-US" sz="2400" b="1" dirty="0" err="1">
                 <a:latin typeface="Consolas" pitchFamily="49" charset="0"/>
                 <a:cs typeface="Consolas" pitchFamily="49" charset="0"/>
               </a:rPr>
               <a:t>lst</a:t>
             </a:r>
             <a:r>
-              <a:rPr lang="en-US" sz="2400" b="1" dirty="0" smtClean="0">
+              <a:rPr lang="en-US" sz="2400" b="1" dirty="0">
                 <a:latin typeface="Consolas" pitchFamily="49" charset="0"/>
                 <a:cs typeface="Consolas" pitchFamily="49" charset="0"/>
               </a:rPr>
@@ -15383,7 +14780,7 @@
               <a:buNone/>
             </a:pPr>
             <a:r>
-              <a:rPr lang="en-US" sz="2400" b="1" dirty="0" smtClean="0">
+              <a:rPr lang="en-US" sz="2400" b="1" dirty="0">
                 <a:latin typeface="Consolas" pitchFamily="49" charset="0"/>
                 <a:cs typeface="Consolas" pitchFamily="49" charset="0"/>
               </a:rPr>
@@ -15395,21 +14792,21 @@
               <a:buNone/>
             </a:pPr>
             <a:r>
-              <a:rPr lang="en-US" sz="2400" b="1" dirty="0" smtClean="0">
+              <a:rPr lang="en-US" sz="2400" b="1" dirty="0">
                 <a:latin typeface="Consolas" pitchFamily="49" charset="0"/>
                 <a:cs typeface="Consolas" pitchFamily="49" charset="0"/>
               </a:rPr>
               <a:t>            (list 1 (first </a:t>
             </a:r>
             <a:r>
-              <a:rPr lang="en-US" sz="2400" b="1" dirty="0" err="1" smtClean="0">
+              <a:rPr lang="en-US" sz="2400" b="1" dirty="0" err="1">
                 <a:latin typeface="Consolas" pitchFamily="49" charset="0"/>
                 <a:cs typeface="Consolas" pitchFamily="49" charset="0"/>
               </a:rPr>
               <a:t>lst</a:t>
             </a:r>
             <a:r>
-              <a:rPr lang="en-US" sz="2400" b="1" dirty="0" smtClean="0">
+              <a:rPr lang="en-US" sz="2400" b="1" dirty="0">
                 <a:latin typeface="Consolas" pitchFamily="49" charset="0"/>
                 <a:cs typeface="Consolas" pitchFamily="49" charset="0"/>
               </a:rPr>
@@ -15421,7 +14818,7 @@
               <a:buNone/>
             </a:pPr>
             <a:r>
-              <a:rPr lang="en-US" sz="2400" b="1" dirty="0" smtClean="0">
+              <a:rPr lang="en-US" sz="2400" b="1" dirty="0">
                 <a:latin typeface="Consolas" pitchFamily="49" charset="0"/>
                 <a:cs typeface="Consolas" pitchFamily="49" charset="0"/>
               </a:rPr>
@@ -15437,24 +14834,17 @@
                 <a:latin typeface="Consolas" pitchFamily="49" charset="0"/>
                 <a:cs typeface="Consolas" pitchFamily="49" charset="0"/>
               </a:rPr>
-              <a:t> </a:t>
-            </a:r>
-            <a:r>
-              <a:rPr lang="en-US" sz="2400" b="1" dirty="0" smtClean="0">
-                <a:latin typeface="Consolas" pitchFamily="49" charset="0"/>
-                <a:cs typeface="Consolas" pitchFamily="49" charset="0"/>
-              </a:rPr>
-              <a:t>             (rest </a:t>
-            </a:r>
-            <a:r>
-              <a:rPr lang="en-US" sz="2400" b="1" dirty="0" err="1" smtClean="0">
+              <a:t>              (rest </a:t>
+            </a:r>
+            <a:r>
+              <a:rPr lang="en-US" sz="2400" b="1" dirty="0" err="1">
                 <a:latin typeface="Consolas" pitchFamily="49" charset="0"/>
                 <a:cs typeface="Consolas" pitchFamily="49" charset="0"/>
               </a:rPr>
               <a:t>lst</a:t>
             </a:r>
             <a:r>
-              <a:rPr lang="en-US" sz="2400" b="1" dirty="0" smtClean="0">
+              <a:rPr lang="en-US" sz="2400" b="1" dirty="0">
                 <a:latin typeface="Consolas" pitchFamily="49" charset="0"/>
                 <a:cs typeface="Consolas" pitchFamily="49" charset="0"/>
               </a:rPr>
@@ -15465,7 +14855,7 @@
             <a:pPr>
               <a:buNone/>
             </a:pPr>
-            <a:endParaRPr lang="en-US" sz="2400" b="1" dirty="0" smtClean="0">
+            <a:endParaRPr lang="en-US" sz="2400" b="1" dirty="0">
               <a:latin typeface="Courier New" pitchFamily="49" charset="0"/>
               <a:cs typeface="Courier New" pitchFamily="49" charset="0"/>
             </a:endParaRPr>
@@ -15551,7 +14941,7 @@
           <a:p>
             <a:pPr algn="ctr"/>
             <a:r>
-              <a:rPr lang="en-US" dirty="0" smtClean="0">
+              <a:rPr lang="en-US" dirty="0">
                 <a:solidFill>
                   <a:schemeClr val="tx1"/>
                 </a:solidFill>
@@ -15559,7 +14949,7 @@
               <a:t>Well, this looks promising.  All we have to do now is write </a:t>
             </a:r>
             <a:r>
-              <a:rPr lang="en-US" b="1" dirty="0" smtClean="0">
+              <a:rPr lang="en-US" b="1" dirty="0">
                 <a:solidFill>
                   <a:schemeClr val="tx1"/>
                 </a:solidFill>
@@ -15579,13 +14969,6 @@
   <p:clrMapOvr>
     <a:masterClrMapping/>
   </p:clrMapOvr>
-  <p:timing>
-    <p:tnLst>
-      <p:par>
-        <p:cTn id="1" dur="indefinite" restart="never" nodeType="tmRoot"/>
-      </p:par>
-    </p:tnLst>
-  </p:timing>
 </p:sld>
 </file>
 

--- a/Slides/Lesson 7.1 Solving Your Problem by Generalization.pptx
+++ b/Slides/Lesson 7.1 Solving Your Problem by Generalization.pptx
@@ -239,7 +239,7 @@
           <a:p>
             <a:fld id="{CA5085ED-56B4-45A6-801A-98AC77E76501}" type="datetimeFigureOut">
               <a:rPr lang="en-US" smtClean="0"/>
-              <a:t>9/30/2016</a:t>
+              <a:t>10/15/2016</a:t>
             </a:fld>
             <a:endParaRPr lang="en-US"/>
           </a:p>
@@ -854,7 +854,7 @@
           <a:p>
             <a:fld id="{2F1F79F5-7BEC-496A-AFC7-876E38F64D71}" type="datetime1">
               <a:rPr lang="en-US" smtClean="0"/>
-              <a:t>9/30/2016</a:t>
+              <a:t>10/15/2016</a:t>
             </a:fld>
             <a:endParaRPr lang="en-US"/>
           </a:p>
@@ -949,7 +949,7 @@
           <a:p>
             <a:fld id="{0A05703A-7669-4FEA-9056-25299B4D29D4}" type="datetime1">
               <a:rPr lang="en-US" smtClean="0"/>
-              <a:t>9/30/2016</a:t>
+              <a:t>10/15/2016</a:t>
             </a:fld>
             <a:endParaRPr lang="en-US"/>
           </a:p>
@@ -1224,7 +1224,7 @@
           <a:p>
             <a:fld id="{6E5077B5-BB57-49DB-88CA-226A139E5C01}" type="datetime1">
               <a:rPr lang="en-US" smtClean="0"/>
-              <a:t>9/30/2016</a:t>
+              <a:t>10/15/2016</a:t>
             </a:fld>
             <a:endParaRPr lang="en-US"/>
           </a:p>
@@ -1476,7 +1476,7 @@
           <a:p>
             <a:fld id="{C48D9447-CBD6-49A1-89FD-8512A8CF8999}" type="datetime1">
               <a:rPr lang="en-US" smtClean="0"/>
-              <a:t>9/30/2016</a:t>
+              <a:t>10/15/2016</a:t>
             </a:fld>
             <a:endParaRPr lang="en-US"/>
           </a:p>
@@ -1644,7 +1644,7 @@
           <a:p>
             <a:fld id="{A3639A2A-823D-48B7-9ACE-7FAF42870BA9}" type="datetime1">
               <a:rPr lang="en-US" smtClean="0"/>
-              <a:t>9/30/2016</a:t>
+              <a:t>10/15/2016</a:t>
             </a:fld>
             <a:endParaRPr lang="en-US"/>
           </a:p>
@@ -1822,7 +1822,7 @@
           <a:p>
             <a:fld id="{ED1B6996-82E9-463C-972C-7B56056E426C}" type="datetime1">
               <a:rPr lang="en-US" smtClean="0"/>
-              <a:t>9/30/2016</a:t>
+              <a:t>10/15/2016</a:t>
             </a:fld>
             <a:endParaRPr lang="en-US"/>
           </a:p>
@@ -1996,7 +1996,7 @@
           <a:p>
             <a:fld id="{E22ED4DA-448D-4BB1-B935-CC112220207B}" type="datetime1">
               <a:rPr lang="en-US" smtClean="0"/>
-              <a:t>9/30/2016</a:t>
+              <a:t>10/15/2016</a:t>
             </a:fld>
             <a:endParaRPr lang="en-US"/>
           </a:p>
@@ -2169,7 +2169,7 @@
           <a:p>
             <a:fld id="{E22ED4DA-448D-4BB1-B935-CC112220207B}" type="datetime1">
               <a:rPr lang="en-US" smtClean="0"/>
-              <a:t>9/30/2016</a:t>
+              <a:t>10/15/2016</a:t>
             </a:fld>
             <a:endParaRPr lang="en-US"/>
           </a:p>
@@ -2429,7 +2429,7 @@
           <a:p>
             <a:fld id="{FF5D65A6-AB94-4435-B0B7-3743215FA46C}" type="datetime1">
               <a:rPr lang="en-US" smtClean="0"/>
-              <a:t>9/30/2016</a:t>
+              <a:t>10/15/2016</a:t>
             </a:fld>
             <a:endParaRPr lang="en-US"/>
           </a:p>
@@ -2605,7 +2605,7 @@
           <a:p>
             <a:fld id="{FF5D65A6-AB94-4435-B0B7-3743215FA46C}" type="datetime1">
               <a:rPr lang="en-US" smtClean="0"/>
-              <a:t>9/30/2016</a:t>
+              <a:t>10/15/2016</a:t>
             </a:fld>
             <a:endParaRPr lang="en-US"/>
           </a:p>
@@ -2899,7 +2899,7 @@
           <a:p>
             <a:fld id="{7C193DC4-6EF0-48C9-B29C-616106A645E1}" type="datetime1">
               <a:rPr lang="en-US" smtClean="0"/>
-              <a:t>9/30/2016</a:t>
+              <a:t>10/15/2016</a:t>
             </a:fld>
             <a:endParaRPr lang="en-US"/>
           </a:p>
@@ -3184,7 +3184,7 @@
           <a:p>
             <a:fld id="{5D1846AD-9252-4647-9435-4C2AC365653A}" type="datetime1">
               <a:rPr lang="en-US" smtClean="0"/>
-              <a:t>9/30/2016</a:t>
+              <a:t>10/15/2016</a:t>
             </a:fld>
             <a:endParaRPr lang="en-US"/>
           </a:p>
@@ -3603,7 +3603,7 @@
           <a:p>
             <a:fld id="{CE56DC10-3561-4063-A6AF-C1CC7A41040A}" type="datetime1">
               <a:rPr lang="en-US" smtClean="0"/>
-              <a:t>9/30/2016</a:t>
+              <a:t>10/15/2016</a:t>
             </a:fld>
             <a:endParaRPr lang="en-US"/>
           </a:p>
@@ -3720,7 +3720,7 @@
           <a:p>
             <a:fld id="{2F7B77F5-1464-4F6B-92A8-64FC8A508293}" type="datetime1">
               <a:rPr lang="en-US" smtClean="0"/>
-              <a:t>9/30/2016</a:t>
+              <a:t>10/15/2016</a:t>
             </a:fld>
             <a:endParaRPr lang="en-US"/>
           </a:p>
@@ -3943,7 +3943,7 @@
           <a:p>
             <a:fld id="{02B3F677-983B-48DB-ADFD-63FE6CBC7FB2}" type="datetime1">
               <a:rPr lang="en-US" smtClean="0"/>
-              <a:t>9/30/2016</a:t>
+              <a:t>10/15/2016</a:t>
             </a:fld>
             <a:endParaRPr lang="en-US"/>
           </a:p>
@@ -4802,7 +4802,9 @@
               <a:lumOff val="60000"/>
             </a:schemeClr>
           </a:solidFill>
-          <a:ln/>
+          <a:ln>
+            <a:noFill/>
+          </a:ln>
         </p:spPr>
         <p:style>
           <a:lnRef idx="2">
@@ -5129,7 +5131,9 @@
               <a:lumOff val="60000"/>
             </a:schemeClr>
           </a:solidFill>
-          <a:ln/>
+          <a:ln>
+            <a:noFill/>
+          </a:ln>
         </p:spPr>
         <p:style>
           <a:lnRef idx="2">
@@ -6413,7 +6417,9 @@
               <a:lumOff val="60000"/>
             </a:schemeClr>
           </a:solidFill>
-          <a:ln/>
+          <a:ln>
+            <a:noFill/>
+          </a:ln>
         </p:spPr>
         <p:style>
           <a:lnRef idx="2">
@@ -6944,7 +6950,9 @@
               <a:lumOff val="60000"/>
             </a:schemeClr>
           </a:solidFill>
-          <a:ln/>
+          <a:ln>
+            <a:noFill/>
+          </a:ln>
         </p:spPr>
         <p:style>
           <a:lnRef idx="2">
@@ -7056,7 +7064,9 @@
               <a:lumOff val="60000"/>
             </a:schemeClr>
           </a:solidFill>
-          <a:ln/>
+          <a:ln>
+            <a:noFill/>
+          </a:ln>
         </p:spPr>
         <p:style>
           <a:lnRef idx="2">
@@ -7856,7 +7866,9 @@
               <a:lumOff val="60000"/>
             </a:schemeClr>
           </a:solidFill>
-          <a:ln/>
+          <a:ln>
+            <a:noFill/>
+          </a:ln>
         </p:spPr>
         <p:style>
           <a:lnRef idx="2">
@@ -7929,7 +7941,9 @@
               <a:lumOff val="60000"/>
             </a:schemeClr>
           </a:solidFill>
-          <a:ln/>
+          <a:ln>
+            <a:noFill/>
+          </a:ln>
         </p:spPr>
         <p:style>
           <a:lnRef idx="2">
@@ -8064,7 +8078,9 @@
               <a:lumOff val="60000"/>
             </a:schemeClr>
           </a:solidFill>
-          <a:ln/>
+          <a:ln>
+            <a:noFill/>
+          </a:ln>
         </p:spPr>
         <p:style>
           <a:lnRef idx="2">
@@ -8129,7 +8145,9 @@
               <a:lumOff val="60000"/>
             </a:schemeClr>
           </a:solidFill>
-          <a:ln/>
+          <a:ln>
+            <a:noFill/>
+          </a:ln>
         </p:spPr>
         <p:style>
           <a:lnRef idx="2">
@@ -8728,7 +8746,9 @@
               <a:lumOff val="60000"/>
             </a:schemeClr>
           </a:solidFill>
-          <a:ln/>
+          <a:ln>
+            <a:noFill/>
+          </a:ln>
         </p:spPr>
         <p:style>
           <a:lnRef idx="2">
@@ -8944,7 +8964,9 @@
               <a:lumOff val="60000"/>
             </a:schemeClr>
           </a:solidFill>
-          <a:ln/>
+          <a:ln>
+            <a:noFill/>
+          </a:ln>
         </p:spPr>
         <p:style>
           <a:lnRef idx="2">
@@ -9178,7 +9200,9 @@
               <a:lumOff val="60000"/>
             </a:schemeClr>
           </a:solidFill>
-          <a:ln/>
+          <a:ln>
+            <a:noFill/>
+          </a:ln>
         </p:spPr>
         <p:style>
           <a:lnRef idx="2">
@@ -9626,7 +9650,9 @@
               <a:lumOff val="60000"/>
             </a:schemeClr>
           </a:solidFill>
-          <a:ln/>
+          <a:ln>
+            <a:noFill/>
+          </a:ln>
         </p:spPr>
         <p:style>
           <a:lnRef idx="2">
@@ -9683,7 +9709,9 @@
               <a:lumOff val="60000"/>
             </a:schemeClr>
           </a:solidFill>
-          <a:ln/>
+          <a:ln>
+            <a:noFill/>
+          </a:ln>
         </p:spPr>
         <p:style>
           <a:lnRef idx="2">
@@ -13687,7 +13715,9 @@
               <a:lumOff val="60000"/>
             </a:schemeClr>
           </a:solidFill>
-          <a:ln/>
+          <a:ln>
+            <a:noFill/>
+          </a:ln>
         </p:spPr>
         <p:style>
           <a:lnRef idx="2">
@@ -14084,7 +14114,9 @@
               <a:lumOff val="60000"/>
             </a:schemeClr>
           </a:solidFill>
-          <a:ln/>
+          <a:ln>
+            <a:noFill/>
+          </a:ln>
         </p:spPr>
         <p:style>
           <a:lnRef idx="2">
@@ -14398,7 +14430,9 @@
               <a:lumOff val="60000"/>
             </a:schemeClr>
           </a:solidFill>
-          <a:ln/>
+          <a:ln>
+            <a:noFill/>
+          </a:ln>
         </p:spPr>
         <p:style>
           <a:lnRef idx="2">
@@ -14455,7 +14489,9 @@
               <a:lumOff val="60000"/>
             </a:schemeClr>
           </a:solidFill>
-          <a:ln/>
+          <a:ln>
+            <a:noFill/>
+          </a:ln>
         </p:spPr>
         <p:style>
           <a:lnRef idx="2">
@@ -14914,7 +14950,9 @@
               <a:lumOff val="60000"/>
             </a:schemeClr>
           </a:solidFill>
-          <a:ln/>
+          <a:ln>
+            <a:noFill/>
+          </a:ln>
         </p:spPr>
         <p:style>
           <a:lnRef idx="2">
